--- a/MDK.pptx
+++ b/MDK.pptx
@@ -5,19 +5,22 @@
     <p:sldMasterId id="2147483648" r:id="rId1"/>
   </p:sldMasterIdLst>
   <p:notesMasterIdLst>
-    <p:notesMasterId r:id="rId12"/>
+    <p:notesMasterId r:id="rId15"/>
   </p:notesMasterIdLst>
   <p:sldIdLst>
     <p:sldId id="256" r:id="rId2"/>
     <p:sldId id="257" r:id="rId3"/>
     <p:sldId id="258" r:id="rId4"/>
-    <p:sldId id="259" r:id="rId5"/>
-    <p:sldId id="262" r:id="rId6"/>
-    <p:sldId id="260" r:id="rId7"/>
-    <p:sldId id="261" r:id="rId8"/>
-    <p:sldId id="265" r:id="rId9"/>
-    <p:sldId id="264" r:id="rId10"/>
-    <p:sldId id="263" r:id="rId11"/>
+    <p:sldId id="266" r:id="rId5"/>
+    <p:sldId id="259" r:id="rId6"/>
+    <p:sldId id="262" r:id="rId7"/>
+    <p:sldId id="267" r:id="rId8"/>
+    <p:sldId id="268" r:id="rId9"/>
+    <p:sldId id="269" r:id="rId10"/>
+    <p:sldId id="261" r:id="rId11"/>
+    <p:sldId id="265" r:id="rId12"/>
+    <p:sldId id="264" r:id="rId13"/>
+    <p:sldId id="263" r:id="rId14"/>
   </p:sldIdLst>
   <p:sldSz cx="12192000" cy="6858000"/>
   <p:notesSz cx="6858000" cy="9144000"/>
@@ -557,6 +560,174 @@
 </p:notes>
 </file>
 
+<file path=ppt/notesSlides/notesSlide10.xml><?xml version="1.0" encoding="utf-8"?>
+<p:notes xmlns:a="http://schemas.openxmlformats.org/drawingml/2006/main" xmlns:r="http://schemas.openxmlformats.org/officeDocument/2006/relationships" xmlns:p="http://schemas.openxmlformats.org/presentationml/2006/main">
+  <p:cSld>
+    <p:spTree>
+      <p:nvGrpSpPr>
+        <p:cNvPr id="1" name=""/>
+        <p:cNvGrpSpPr/>
+        <p:nvPr/>
+      </p:nvGrpSpPr>
+      <p:grpSpPr>
+        <a:xfrm>
+          <a:off x="0" y="0"/>
+          <a:ext cx="0" cy="0"/>
+          <a:chOff x="0" y="0"/>
+          <a:chExt cx="0" cy="0"/>
+        </a:xfrm>
+      </p:grpSpPr>
+      <p:sp>
+        <p:nvSpPr>
+          <p:cNvPr id="2" name="Образ слайда 1"/>
+          <p:cNvSpPr>
+            <a:spLocks noGrp="1" noRot="1" noChangeAspect="1"/>
+          </p:cNvSpPr>
+          <p:nvPr>
+            <p:ph type="sldImg"/>
+          </p:nvPr>
+        </p:nvSpPr>
+        <p:spPr/>
+      </p:sp>
+      <p:sp>
+        <p:nvSpPr>
+          <p:cNvPr id="3" name="Заметки 2"/>
+          <p:cNvSpPr>
+            <a:spLocks noGrp="1"/>
+          </p:cNvSpPr>
+          <p:nvPr>
+            <p:ph type="body" idx="1"/>
+          </p:nvPr>
+        </p:nvSpPr>
+        <p:spPr/>
+        <p:txBody>
+          <a:bodyPr/>
+          <a:lstStyle/>
+          <a:p>
+            <a:endParaRPr lang="ru-RU" dirty="0"/>
+          </a:p>
+        </p:txBody>
+      </p:sp>
+      <p:sp>
+        <p:nvSpPr>
+          <p:cNvPr id="4" name="Номер слайда 3"/>
+          <p:cNvSpPr>
+            <a:spLocks noGrp="1"/>
+          </p:cNvSpPr>
+          <p:nvPr>
+            <p:ph type="sldNum" sz="quarter" idx="5"/>
+          </p:nvPr>
+        </p:nvSpPr>
+        <p:spPr/>
+        <p:txBody>
+          <a:bodyPr/>
+          <a:lstStyle/>
+          <a:p>
+            <a:fld id="{4D8AEA55-591B-4090-8432-8444A9607F42}" type="slidenum">
+              <a:rPr lang="ru-RU" smtClean="0"/>
+              <a:t>11</a:t>
+            </a:fld>
+            <a:endParaRPr lang="ru-RU"/>
+          </a:p>
+        </p:txBody>
+      </p:sp>
+    </p:spTree>
+    <p:extLst>
+      <p:ext uri="{BB962C8B-B14F-4D97-AF65-F5344CB8AC3E}">
+        <p14:creationId xmlns:p14="http://schemas.microsoft.com/office/powerpoint/2010/main" val="3507918582"/>
+      </p:ext>
+    </p:extLst>
+  </p:cSld>
+  <p:clrMapOvr>
+    <a:masterClrMapping/>
+  </p:clrMapOvr>
+</p:notes>
+</file>
+
+<file path=ppt/notesSlides/notesSlide11.xml><?xml version="1.0" encoding="utf-8"?>
+<p:notes xmlns:a="http://schemas.openxmlformats.org/drawingml/2006/main" xmlns:r="http://schemas.openxmlformats.org/officeDocument/2006/relationships" xmlns:p="http://schemas.openxmlformats.org/presentationml/2006/main">
+  <p:cSld>
+    <p:spTree>
+      <p:nvGrpSpPr>
+        <p:cNvPr id="1" name=""/>
+        <p:cNvGrpSpPr/>
+        <p:nvPr/>
+      </p:nvGrpSpPr>
+      <p:grpSpPr>
+        <a:xfrm>
+          <a:off x="0" y="0"/>
+          <a:ext cx="0" cy="0"/>
+          <a:chOff x="0" y="0"/>
+          <a:chExt cx="0" cy="0"/>
+        </a:xfrm>
+      </p:grpSpPr>
+      <p:sp>
+        <p:nvSpPr>
+          <p:cNvPr id="2" name="Образ слайда 1"/>
+          <p:cNvSpPr>
+            <a:spLocks noGrp="1" noRot="1" noChangeAspect="1"/>
+          </p:cNvSpPr>
+          <p:nvPr>
+            <p:ph type="sldImg"/>
+          </p:nvPr>
+        </p:nvSpPr>
+        <p:spPr/>
+      </p:sp>
+      <p:sp>
+        <p:nvSpPr>
+          <p:cNvPr id="3" name="Заметки 2"/>
+          <p:cNvSpPr>
+            <a:spLocks noGrp="1"/>
+          </p:cNvSpPr>
+          <p:nvPr>
+            <p:ph type="body" idx="1"/>
+          </p:nvPr>
+        </p:nvSpPr>
+        <p:spPr/>
+        <p:txBody>
+          <a:bodyPr/>
+          <a:lstStyle/>
+          <a:p>
+            <a:endParaRPr lang="ru-RU" dirty="0"/>
+          </a:p>
+        </p:txBody>
+      </p:sp>
+      <p:sp>
+        <p:nvSpPr>
+          <p:cNvPr id="4" name="Номер слайда 3"/>
+          <p:cNvSpPr>
+            <a:spLocks noGrp="1"/>
+          </p:cNvSpPr>
+          <p:nvPr>
+            <p:ph type="sldNum" sz="quarter" idx="5"/>
+          </p:nvPr>
+        </p:nvSpPr>
+        <p:spPr/>
+        <p:txBody>
+          <a:bodyPr/>
+          <a:lstStyle/>
+          <a:p>
+            <a:fld id="{4D8AEA55-591B-4090-8432-8444A9607F42}" type="slidenum">
+              <a:rPr lang="ru-RU" smtClean="0"/>
+              <a:t>12</a:t>
+            </a:fld>
+            <a:endParaRPr lang="ru-RU"/>
+          </a:p>
+        </p:txBody>
+      </p:sp>
+    </p:spTree>
+    <p:extLst>
+      <p:ext uri="{BB962C8B-B14F-4D97-AF65-F5344CB8AC3E}">
+        <p14:creationId xmlns:p14="http://schemas.microsoft.com/office/powerpoint/2010/main" val="1440450607"/>
+      </p:ext>
+    </p:extLst>
+  </p:cSld>
+  <p:clrMapOvr>
+    <a:masterClrMapping/>
+  </p:clrMapOvr>
+</p:notes>
+</file>
+
 <file path=ppt/notesSlides/notesSlide2.xml><?xml version="1.0" encoding="utf-8"?>
 <p:notes xmlns:a="http://schemas.openxmlformats.org/drawingml/2006/main" xmlns:r="http://schemas.openxmlformats.org/officeDocument/2006/relationships" xmlns:p="http://schemas.openxmlformats.org/presentationml/2006/main">
   <p:cSld>
@@ -715,7 +886,7 @@
     </p:spTree>
     <p:extLst>
       <p:ext uri="{BB962C8B-B14F-4D97-AF65-F5344CB8AC3E}">
-        <p14:creationId xmlns:p14="http://schemas.microsoft.com/office/powerpoint/2010/main" val="658808210"/>
+        <p14:creationId xmlns:p14="http://schemas.microsoft.com/office/powerpoint/2010/main" val="4165093070"/>
       </p:ext>
     </p:extLst>
   </p:cSld>
@@ -799,7 +970,7 @@
     </p:spTree>
     <p:extLst>
       <p:ext uri="{BB962C8B-B14F-4D97-AF65-F5344CB8AC3E}">
-        <p14:creationId xmlns:p14="http://schemas.microsoft.com/office/powerpoint/2010/main" val="2941963126"/>
+        <p14:creationId xmlns:p14="http://schemas.microsoft.com/office/powerpoint/2010/main" val="658808210"/>
       </p:ext>
     </p:extLst>
   </p:cSld>
@@ -883,7 +1054,7 @@
     </p:spTree>
     <p:extLst>
       <p:ext uri="{BB962C8B-B14F-4D97-AF65-F5344CB8AC3E}">
-        <p14:creationId xmlns:p14="http://schemas.microsoft.com/office/powerpoint/2010/main" val="2474827560"/>
+        <p14:creationId xmlns:p14="http://schemas.microsoft.com/office/powerpoint/2010/main" val="2941963126"/>
       </p:ext>
     </p:extLst>
   </p:cSld>
@@ -967,7 +1138,7 @@
     </p:spTree>
     <p:extLst>
       <p:ext uri="{BB962C8B-B14F-4D97-AF65-F5344CB8AC3E}">
-        <p14:creationId xmlns:p14="http://schemas.microsoft.com/office/powerpoint/2010/main" val="4090055188"/>
+        <p14:creationId xmlns:p14="http://schemas.microsoft.com/office/powerpoint/2010/main" val="1630402874"/>
       </p:ext>
     </p:extLst>
   </p:cSld>
@@ -1051,7 +1222,7 @@
     </p:spTree>
     <p:extLst>
       <p:ext uri="{BB962C8B-B14F-4D97-AF65-F5344CB8AC3E}">
-        <p14:creationId xmlns:p14="http://schemas.microsoft.com/office/powerpoint/2010/main" val="3507918582"/>
+        <p14:creationId xmlns:p14="http://schemas.microsoft.com/office/powerpoint/2010/main" val="3537804691"/>
       </p:ext>
     </p:extLst>
   </p:cSld>
@@ -1135,7 +1306,91 @@
     </p:spTree>
     <p:extLst>
       <p:ext uri="{BB962C8B-B14F-4D97-AF65-F5344CB8AC3E}">
-        <p14:creationId xmlns:p14="http://schemas.microsoft.com/office/powerpoint/2010/main" val="1440450607"/>
+        <p14:creationId xmlns:p14="http://schemas.microsoft.com/office/powerpoint/2010/main" val="3678214362"/>
+      </p:ext>
+    </p:extLst>
+  </p:cSld>
+  <p:clrMapOvr>
+    <a:masterClrMapping/>
+  </p:clrMapOvr>
+</p:notes>
+</file>
+
+<file path=ppt/notesSlides/notesSlide9.xml><?xml version="1.0" encoding="utf-8"?>
+<p:notes xmlns:a="http://schemas.openxmlformats.org/drawingml/2006/main" xmlns:r="http://schemas.openxmlformats.org/officeDocument/2006/relationships" xmlns:p="http://schemas.openxmlformats.org/presentationml/2006/main">
+  <p:cSld>
+    <p:spTree>
+      <p:nvGrpSpPr>
+        <p:cNvPr id="1" name=""/>
+        <p:cNvGrpSpPr/>
+        <p:nvPr/>
+      </p:nvGrpSpPr>
+      <p:grpSpPr>
+        <a:xfrm>
+          <a:off x="0" y="0"/>
+          <a:ext cx="0" cy="0"/>
+          <a:chOff x="0" y="0"/>
+          <a:chExt cx="0" cy="0"/>
+        </a:xfrm>
+      </p:grpSpPr>
+      <p:sp>
+        <p:nvSpPr>
+          <p:cNvPr id="2" name="Образ слайда 1"/>
+          <p:cNvSpPr>
+            <a:spLocks noGrp="1" noRot="1" noChangeAspect="1"/>
+          </p:cNvSpPr>
+          <p:nvPr>
+            <p:ph type="sldImg"/>
+          </p:nvPr>
+        </p:nvSpPr>
+        <p:spPr/>
+      </p:sp>
+      <p:sp>
+        <p:nvSpPr>
+          <p:cNvPr id="3" name="Заметки 2"/>
+          <p:cNvSpPr>
+            <a:spLocks noGrp="1"/>
+          </p:cNvSpPr>
+          <p:nvPr>
+            <p:ph type="body" idx="1"/>
+          </p:nvPr>
+        </p:nvSpPr>
+        <p:spPr/>
+        <p:txBody>
+          <a:bodyPr/>
+          <a:lstStyle/>
+          <a:p>
+            <a:endParaRPr lang="ru-RU" dirty="0"/>
+          </a:p>
+        </p:txBody>
+      </p:sp>
+      <p:sp>
+        <p:nvSpPr>
+          <p:cNvPr id="4" name="Номер слайда 3"/>
+          <p:cNvSpPr>
+            <a:spLocks noGrp="1"/>
+          </p:cNvSpPr>
+          <p:nvPr>
+            <p:ph type="sldNum" sz="quarter" idx="5"/>
+          </p:nvPr>
+        </p:nvSpPr>
+        <p:spPr/>
+        <p:txBody>
+          <a:bodyPr/>
+          <a:lstStyle/>
+          <a:p>
+            <a:fld id="{4D8AEA55-591B-4090-8432-8444A9607F42}" type="slidenum">
+              <a:rPr lang="ru-RU" smtClean="0"/>
+              <a:t>10</a:t>
+            </a:fld>
+            <a:endParaRPr lang="ru-RU"/>
+          </a:p>
+        </p:txBody>
+      </p:sp>
+    </p:spTree>
+    <p:extLst>
+      <p:ext uri="{BB962C8B-B14F-4D97-AF65-F5344CB8AC3E}">
+        <p14:creationId xmlns:p14="http://schemas.microsoft.com/office/powerpoint/2010/main" val="4090055188"/>
       </p:ext>
     </p:extLst>
   </p:cSld>
@@ -4808,6 +5063,2369 @@
       </p:grpSpPr>
       <p:sp>
         <p:nvSpPr>
+          <p:cNvPr id="11" name="Прямоугольник 10">
+            <a:extLst>
+              <a:ext uri="{FF2B5EF4-FFF2-40B4-BE49-F238E27FC236}">
+                <a16:creationId xmlns:a16="http://schemas.microsoft.com/office/drawing/2014/main" id="{FF70FB42-FB7B-468B-B2AD-F1C1C8C9412A}"/>
+              </a:ext>
+            </a:extLst>
+          </p:cNvPr>
+          <p:cNvSpPr/>
+          <p:nvPr/>
+        </p:nvSpPr>
+        <p:spPr>
+          <a:xfrm>
+            <a:off x="259354" y="0"/>
+            <a:ext cx="4224554" cy="923330"/>
+          </a:xfrm>
+          <a:prstGeom prst="rect">
+            <a:avLst/>
+          </a:prstGeom>
+          <a:noFill/>
+          <a:effectLst>
+            <a:outerShdw blurRad="50800" dist="38100" dir="5400000" algn="t" rotWithShape="0">
+              <a:prstClr val="black">
+                <a:alpha val="40000"/>
+              </a:prstClr>
+            </a:outerShdw>
+          </a:effectLst>
+        </p:spPr>
+        <p:txBody>
+          <a:bodyPr wrap="none" lIns="91440" tIns="45720" rIns="91440" bIns="45720">
+            <a:spAutoFit/>
+          </a:bodyPr>
+          <a:lstStyle/>
+          <a:p>
+            <a:pPr algn="ctr"/>
+            <a:r>
+              <a:rPr lang="ru-RU" sz="5400" dirty="0">
+                <a:ln w="0"/>
+                <a:solidFill>
+                  <a:srgbClr val="FFCC00"/>
+                </a:solidFill>
+                <a:effectLst>
+                  <a:outerShdw blurRad="38100" dist="19050" dir="2700000" algn="tl" rotWithShape="0">
+                    <a:schemeClr val="dk1">
+                      <a:alpha val="40000"/>
+                    </a:schemeClr>
+                  </a:outerShdw>
+                </a:effectLst>
+              </a:rPr>
+              <a:t>Тестирование</a:t>
+            </a:r>
+          </a:p>
+        </p:txBody>
+      </p:sp>
+      <p:sp>
+        <p:nvSpPr>
+          <p:cNvPr id="19" name="Прямоугольник 18">
+            <a:extLst>
+              <a:ext uri="{FF2B5EF4-FFF2-40B4-BE49-F238E27FC236}">
+                <a16:creationId xmlns:a16="http://schemas.microsoft.com/office/drawing/2014/main" id="{DEA7151A-6810-465B-8ED7-BB1DEF5F4C59}"/>
+              </a:ext>
+            </a:extLst>
+          </p:cNvPr>
+          <p:cNvSpPr/>
+          <p:nvPr/>
+        </p:nvSpPr>
+        <p:spPr>
+          <a:xfrm>
+            <a:off x="11458574" y="6334780"/>
+            <a:ext cx="636729" cy="523220"/>
+          </a:xfrm>
+          <a:prstGeom prst="rect">
+            <a:avLst/>
+          </a:prstGeom>
+          <a:noFill/>
+        </p:spPr>
+        <p:txBody>
+          <a:bodyPr wrap="square" lIns="91440" tIns="45720" rIns="91440" bIns="45720">
+            <a:spAutoFit/>
+          </a:bodyPr>
+          <a:lstStyle/>
+          <a:p>
+            <a:pPr algn="ctr"/>
+            <a:r>
+              <a:rPr lang="ru-RU" sz="2800" b="1" cap="none" spc="50" dirty="0">
+                <a:ln w="0"/>
+                <a:solidFill>
+                  <a:schemeClr val="bg2"/>
+                </a:solidFill>
+                <a:effectLst>
+                  <a:innerShdw blurRad="63500" dist="50800" dir="13500000">
+                    <a:srgbClr val="000000">
+                      <a:alpha val="50000"/>
+                    </a:srgbClr>
+                  </a:innerShdw>
+                </a:effectLst>
+              </a:rPr>
+              <a:t>10</a:t>
+            </a:r>
+          </a:p>
+        </p:txBody>
+      </p:sp>
+      <p:sp>
+        <p:nvSpPr>
+          <p:cNvPr id="2" name="Rectangle 1">
+            <a:extLst>
+              <a:ext uri="{FF2B5EF4-FFF2-40B4-BE49-F238E27FC236}">
+                <a16:creationId xmlns:a16="http://schemas.microsoft.com/office/drawing/2014/main" id="{7088BF7C-E89E-4E39-AE51-9B42E3752B57}"/>
+              </a:ext>
+            </a:extLst>
+          </p:cNvPr>
+          <p:cNvSpPr>
+            <a:spLocks noChangeArrowheads="1"/>
+          </p:cNvSpPr>
+          <p:nvPr/>
+        </p:nvSpPr>
+        <p:spPr bwMode="auto">
+          <a:xfrm>
+            <a:off x="164103" y="932260"/>
+            <a:ext cx="12104097" cy="3477875"/>
+          </a:xfrm>
+          <a:prstGeom prst="rect">
+            <a:avLst/>
+          </a:prstGeom>
+          <a:noFill/>
+          <a:ln>
+            <a:noFill/>
+          </a:ln>
+          <a:effectLst/>
+          <a:extLst>
+            <a:ext uri="{909E8E84-426E-40DD-AFC4-6F175D3DCCD1}">
+              <a14:hiddenFill xmlns:a14="http://schemas.microsoft.com/office/drawing/2010/main">
+                <a:solidFill>
+                  <a:schemeClr val="accent1"/>
+                </a:solidFill>
+              </a14:hiddenFill>
+            </a:ext>
+            <a:ext uri="{91240B29-F687-4F45-9708-019B960494DF}">
+              <a14:hiddenLine xmlns:a14="http://schemas.microsoft.com/office/drawing/2010/main" w="9525">
+                <a:solidFill>
+                  <a:schemeClr val="tx1"/>
+                </a:solidFill>
+                <a:miter lim="800000"/>
+                <a:headEnd/>
+                <a:tailEnd/>
+              </a14:hiddenLine>
+            </a:ext>
+            <a:ext uri="{AF507438-7753-43E0-B8FC-AC1667EBCBE1}">
+              <a14:hiddenEffects xmlns:a14="http://schemas.microsoft.com/office/drawing/2010/main">
+                <a:effectLst>
+                  <a:outerShdw dist="35921" dir="2700000" algn="ctr" rotWithShape="0">
+                    <a:schemeClr val="bg2"/>
+                  </a:outerShdw>
+                </a:effectLst>
+              </a14:hiddenEffects>
+            </a:ext>
+          </a:extLst>
+        </p:spPr>
+        <p:txBody>
+          <a:bodyPr vert="horz" wrap="square" lIns="91440" tIns="45720" rIns="91440" bIns="45720" numCol="1" anchor="ctr" anchorCtr="0" compatLnSpc="1">
+            <a:prstTxWarp prst="textNoShape">
+              <a:avLst/>
+            </a:prstTxWarp>
+            <a:spAutoFit/>
+          </a:bodyPr>
+          <a:lstStyle/>
+          <a:p>
+            <a:pPr marL="0" marR="0" lvl="0" indent="0" algn="l" defTabSz="914400" rtl="0" eaLnBrk="0" fontAlgn="base" latinLnBrk="0" hangingPunct="0">
+              <a:lnSpc>
+                <a:spcPct val="100000"/>
+              </a:lnSpc>
+              <a:spcBef>
+                <a:spcPct val="0"/>
+              </a:spcBef>
+              <a:spcAft>
+                <a:spcPct val="0"/>
+              </a:spcAft>
+              <a:buClrTx/>
+              <a:buSzTx/>
+              <a:buFontTx/>
+              <a:buNone/>
+              <a:tabLst/>
+            </a:pPr>
+            <a:r>
+              <a:rPr kumimoji="0" lang="ru-RU" altLang="ru-RU" sz="2000" b="1" i="0" u="none" strike="noStrike" normalizeH="0" baseline="0" dirty="0">
+                <a:ln w="0"/>
+                <a:solidFill>
+                  <a:srgbClr val="FF9933"/>
+                </a:solidFill>
+                <a:effectLst>
+                  <a:outerShdw blurRad="38100" dist="38100" dir="2700000" algn="tl">
+                    <a:srgbClr val="000000">
+                      <a:alpha val="43137"/>
+                    </a:srgbClr>
+                  </a:outerShdw>
+                </a:effectLst>
+              </a:rPr>
+              <a:t>Ключевые оценочные элементы:</a:t>
+            </a:r>
+          </a:p>
+          <a:p>
+            <a:pPr marL="0" marR="0" lvl="0" indent="0" algn="l" defTabSz="914400" rtl="0" eaLnBrk="0" fontAlgn="base" latinLnBrk="0" hangingPunct="0">
+              <a:lnSpc>
+                <a:spcPct val="100000"/>
+              </a:lnSpc>
+              <a:spcBef>
+                <a:spcPct val="0"/>
+              </a:spcBef>
+              <a:spcAft>
+                <a:spcPct val="0"/>
+              </a:spcAft>
+              <a:buClrTx/>
+              <a:buSzTx/>
+              <a:buFontTx/>
+              <a:buNone/>
+              <a:tabLst/>
+            </a:pPr>
+            <a:endParaRPr kumimoji="0" lang="ru-RU" altLang="ru-RU" sz="2000" b="1" i="0" u="none" strike="noStrike" normalizeH="0" baseline="0" dirty="0">
+              <a:ln w="0"/>
+              <a:solidFill>
+                <a:srgbClr val="FF9933"/>
+              </a:solidFill>
+              <a:effectLst>
+                <a:outerShdw blurRad="38100" dist="38100" dir="2700000" algn="tl">
+                  <a:srgbClr val="000000">
+                    <a:alpha val="43137"/>
+                  </a:srgbClr>
+                </a:outerShdw>
+              </a:effectLst>
+            </a:endParaRPr>
+          </a:p>
+          <a:p>
+            <a:pPr marL="0" marR="0" lvl="0" indent="0" algn="l" defTabSz="914400" rtl="0" eaLnBrk="0" fontAlgn="base" latinLnBrk="0" hangingPunct="0">
+              <a:lnSpc>
+                <a:spcPct val="100000"/>
+              </a:lnSpc>
+              <a:spcBef>
+                <a:spcPct val="0"/>
+              </a:spcBef>
+              <a:spcAft>
+                <a:spcPct val="0"/>
+              </a:spcAft>
+              <a:buClrTx/>
+              <a:buSzTx/>
+              <a:buFontTx/>
+              <a:buChar char="•"/>
+              <a:tabLst/>
+            </a:pPr>
+            <a:r>
+              <a:rPr kumimoji="0" lang="ru-RU" altLang="ru-RU" sz="2000" b="1" i="0" u="none" strike="noStrike" normalizeH="0" baseline="0" dirty="0">
+                <a:ln w="0"/>
+                <a:solidFill>
+                  <a:srgbClr val="FF9933"/>
+                </a:solidFill>
+                <a:effectLst>
+                  <a:outerShdw blurRad="38100" dist="38100" dir="2700000" algn="tl">
+                    <a:srgbClr val="000000">
+                      <a:alpha val="43137"/>
+                    </a:srgbClr>
+                  </a:outerShdw>
+                </a:effectLst>
+              </a:rPr>
+              <a:t>Удобство использования:</a:t>
+            </a:r>
+          </a:p>
+          <a:p>
+            <a:pPr marL="457200" marR="0" lvl="1" indent="0" algn="l" defTabSz="914400" rtl="0" eaLnBrk="0" fontAlgn="base" latinLnBrk="0" hangingPunct="0">
+              <a:lnSpc>
+                <a:spcPct val="100000"/>
+              </a:lnSpc>
+              <a:spcBef>
+                <a:spcPct val="0"/>
+              </a:spcBef>
+              <a:spcAft>
+                <a:spcPct val="0"/>
+              </a:spcAft>
+              <a:buClrTx/>
+              <a:buSzTx/>
+              <a:buFontTx/>
+              <a:buChar char="•"/>
+              <a:tabLst/>
+            </a:pPr>
+            <a:r>
+              <a:rPr kumimoji="0" lang="ru-RU" altLang="ru-RU" sz="2000" b="1" i="0" u="none" strike="noStrike" normalizeH="0" baseline="0" dirty="0">
+                <a:ln w="0"/>
+                <a:solidFill>
+                  <a:srgbClr val="FF9933"/>
+                </a:solidFill>
+                <a:effectLst>
+                  <a:outerShdw blurRad="38100" dist="38100" dir="2700000" algn="tl">
+                    <a:srgbClr val="000000">
+                      <a:alpha val="43137"/>
+                    </a:srgbClr>
+                  </a:outerShdw>
+                </a:effectLst>
+              </a:rPr>
+              <a:t>Повторяющиеся элементы интерфейса на всех страницах</a:t>
+            </a:r>
+          </a:p>
+          <a:p>
+            <a:pPr marL="457200" marR="0" lvl="1" indent="0" algn="l" defTabSz="914400" rtl="0" eaLnBrk="0" fontAlgn="base" latinLnBrk="0" hangingPunct="0">
+              <a:lnSpc>
+                <a:spcPct val="100000"/>
+              </a:lnSpc>
+              <a:spcBef>
+                <a:spcPct val="0"/>
+              </a:spcBef>
+              <a:spcAft>
+                <a:spcPct val="0"/>
+              </a:spcAft>
+              <a:buClrTx/>
+              <a:buSzTx/>
+              <a:buFontTx/>
+              <a:buChar char="•"/>
+              <a:tabLst/>
+            </a:pPr>
+            <a:r>
+              <a:rPr kumimoji="0" lang="ru-RU" altLang="ru-RU" sz="2000" b="1" i="0" u="none" strike="noStrike" normalizeH="0" baseline="0" dirty="0">
+                <a:ln w="0"/>
+                <a:solidFill>
+                  <a:srgbClr val="FF9933"/>
+                </a:solidFill>
+                <a:effectLst>
+                  <a:outerShdw blurRad="38100" dist="38100" dir="2700000" algn="tl">
+                    <a:srgbClr val="000000">
+                      <a:alpha val="43137"/>
+                    </a:srgbClr>
+                  </a:outerShdw>
+                </a:effectLst>
+              </a:rPr>
+              <a:t>Минимум действий: основные функции выполняются в 1 клик</a:t>
+            </a:r>
+          </a:p>
+          <a:p>
+            <a:pPr marL="0" marR="0" lvl="0" indent="0" algn="l" defTabSz="914400" rtl="0" eaLnBrk="0" fontAlgn="base" latinLnBrk="0" hangingPunct="0">
+              <a:lnSpc>
+                <a:spcPct val="100000"/>
+              </a:lnSpc>
+              <a:spcBef>
+                <a:spcPct val="0"/>
+              </a:spcBef>
+              <a:spcAft>
+                <a:spcPct val="0"/>
+              </a:spcAft>
+              <a:buClrTx/>
+              <a:buSzTx/>
+              <a:buFontTx/>
+              <a:buChar char="•"/>
+              <a:tabLst/>
+            </a:pPr>
+            <a:r>
+              <a:rPr kumimoji="0" lang="ru-RU" altLang="ru-RU" sz="2000" b="1" i="0" u="none" strike="noStrike" normalizeH="0" baseline="0" dirty="0">
+                <a:ln w="0"/>
+                <a:solidFill>
+                  <a:srgbClr val="FF9933"/>
+                </a:solidFill>
+                <a:effectLst>
+                  <a:outerShdw blurRad="38100" dist="38100" dir="2700000" algn="tl">
+                    <a:srgbClr val="000000">
+                      <a:alpha val="43137"/>
+                    </a:srgbClr>
+                  </a:outerShdw>
+                </a:effectLst>
+              </a:rPr>
+              <a:t>Производительность:</a:t>
+            </a:r>
+          </a:p>
+          <a:p>
+            <a:pPr marL="457200" marR="0" lvl="1" indent="0" algn="l" defTabSz="914400" rtl="0" eaLnBrk="0" fontAlgn="base" latinLnBrk="0" hangingPunct="0">
+              <a:lnSpc>
+                <a:spcPct val="100000"/>
+              </a:lnSpc>
+              <a:spcBef>
+                <a:spcPct val="0"/>
+              </a:spcBef>
+              <a:spcAft>
+                <a:spcPct val="0"/>
+              </a:spcAft>
+              <a:buClrTx/>
+              <a:buSzTx/>
+              <a:buFontTx/>
+              <a:buChar char="•"/>
+              <a:tabLst/>
+            </a:pPr>
+            <a:r>
+              <a:rPr kumimoji="0" lang="ru-RU" altLang="ru-RU" sz="2000" b="1" i="0" u="none" strike="noStrike" normalizeH="0" baseline="0" dirty="0">
+                <a:ln w="0"/>
+                <a:solidFill>
+                  <a:srgbClr val="FF9933"/>
+                </a:solidFill>
+                <a:effectLst>
+                  <a:outerShdw blurRad="38100" dist="38100" dir="2700000" algn="tl">
+                    <a:srgbClr val="000000">
+                      <a:alpha val="43137"/>
+                    </a:srgbClr>
+                  </a:outerShdw>
+                </a:effectLst>
+              </a:rPr>
+              <a:t>Использовано до 5 JS-скриптов</a:t>
+            </a:r>
+          </a:p>
+          <a:p>
+            <a:pPr marL="457200" marR="0" lvl="1" indent="0" algn="l" defTabSz="914400" rtl="0" eaLnBrk="0" fontAlgn="base" latinLnBrk="0" hangingPunct="0">
+              <a:lnSpc>
+                <a:spcPct val="100000"/>
+              </a:lnSpc>
+              <a:spcBef>
+                <a:spcPct val="0"/>
+              </a:spcBef>
+              <a:spcAft>
+                <a:spcPct val="0"/>
+              </a:spcAft>
+              <a:buClrTx/>
+              <a:buSzTx/>
+              <a:buFontTx/>
+              <a:buChar char="•"/>
+              <a:tabLst/>
+            </a:pPr>
+            <a:r>
+              <a:rPr kumimoji="0" lang="ru-RU" altLang="ru-RU" sz="2000" b="1" i="0" u="none" strike="noStrike" normalizeH="0" baseline="0" dirty="0">
+                <a:ln w="0"/>
+                <a:solidFill>
+                  <a:srgbClr val="FF9933"/>
+                </a:solidFill>
+                <a:effectLst>
+                  <a:outerShdw blurRad="38100" dist="38100" dir="2700000" algn="tl">
+                    <a:srgbClr val="000000">
+                      <a:alpha val="43137"/>
+                    </a:srgbClr>
+                  </a:outerShdw>
+                </a:effectLst>
+              </a:rPr>
+              <a:t>Использование ресурсов ≤ 50 МБ ОЗУ</a:t>
+            </a:r>
+          </a:p>
+          <a:p>
+            <a:pPr marL="0" marR="0" lvl="0" indent="0" algn="l" defTabSz="914400" rtl="0" eaLnBrk="0" fontAlgn="base" latinLnBrk="0" hangingPunct="0">
+              <a:lnSpc>
+                <a:spcPct val="100000"/>
+              </a:lnSpc>
+              <a:spcBef>
+                <a:spcPct val="0"/>
+              </a:spcBef>
+              <a:spcAft>
+                <a:spcPct val="0"/>
+              </a:spcAft>
+              <a:buClrTx/>
+              <a:buSzTx/>
+              <a:buFontTx/>
+              <a:buChar char="•"/>
+              <a:tabLst/>
+            </a:pPr>
+            <a:r>
+              <a:rPr kumimoji="0" lang="ru-RU" altLang="ru-RU" sz="2000" b="1" i="0" u="none" strike="noStrike" normalizeH="0" baseline="0" dirty="0">
+                <a:ln w="0"/>
+                <a:solidFill>
+                  <a:srgbClr val="FF9933"/>
+                </a:solidFill>
+                <a:effectLst>
+                  <a:outerShdw blurRad="38100" dist="38100" dir="2700000" algn="tl">
+                    <a:srgbClr val="000000">
+                      <a:alpha val="43137"/>
+                    </a:srgbClr>
+                  </a:outerShdw>
+                </a:effectLst>
+              </a:rPr>
+              <a:t>Переносимость:</a:t>
+            </a:r>
+          </a:p>
+          <a:p>
+            <a:pPr marL="457200" marR="0" lvl="1" indent="0" algn="l" defTabSz="914400" rtl="0" eaLnBrk="0" fontAlgn="base" latinLnBrk="0" hangingPunct="0">
+              <a:lnSpc>
+                <a:spcPct val="100000"/>
+              </a:lnSpc>
+              <a:spcBef>
+                <a:spcPct val="0"/>
+              </a:spcBef>
+              <a:spcAft>
+                <a:spcPct val="0"/>
+              </a:spcAft>
+              <a:buClrTx/>
+              <a:buSzTx/>
+              <a:buFontTx/>
+              <a:buChar char="•"/>
+              <a:tabLst/>
+            </a:pPr>
+            <a:r>
+              <a:rPr kumimoji="0" lang="ru-RU" altLang="ru-RU" sz="2000" b="1" i="0" u="none" strike="noStrike" normalizeH="0" baseline="0" dirty="0">
+                <a:ln w="0"/>
+                <a:solidFill>
+                  <a:srgbClr val="FF9933"/>
+                </a:solidFill>
+                <a:effectLst>
+                  <a:outerShdw blurRad="38100" dist="38100" dir="2700000" algn="tl">
+                    <a:srgbClr val="000000">
+                      <a:alpha val="43137"/>
+                    </a:srgbClr>
+                  </a:outerShdw>
+                </a:effectLst>
+              </a:rPr>
+              <a:t>Поддержка мобильных, десктопов и Smart TV</a:t>
+            </a:r>
+          </a:p>
+          <a:p>
+            <a:pPr marL="457200" marR="0" lvl="1" indent="0" algn="l" defTabSz="914400" rtl="0" eaLnBrk="0" fontAlgn="base" latinLnBrk="0" hangingPunct="0">
+              <a:lnSpc>
+                <a:spcPct val="100000"/>
+              </a:lnSpc>
+              <a:spcBef>
+                <a:spcPct val="0"/>
+              </a:spcBef>
+              <a:spcAft>
+                <a:spcPct val="0"/>
+              </a:spcAft>
+              <a:buClrTx/>
+              <a:buSzTx/>
+              <a:buFontTx/>
+              <a:buChar char="•"/>
+              <a:tabLst/>
+            </a:pPr>
+            <a:r>
+              <a:rPr kumimoji="0" lang="ru-RU" altLang="ru-RU" sz="2000" b="1" i="0" u="none" strike="noStrike" normalizeH="0" baseline="0" dirty="0">
+                <a:ln w="0"/>
+                <a:solidFill>
+                  <a:srgbClr val="FF9933"/>
+                </a:solidFill>
+                <a:effectLst>
+                  <a:outerShdw blurRad="38100" dist="38100" dir="2700000" algn="tl">
+                    <a:srgbClr val="000000">
+                      <a:alpha val="43137"/>
+                    </a:srgbClr>
+                  </a:outerShdw>
+                </a:effectLst>
+              </a:rPr>
+              <a:t>Браузеры: </a:t>
+            </a:r>
+            <a:r>
+              <a:rPr kumimoji="0" lang="ru-RU" altLang="ru-RU" sz="2000" b="1" i="0" u="none" strike="noStrike" normalizeH="0" baseline="0" dirty="0" err="1">
+                <a:ln w="0"/>
+                <a:solidFill>
+                  <a:srgbClr val="FF9933"/>
+                </a:solidFill>
+                <a:effectLst>
+                  <a:outerShdw blurRad="38100" dist="38100" dir="2700000" algn="tl">
+                    <a:srgbClr val="000000">
+                      <a:alpha val="43137"/>
+                    </a:srgbClr>
+                  </a:outerShdw>
+                </a:effectLst>
+              </a:rPr>
+              <a:t>Chrome</a:t>
+            </a:r>
+            <a:r>
+              <a:rPr kumimoji="0" lang="ru-RU" altLang="ru-RU" sz="2000" b="1" i="0" u="none" strike="noStrike" normalizeH="0" baseline="0" dirty="0">
+                <a:ln w="0"/>
+                <a:solidFill>
+                  <a:srgbClr val="FF9933"/>
+                </a:solidFill>
+                <a:effectLst>
+                  <a:outerShdw blurRad="38100" dist="38100" dir="2700000" algn="tl">
+                    <a:srgbClr val="000000">
+                      <a:alpha val="43137"/>
+                    </a:srgbClr>
+                  </a:outerShdw>
+                </a:effectLst>
+              </a:rPr>
+              <a:t>, Edge, Opera</a:t>
+            </a:r>
+          </a:p>
+        </p:txBody>
+      </p:sp>
+      <p:sp>
+        <p:nvSpPr>
+          <p:cNvPr id="8" name="TextBox 7">
+            <a:extLst>
+              <a:ext uri="{FF2B5EF4-FFF2-40B4-BE49-F238E27FC236}">
+                <a16:creationId xmlns:a16="http://schemas.microsoft.com/office/drawing/2014/main" id="{671CE8C8-0B13-43CE-B0BC-539CF461FC61}"/>
+              </a:ext>
+            </a:extLst>
+          </p:cNvPr>
+          <p:cNvSpPr txBox="1"/>
+          <p:nvPr/>
+        </p:nvSpPr>
+        <p:spPr>
+          <a:xfrm>
+            <a:off x="164103" y="4582418"/>
+            <a:ext cx="11294471" cy="1938992"/>
+          </a:xfrm>
+          <a:prstGeom prst="rect">
+            <a:avLst/>
+          </a:prstGeom>
+          <a:noFill/>
+        </p:spPr>
+        <p:txBody>
+          <a:bodyPr wrap="square">
+            <a:spAutoFit/>
+          </a:bodyPr>
+          <a:lstStyle/>
+          <a:p>
+            <a:r>
+              <a:rPr lang="ru-RU" sz="2000" b="1" dirty="0">
+                <a:solidFill>
+                  <a:srgbClr val="FF9933"/>
+                </a:solidFill>
+                <a:effectLst>
+                  <a:outerShdw blurRad="38100" dist="38100" dir="2700000" algn="tl">
+                    <a:srgbClr val="000000">
+                      <a:alpha val="43137"/>
+                    </a:srgbClr>
+                  </a:outerShdw>
+                </a:effectLst>
+              </a:rPr>
+              <a:t>Методы тестирования:</a:t>
+            </a:r>
+          </a:p>
+          <a:p>
+            <a:endParaRPr lang="ru-RU" sz="2000" b="1" dirty="0">
+              <a:solidFill>
+                <a:srgbClr val="FF9933"/>
+              </a:solidFill>
+              <a:effectLst>
+                <a:outerShdw blurRad="38100" dist="38100" dir="2700000" algn="tl">
+                  <a:srgbClr val="000000">
+                    <a:alpha val="43137"/>
+                  </a:srgbClr>
+                </a:outerShdw>
+              </a:effectLst>
+            </a:endParaRPr>
+          </a:p>
+          <a:p>
+            <a:pPr>
+              <a:buFont typeface="Arial" panose="020B0604020202020204" pitchFamily="34" charset="0"/>
+              <a:buChar char="•"/>
+            </a:pPr>
+            <a:r>
+              <a:rPr lang="ru-RU" sz="2000" b="1" dirty="0">
+                <a:solidFill>
+                  <a:srgbClr val="FF9933"/>
+                </a:solidFill>
+                <a:effectLst>
+                  <a:outerShdw blurRad="38100" dist="38100" dir="2700000" algn="tl">
+                    <a:srgbClr val="000000">
+                      <a:alpha val="43137"/>
+                    </a:srgbClr>
+                  </a:outerShdw>
+                </a:effectLst>
+              </a:rPr>
+              <a:t> </a:t>
+            </a:r>
+            <a:r>
+              <a:rPr lang="ru-RU" sz="2000" b="1" dirty="0" err="1">
+                <a:solidFill>
+                  <a:srgbClr val="FF9933"/>
+                </a:solidFill>
+                <a:effectLst>
+                  <a:outerShdw blurRad="38100" dist="38100" dir="2700000" algn="tl">
+                    <a:srgbClr val="000000">
+                      <a:alpha val="43137"/>
+                    </a:srgbClr>
+                  </a:outerShdw>
+                </a:effectLst>
+              </a:rPr>
+              <a:t>Валидационные</a:t>
+            </a:r>
+            <a:r>
+              <a:rPr lang="ru-RU" sz="2000" b="1" dirty="0">
+                <a:solidFill>
+                  <a:srgbClr val="FF9933"/>
+                </a:solidFill>
+                <a:effectLst>
+                  <a:outerShdw blurRad="38100" dist="38100" dir="2700000" algn="tl">
+                    <a:srgbClr val="000000">
+                      <a:alpha val="43137"/>
+                    </a:srgbClr>
+                  </a:outerShdw>
+                </a:effectLst>
+              </a:rPr>
+              <a:t> и верификационные испытания</a:t>
+            </a:r>
+          </a:p>
+          <a:p>
+            <a:pPr>
+              <a:buFont typeface="Arial" panose="020B0604020202020204" pitchFamily="34" charset="0"/>
+              <a:buChar char="•"/>
+            </a:pPr>
+            <a:r>
+              <a:rPr lang="ru-RU" sz="2000" b="1" dirty="0">
+                <a:solidFill>
+                  <a:srgbClr val="FF9933"/>
+                </a:solidFill>
+                <a:effectLst>
+                  <a:outerShdw blurRad="38100" dist="38100" dir="2700000" algn="tl">
+                    <a:srgbClr val="000000">
+                      <a:alpha val="43137"/>
+                    </a:srgbClr>
+                  </a:outerShdw>
+                </a:effectLst>
+              </a:rPr>
+              <a:t> Позитивные тесты: корректные данные → успешная отправка заявки</a:t>
+            </a:r>
+          </a:p>
+          <a:p>
+            <a:pPr>
+              <a:buFont typeface="Arial" panose="020B0604020202020204" pitchFamily="34" charset="0"/>
+              <a:buChar char="•"/>
+            </a:pPr>
+            <a:r>
+              <a:rPr lang="ru-RU" sz="2000" b="1" dirty="0">
+                <a:solidFill>
+                  <a:srgbClr val="FF9933"/>
+                </a:solidFill>
+                <a:effectLst>
+                  <a:outerShdw blurRad="38100" dist="38100" dir="2700000" algn="tl">
+                    <a:srgbClr val="000000">
+                      <a:alpha val="43137"/>
+                    </a:srgbClr>
+                  </a:outerShdw>
+                </a:effectLst>
+              </a:rPr>
+              <a:t> Негативные тесты: ошибки (например, кириллица в </a:t>
+            </a:r>
+            <a:r>
+              <a:rPr lang="ru-RU" sz="2000" b="1" dirty="0" err="1">
+                <a:solidFill>
+                  <a:srgbClr val="FF9933"/>
+                </a:solidFill>
+                <a:effectLst>
+                  <a:outerShdw blurRad="38100" dist="38100" dir="2700000" algn="tl">
+                    <a:srgbClr val="000000">
+                      <a:alpha val="43137"/>
+                    </a:srgbClr>
+                  </a:outerShdw>
+                </a:effectLst>
+              </a:rPr>
+              <a:t>email</a:t>
+            </a:r>
+            <a:r>
+              <a:rPr lang="ru-RU" sz="2000" b="1" dirty="0">
+                <a:solidFill>
+                  <a:srgbClr val="FF9933"/>
+                </a:solidFill>
+                <a:effectLst>
+                  <a:outerShdw blurRad="38100" dist="38100" dir="2700000" algn="tl">
+                    <a:srgbClr val="000000">
+                      <a:alpha val="43137"/>
+                    </a:srgbClr>
+                  </a:outerShdw>
+                </a:effectLst>
+              </a:rPr>
+              <a:t>, будущее в дате рождения) → блокировка формы</a:t>
+            </a:r>
+          </a:p>
+        </p:txBody>
+      </p:sp>
+    </p:spTree>
+    <p:extLst>
+      <p:ext uri="{BB962C8B-B14F-4D97-AF65-F5344CB8AC3E}">
+        <p14:creationId xmlns:p14="http://schemas.microsoft.com/office/powerpoint/2010/main" val="3336923199"/>
+      </p:ext>
+    </p:extLst>
+  </p:cSld>
+  <p:clrMapOvr>
+    <a:masterClrMapping/>
+  </p:clrMapOvr>
+  <p:transition spd="slow">
+    <p:pull dir="lu"/>
+  </p:transition>
+</p:sld>
+</file>
+
+<file path=ppt/slides/slide11.xml><?xml version="1.0" encoding="utf-8"?>
+<p:sld xmlns:a="http://schemas.openxmlformats.org/drawingml/2006/main" xmlns:r="http://schemas.openxmlformats.org/officeDocument/2006/relationships" xmlns:p="http://schemas.openxmlformats.org/presentationml/2006/main">
+  <p:cSld>
+    <p:spTree>
+      <p:nvGrpSpPr>
+        <p:cNvPr id="1" name=""/>
+        <p:cNvGrpSpPr/>
+        <p:nvPr/>
+      </p:nvGrpSpPr>
+      <p:grpSpPr>
+        <a:xfrm>
+          <a:off x="0" y="0"/>
+          <a:ext cx="0" cy="0"/>
+          <a:chOff x="0" y="0"/>
+          <a:chExt cx="0" cy="0"/>
+        </a:xfrm>
+      </p:grpSpPr>
+      <p:sp>
+        <p:nvSpPr>
+          <p:cNvPr id="11" name="Прямоугольник 10">
+            <a:extLst>
+              <a:ext uri="{FF2B5EF4-FFF2-40B4-BE49-F238E27FC236}">
+                <a16:creationId xmlns:a16="http://schemas.microsoft.com/office/drawing/2014/main" id="{FF70FB42-FB7B-468B-B2AD-F1C1C8C9412A}"/>
+              </a:ext>
+            </a:extLst>
+          </p:cNvPr>
+          <p:cNvSpPr/>
+          <p:nvPr/>
+        </p:nvSpPr>
+        <p:spPr>
+          <a:xfrm>
+            <a:off x="259354" y="0"/>
+            <a:ext cx="4224554" cy="923330"/>
+          </a:xfrm>
+          <a:prstGeom prst="rect">
+            <a:avLst/>
+          </a:prstGeom>
+          <a:noFill/>
+          <a:effectLst>
+            <a:outerShdw blurRad="50800" dist="38100" dir="5400000" algn="t" rotWithShape="0">
+              <a:prstClr val="black">
+                <a:alpha val="40000"/>
+              </a:prstClr>
+            </a:outerShdw>
+          </a:effectLst>
+        </p:spPr>
+        <p:txBody>
+          <a:bodyPr wrap="none" lIns="91440" tIns="45720" rIns="91440" bIns="45720">
+            <a:spAutoFit/>
+          </a:bodyPr>
+          <a:lstStyle/>
+          <a:p>
+            <a:pPr algn="ctr"/>
+            <a:r>
+              <a:rPr lang="ru-RU" sz="5400" dirty="0">
+                <a:ln w="0"/>
+                <a:solidFill>
+                  <a:srgbClr val="FFCC00"/>
+                </a:solidFill>
+                <a:effectLst>
+                  <a:outerShdw blurRad="38100" dist="19050" dir="2700000" algn="tl" rotWithShape="0">
+                    <a:schemeClr val="dk1">
+                      <a:alpha val="40000"/>
+                    </a:schemeClr>
+                  </a:outerShdw>
+                </a:effectLst>
+              </a:rPr>
+              <a:t>Тестирование</a:t>
+            </a:r>
+          </a:p>
+        </p:txBody>
+      </p:sp>
+      <p:sp>
+        <p:nvSpPr>
+          <p:cNvPr id="19" name="Прямоугольник 18">
+            <a:extLst>
+              <a:ext uri="{FF2B5EF4-FFF2-40B4-BE49-F238E27FC236}">
+                <a16:creationId xmlns:a16="http://schemas.microsoft.com/office/drawing/2014/main" id="{DEA7151A-6810-465B-8ED7-BB1DEF5F4C59}"/>
+              </a:ext>
+            </a:extLst>
+          </p:cNvPr>
+          <p:cNvSpPr/>
+          <p:nvPr/>
+        </p:nvSpPr>
+        <p:spPr>
+          <a:xfrm>
+            <a:off x="11445766" y="6334780"/>
+            <a:ext cx="649537" cy="523220"/>
+          </a:xfrm>
+          <a:prstGeom prst="rect">
+            <a:avLst/>
+          </a:prstGeom>
+          <a:noFill/>
+        </p:spPr>
+        <p:txBody>
+          <a:bodyPr wrap="square" lIns="91440" tIns="45720" rIns="91440" bIns="45720">
+            <a:spAutoFit/>
+          </a:bodyPr>
+          <a:lstStyle/>
+          <a:p>
+            <a:pPr algn="ctr"/>
+            <a:r>
+              <a:rPr lang="en-US" sz="2800" b="1" cap="none" spc="50" dirty="0">
+                <a:ln w="0"/>
+                <a:solidFill>
+                  <a:schemeClr val="bg2"/>
+                </a:solidFill>
+                <a:effectLst>
+                  <a:innerShdw blurRad="63500" dist="50800" dir="13500000">
+                    <a:srgbClr val="000000">
+                      <a:alpha val="50000"/>
+                    </a:srgbClr>
+                  </a:innerShdw>
+                </a:effectLst>
+              </a:rPr>
+              <a:t>1</a:t>
+            </a:r>
+            <a:r>
+              <a:rPr lang="ru-RU" sz="2800" b="1" cap="none" spc="50" dirty="0">
+                <a:ln w="0"/>
+                <a:solidFill>
+                  <a:schemeClr val="bg2"/>
+                </a:solidFill>
+                <a:effectLst>
+                  <a:innerShdw blurRad="63500" dist="50800" dir="13500000">
+                    <a:srgbClr val="000000">
+                      <a:alpha val="50000"/>
+                    </a:srgbClr>
+                  </a:innerShdw>
+                </a:effectLst>
+              </a:rPr>
+              <a:t>1</a:t>
+            </a:r>
+          </a:p>
+        </p:txBody>
+      </p:sp>
+      <p:pic>
+        <p:nvPicPr>
+          <p:cNvPr id="9" name="Рисунок 8">
+            <a:extLst>
+              <a:ext uri="{FF2B5EF4-FFF2-40B4-BE49-F238E27FC236}">
+                <a16:creationId xmlns:a16="http://schemas.microsoft.com/office/drawing/2014/main" id="{4CABC7A5-7F2D-445A-9068-947312EE4E8B}"/>
+              </a:ext>
+            </a:extLst>
+          </p:cNvPr>
+          <p:cNvPicPr/>
+          <p:nvPr/>
+        </p:nvPicPr>
+        <p:blipFill>
+          <a:blip r:embed="rId3">
+            <a:extLst>
+              <a:ext uri="{28A0092B-C50C-407E-A947-70E740481C1C}">
+                <a14:useLocalDpi xmlns:a14="http://schemas.microsoft.com/office/drawing/2010/main" val="0"/>
+              </a:ext>
+            </a:extLst>
+          </a:blip>
+          <a:stretch>
+            <a:fillRect/>
+          </a:stretch>
+        </p:blipFill>
+        <p:spPr>
+          <a:xfrm>
+            <a:off x="9013957" y="1528446"/>
+            <a:ext cx="2710683" cy="4643755"/>
+          </a:xfrm>
+          <a:prstGeom prst="rect">
+            <a:avLst/>
+          </a:prstGeom>
+          <a:ln w="76200">
+            <a:solidFill>
+              <a:srgbClr val="8C3FC5"/>
+            </a:solidFill>
+          </a:ln>
+          <a:effectLst>
+            <a:glow rad="101600">
+              <a:srgbClr val="8C3FC5">
+                <a:alpha val="60000"/>
+              </a:srgbClr>
+            </a:glow>
+          </a:effectLst>
+        </p:spPr>
+      </p:pic>
+      <p:sp>
+        <p:nvSpPr>
+          <p:cNvPr id="7" name="Rectangle 2">
+            <a:extLst>
+              <a:ext uri="{FF2B5EF4-FFF2-40B4-BE49-F238E27FC236}">
+                <a16:creationId xmlns:a16="http://schemas.microsoft.com/office/drawing/2014/main" id="{B93628B3-07F7-4E3C-A767-CE96FB01BFB8}"/>
+              </a:ext>
+            </a:extLst>
+          </p:cNvPr>
+          <p:cNvSpPr>
+            <a:spLocks noChangeArrowheads="1"/>
+          </p:cNvSpPr>
+          <p:nvPr/>
+        </p:nvSpPr>
+        <p:spPr bwMode="auto">
+          <a:xfrm>
+            <a:off x="126002" y="874455"/>
+            <a:ext cx="9153525" cy="2554545"/>
+          </a:xfrm>
+          <a:prstGeom prst="rect">
+            <a:avLst/>
+          </a:prstGeom>
+          <a:noFill/>
+          <a:ln>
+            <a:noFill/>
+          </a:ln>
+          <a:effectLst/>
+          <a:extLst>
+            <a:ext uri="{909E8E84-426E-40DD-AFC4-6F175D3DCCD1}">
+              <a14:hiddenFill xmlns:a14="http://schemas.microsoft.com/office/drawing/2010/main">
+                <a:solidFill>
+                  <a:schemeClr val="accent1"/>
+                </a:solidFill>
+              </a14:hiddenFill>
+            </a:ext>
+            <a:ext uri="{91240B29-F687-4F45-9708-019B960494DF}">
+              <a14:hiddenLine xmlns:a14="http://schemas.microsoft.com/office/drawing/2010/main" w="9525">
+                <a:solidFill>
+                  <a:schemeClr val="tx1"/>
+                </a:solidFill>
+                <a:miter lim="800000"/>
+                <a:headEnd/>
+                <a:tailEnd/>
+              </a14:hiddenLine>
+            </a:ext>
+            <a:ext uri="{AF507438-7753-43E0-B8FC-AC1667EBCBE1}">
+              <a14:hiddenEffects xmlns:a14="http://schemas.microsoft.com/office/drawing/2010/main">
+                <a:effectLst>
+                  <a:outerShdw dist="35921" dir="2700000" algn="ctr" rotWithShape="0">
+                    <a:schemeClr val="bg2"/>
+                  </a:outerShdw>
+                </a:effectLst>
+              </a14:hiddenEffects>
+            </a:ext>
+          </a:extLst>
+        </p:spPr>
+        <p:txBody>
+          <a:bodyPr vert="horz" wrap="square" lIns="91440" tIns="45720" rIns="91440" bIns="45720" numCol="1" anchor="ctr" anchorCtr="0" compatLnSpc="1">
+            <a:prstTxWarp prst="textNoShape">
+              <a:avLst/>
+            </a:prstTxWarp>
+            <a:spAutoFit/>
+          </a:bodyPr>
+          <a:lstStyle/>
+          <a:p>
+            <a:pPr marL="0" marR="0" lvl="0" indent="0" algn="l" defTabSz="914400" rtl="0" eaLnBrk="0" fontAlgn="base" latinLnBrk="0" hangingPunct="0">
+              <a:lnSpc>
+                <a:spcPct val="100000"/>
+              </a:lnSpc>
+              <a:spcBef>
+                <a:spcPct val="0"/>
+              </a:spcBef>
+              <a:spcAft>
+                <a:spcPct val="0"/>
+              </a:spcAft>
+              <a:buClrTx/>
+              <a:buSzTx/>
+              <a:buFontTx/>
+              <a:buNone/>
+              <a:tabLst/>
+            </a:pPr>
+            <a:r>
+              <a:rPr kumimoji="0" lang="ru-RU" altLang="ru-RU" sz="2000" b="1" i="0" u="none" strike="noStrike" cap="none" normalizeH="0" baseline="0" dirty="0">
+                <a:ln>
+                  <a:noFill/>
+                </a:ln>
+                <a:solidFill>
+                  <a:srgbClr val="FF9933"/>
+                </a:solidFill>
+                <a:effectLst>
+                  <a:outerShdw blurRad="38100" dist="38100" dir="2700000" algn="tl">
+                    <a:srgbClr val="000000">
+                      <a:alpha val="43137"/>
+                    </a:srgbClr>
+                  </a:outerShdw>
+                </a:effectLst>
+              </a:rPr>
+              <a:t>Форма тест-кейсов:</a:t>
+            </a:r>
+          </a:p>
+          <a:p>
+            <a:pPr marL="0" marR="0" lvl="0" indent="0" algn="l" defTabSz="914400" rtl="0" eaLnBrk="0" fontAlgn="base" latinLnBrk="0" hangingPunct="0">
+              <a:lnSpc>
+                <a:spcPct val="100000"/>
+              </a:lnSpc>
+              <a:spcBef>
+                <a:spcPct val="0"/>
+              </a:spcBef>
+              <a:spcAft>
+                <a:spcPct val="0"/>
+              </a:spcAft>
+              <a:buClrTx/>
+              <a:buSzTx/>
+              <a:buFontTx/>
+              <a:buChar char="•"/>
+              <a:tabLst/>
+            </a:pPr>
+            <a:r>
+              <a:rPr kumimoji="0" lang="ru-RU" altLang="ru-RU" sz="2000" b="1" i="0" u="none" strike="noStrike" cap="none" normalizeH="0" baseline="0" dirty="0">
+                <a:ln>
+                  <a:noFill/>
+                </a:ln>
+                <a:solidFill>
+                  <a:srgbClr val="FF9933"/>
+                </a:solidFill>
+                <a:effectLst>
+                  <a:outerShdw blurRad="38100" dist="38100" dir="2700000" algn="tl">
+                    <a:srgbClr val="000000">
+                      <a:alpha val="43137"/>
+                    </a:srgbClr>
+                  </a:outerShdw>
+                </a:effectLst>
+              </a:rPr>
+              <a:t>Представлена в виде таблиц с полями: элемент, тип, требования (валидация, формат, длина, допустимые символы и т.д.)</a:t>
+            </a:r>
+          </a:p>
+          <a:p>
+            <a:pPr marL="0" marR="0" lvl="0" indent="0" algn="l" defTabSz="914400" rtl="0" eaLnBrk="0" fontAlgn="base" latinLnBrk="0" hangingPunct="0">
+              <a:lnSpc>
+                <a:spcPct val="100000"/>
+              </a:lnSpc>
+              <a:spcBef>
+                <a:spcPct val="0"/>
+              </a:spcBef>
+              <a:spcAft>
+                <a:spcPct val="0"/>
+              </a:spcAft>
+              <a:buClrTx/>
+              <a:buSzTx/>
+              <a:tabLst/>
+            </a:pPr>
+            <a:r>
+              <a:rPr kumimoji="0" lang="ru-RU" altLang="ru-RU" sz="2000" b="1" i="0" u="none" strike="noStrike" cap="none" normalizeH="0" baseline="0" dirty="0">
+                <a:ln>
+                  <a:noFill/>
+                </a:ln>
+                <a:solidFill>
+                  <a:srgbClr val="FF9933"/>
+                </a:solidFill>
+                <a:effectLst>
+                  <a:outerShdw blurRad="38100" dist="38100" dir="2700000" algn="tl">
+                    <a:srgbClr val="000000">
+                      <a:alpha val="43137"/>
+                    </a:srgbClr>
+                  </a:outerShdw>
+                </a:effectLst>
+              </a:rPr>
+              <a:t>Примеры требований полей:</a:t>
+            </a:r>
+          </a:p>
+          <a:p>
+            <a:pPr marL="457200" marR="0" lvl="1" indent="0" algn="l" defTabSz="914400" rtl="0" eaLnBrk="0" fontAlgn="base" latinLnBrk="0" hangingPunct="0">
+              <a:lnSpc>
+                <a:spcPct val="100000"/>
+              </a:lnSpc>
+              <a:spcBef>
+                <a:spcPct val="0"/>
+              </a:spcBef>
+              <a:spcAft>
+                <a:spcPct val="0"/>
+              </a:spcAft>
+              <a:buClrTx/>
+              <a:buSzTx/>
+              <a:buFontTx/>
+              <a:buChar char="•"/>
+              <a:tabLst/>
+            </a:pPr>
+            <a:r>
+              <a:rPr kumimoji="0" lang="ru-RU" altLang="ru-RU" sz="2000" b="1" i="0" u="none" strike="noStrike" cap="none" normalizeH="0" baseline="0" dirty="0">
+                <a:ln>
+                  <a:noFill/>
+                </a:ln>
+                <a:solidFill>
+                  <a:srgbClr val="FF9933"/>
+                </a:solidFill>
+                <a:effectLst>
+                  <a:outerShdw blurRad="38100" dist="38100" dir="2700000" algn="tl">
+                    <a:srgbClr val="000000">
+                      <a:alpha val="43137"/>
+                    </a:srgbClr>
+                  </a:outerShdw>
+                </a:effectLst>
+              </a:rPr>
+              <a:t>Имя, Фамилия, Отчество — только кириллица, от 2 до 25 символов</a:t>
+            </a:r>
+          </a:p>
+          <a:p>
+            <a:pPr marL="457200" marR="0" lvl="1" indent="0" algn="l" defTabSz="914400" rtl="0" eaLnBrk="0" fontAlgn="base" latinLnBrk="0" hangingPunct="0">
+              <a:lnSpc>
+                <a:spcPct val="100000"/>
+              </a:lnSpc>
+              <a:spcBef>
+                <a:spcPct val="0"/>
+              </a:spcBef>
+              <a:spcAft>
+                <a:spcPct val="0"/>
+              </a:spcAft>
+              <a:buClrTx/>
+              <a:buSzTx/>
+              <a:buFontTx/>
+              <a:buChar char="•"/>
+              <a:tabLst/>
+            </a:pPr>
+            <a:r>
+              <a:rPr kumimoji="0" lang="ru-RU" altLang="ru-RU" sz="2000" b="1" i="0" u="none" strike="noStrike" cap="none" normalizeH="0" baseline="0" dirty="0" err="1">
+                <a:ln>
+                  <a:noFill/>
+                </a:ln>
+                <a:solidFill>
+                  <a:srgbClr val="FF9933"/>
+                </a:solidFill>
+                <a:effectLst>
+                  <a:outerShdw blurRad="38100" dist="38100" dir="2700000" algn="tl">
+                    <a:srgbClr val="000000">
+                      <a:alpha val="43137"/>
+                    </a:srgbClr>
+                  </a:outerShdw>
+                </a:effectLst>
+              </a:rPr>
+              <a:t>Email</a:t>
+            </a:r>
+            <a:r>
+              <a:rPr kumimoji="0" lang="ru-RU" altLang="ru-RU" sz="2000" b="1" i="0" u="none" strike="noStrike" cap="none" normalizeH="0" baseline="0" dirty="0">
+                <a:ln>
+                  <a:noFill/>
+                </a:ln>
+                <a:solidFill>
+                  <a:srgbClr val="FF9933"/>
+                </a:solidFill>
+                <a:effectLst>
+                  <a:outerShdw blurRad="38100" dist="38100" dir="2700000" algn="tl">
+                    <a:srgbClr val="000000">
+                      <a:alpha val="43137"/>
+                    </a:srgbClr>
+                  </a:outerShdw>
+                </a:effectLst>
+              </a:rPr>
+              <a:t> — только латиница, шаблон </a:t>
+            </a:r>
+            <a:r>
+              <a:rPr kumimoji="0" lang="ru-RU" altLang="ru-RU" sz="2000" b="1" i="1" u="none" strike="noStrike" cap="none" normalizeH="0" baseline="0" dirty="0">
+                <a:ln>
+                  <a:noFill/>
+                </a:ln>
+                <a:solidFill>
+                  <a:srgbClr val="FF9933"/>
+                </a:solidFill>
+                <a:effectLst>
+                  <a:outerShdw blurRad="38100" dist="38100" dir="2700000" algn="tl">
+                    <a:srgbClr val="000000">
+                      <a:alpha val="43137"/>
+                    </a:srgbClr>
+                  </a:outerShdw>
+                </a:effectLst>
+              </a:rPr>
+              <a:t>@</a:t>
+            </a:r>
+            <a:r>
+              <a:rPr kumimoji="0" lang="ru-RU" altLang="ru-RU" sz="2000" b="1" i="0" u="none" strike="noStrike" cap="none" normalizeH="0" baseline="0" dirty="0">
+                <a:ln>
+                  <a:noFill/>
+                </a:ln>
+                <a:solidFill>
+                  <a:srgbClr val="FF9933"/>
+                </a:solidFill>
+                <a:effectLst>
+                  <a:outerShdw blurRad="38100" dist="38100" dir="2700000" algn="tl">
+                    <a:srgbClr val="000000">
+                      <a:alpha val="43137"/>
+                    </a:srgbClr>
+                  </a:outerShdw>
+                </a:effectLst>
+              </a:rPr>
+              <a:t>.*, не более 20 символов</a:t>
+            </a:r>
+          </a:p>
+          <a:p>
+            <a:pPr marL="457200" marR="0" lvl="1" indent="0" algn="l" defTabSz="914400" rtl="0" eaLnBrk="0" fontAlgn="base" latinLnBrk="0" hangingPunct="0">
+              <a:lnSpc>
+                <a:spcPct val="100000"/>
+              </a:lnSpc>
+              <a:spcBef>
+                <a:spcPct val="0"/>
+              </a:spcBef>
+              <a:spcAft>
+                <a:spcPct val="0"/>
+              </a:spcAft>
+              <a:buClrTx/>
+              <a:buSzTx/>
+              <a:buFontTx/>
+              <a:buChar char="•"/>
+              <a:tabLst/>
+            </a:pPr>
+            <a:r>
+              <a:rPr kumimoji="0" lang="ru-RU" altLang="ru-RU" sz="2000" b="1" i="0" u="none" strike="noStrike" cap="none" normalizeH="0" baseline="0" dirty="0">
+                <a:ln>
+                  <a:noFill/>
+                </a:ln>
+                <a:solidFill>
+                  <a:srgbClr val="FF9933"/>
+                </a:solidFill>
+                <a:effectLst>
+                  <a:outerShdw blurRad="38100" dist="38100" dir="2700000" algn="tl">
+                    <a:srgbClr val="000000">
+                      <a:alpha val="43137"/>
+                    </a:srgbClr>
+                  </a:outerShdw>
+                </a:effectLst>
+              </a:rPr>
+              <a:t>Дата рождения — только календарный выбор, без будущих дат</a:t>
+            </a:r>
+          </a:p>
+          <a:p>
+            <a:pPr marL="0" marR="0" lvl="0" indent="0" algn="l" defTabSz="914400" rtl="0" eaLnBrk="0" fontAlgn="base" latinLnBrk="0" hangingPunct="0">
+              <a:lnSpc>
+                <a:spcPct val="100000"/>
+              </a:lnSpc>
+              <a:spcBef>
+                <a:spcPct val="0"/>
+              </a:spcBef>
+              <a:spcAft>
+                <a:spcPct val="0"/>
+              </a:spcAft>
+              <a:buClrTx/>
+              <a:buSzTx/>
+              <a:buFontTx/>
+              <a:buNone/>
+              <a:tabLst/>
+            </a:pPr>
+            <a:endParaRPr kumimoji="0" lang="ru-RU" altLang="ru-RU" sz="2000" b="1" i="0" u="none" strike="noStrike" cap="none" normalizeH="0" baseline="0" dirty="0">
+              <a:ln>
+                <a:noFill/>
+              </a:ln>
+              <a:solidFill>
+                <a:srgbClr val="FF9933"/>
+              </a:solidFill>
+              <a:effectLst>
+                <a:outerShdw blurRad="38100" dist="38100" dir="2700000" algn="tl">
+                  <a:srgbClr val="000000">
+                    <a:alpha val="43137"/>
+                  </a:srgbClr>
+                </a:outerShdw>
+              </a:effectLst>
+            </a:endParaRPr>
+          </a:p>
+        </p:txBody>
+      </p:sp>
+      <p:sp>
+        <p:nvSpPr>
+          <p:cNvPr id="12" name="Rectangle 2">
+            <a:extLst>
+              <a:ext uri="{FF2B5EF4-FFF2-40B4-BE49-F238E27FC236}">
+                <a16:creationId xmlns:a16="http://schemas.microsoft.com/office/drawing/2014/main" id="{1C98EB8B-CA0B-4237-99C2-821D3F000996}"/>
+              </a:ext>
+            </a:extLst>
+          </p:cNvPr>
+          <p:cNvSpPr>
+            <a:spLocks noChangeArrowheads="1"/>
+          </p:cNvSpPr>
+          <p:nvPr/>
+        </p:nvSpPr>
+        <p:spPr bwMode="auto">
+          <a:xfrm>
+            <a:off x="126002" y="3146980"/>
+            <a:ext cx="9153525" cy="1631216"/>
+          </a:xfrm>
+          <a:prstGeom prst="rect">
+            <a:avLst/>
+          </a:prstGeom>
+          <a:noFill/>
+          <a:ln>
+            <a:noFill/>
+          </a:ln>
+          <a:effectLst/>
+          <a:extLst>
+            <a:ext uri="{909E8E84-426E-40DD-AFC4-6F175D3DCCD1}">
+              <a14:hiddenFill xmlns:a14="http://schemas.microsoft.com/office/drawing/2010/main">
+                <a:solidFill>
+                  <a:schemeClr val="accent1"/>
+                </a:solidFill>
+              </a14:hiddenFill>
+            </a:ext>
+            <a:ext uri="{91240B29-F687-4F45-9708-019B960494DF}">
+              <a14:hiddenLine xmlns:a14="http://schemas.microsoft.com/office/drawing/2010/main" w="9525">
+                <a:solidFill>
+                  <a:schemeClr val="tx1"/>
+                </a:solidFill>
+                <a:miter lim="800000"/>
+                <a:headEnd/>
+                <a:tailEnd/>
+              </a14:hiddenLine>
+            </a:ext>
+            <a:ext uri="{AF507438-7753-43E0-B8FC-AC1667EBCBE1}">
+              <a14:hiddenEffects xmlns:a14="http://schemas.microsoft.com/office/drawing/2010/main">
+                <a:effectLst>
+                  <a:outerShdw dist="35921" dir="2700000" algn="ctr" rotWithShape="0">
+                    <a:schemeClr val="bg2"/>
+                  </a:outerShdw>
+                </a:effectLst>
+              </a14:hiddenEffects>
+            </a:ext>
+          </a:extLst>
+        </p:spPr>
+        <p:txBody>
+          <a:bodyPr vert="horz" wrap="square" lIns="91440" tIns="45720" rIns="91440" bIns="45720" numCol="1" anchor="ctr" anchorCtr="0" compatLnSpc="1">
+            <a:prstTxWarp prst="textNoShape">
+              <a:avLst/>
+            </a:prstTxWarp>
+            <a:spAutoFit/>
+          </a:bodyPr>
+          <a:lstStyle/>
+          <a:p>
+            <a:pPr marL="0" marR="0" lvl="0" indent="0" algn="l" defTabSz="914400" rtl="0" eaLnBrk="0" fontAlgn="base" latinLnBrk="0" hangingPunct="0">
+              <a:lnSpc>
+                <a:spcPct val="100000"/>
+              </a:lnSpc>
+              <a:spcBef>
+                <a:spcPct val="0"/>
+              </a:spcBef>
+              <a:spcAft>
+                <a:spcPct val="0"/>
+              </a:spcAft>
+              <a:buClrTx/>
+              <a:buSzTx/>
+              <a:buFontTx/>
+              <a:buNone/>
+              <a:tabLst/>
+            </a:pPr>
+            <a:r>
+              <a:rPr lang="ru-RU" altLang="ru-RU" sz="2000" b="1" dirty="0">
+                <a:solidFill>
+                  <a:srgbClr val="FF9933"/>
+                </a:solidFill>
+                <a:effectLst>
+                  <a:outerShdw blurRad="38100" dist="38100" dir="2700000" algn="tl">
+                    <a:srgbClr val="000000">
+                      <a:alpha val="43137"/>
+                    </a:srgbClr>
+                  </a:outerShdw>
+                </a:effectLst>
+              </a:rPr>
+              <a:t>Используемые техники подбора тестовых значений</a:t>
+            </a:r>
+            <a:r>
+              <a:rPr lang="en-US" altLang="ru-RU" sz="2000" b="1" dirty="0">
+                <a:solidFill>
+                  <a:srgbClr val="FF9933"/>
+                </a:solidFill>
+                <a:effectLst>
+                  <a:outerShdw blurRad="38100" dist="38100" dir="2700000" algn="tl">
+                    <a:srgbClr val="000000">
+                      <a:alpha val="43137"/>
+                    </a:srgbClr>
+                  </a:outerShdw>
+                </a:effectLst>
+              </a:rPr>
+              <a:t>:</a:t>
+            </a:r>
+          </a:p>
+          <a:p>
+            <a:pPr marL="342900" indent="-342900" eaLnBrk="0" fontAlgn="base" hangingPunct="0">
+              <a:spcBef>
+                <a:spcPct val="0"/>
+              </a:spcBef>
+              <a:spcAft>
+                <a:spcPct val="0"/>
+              </a:spcAft>
+              <a:buFont typeface="Arial" panose="020B0604020202020204" pitchFamily="34" charset="0"/>
+              <a:buChar char="•"/>
+            </a:pPr>
+            <a:r>
+              <a:rPr lang="ru-RU" altLang="ru-RU" sz="2000" b="1" dirty="0">
+                <a:solidFill>
+                  <a:srgbClr val="FF9933"/>
+                </a:solidFill>
+                <a:effectLst>
+                  <a:outerShdw blurRad="38100" dist="38100" dir="2700000" algn="tl">
+                    <a:srgbClr val="000000">
+                      <a:alpha val="43137"/>
+                    </a:srgbClr>
+                  </a:outerShdw>
+                </a:effectLst>
+              </a:rPr>
+              <a:t>Эквивалентное разделение</a:t>
+            </a:r>
+            <a:r>
+              <a:rPr lang="en-US" altLang="ru-RU" sz="2000" b="1" dirty="0">
+                <a:solidFill>
+                  <a:srgbClr val="FF9933"/>
+                </a:solidFill>
+                <a:effectLst>
+                  <a:outerShdw blurRad="38100" dist="38100" dir="2700000" algn="tl">
+                    <a:srgbClr val="000000">
+                      <a:alpha val="43137"/>
+                    </a:srgbClr>
+                  </a:outerShdw>
+                </a:effectLst>
+              </a:rPr>
+              <a:t> </a:t>
+            </a:r>
+            <a:r>
+              <a:rPr lang="en-US" sz="2000" b="1" dirty="0">
+                <a:solidFill>
+                  <a:srgbClr val="FF9933"/>
+                </a:solidFill>
+                <a:latin typeface="Cooper BT Bold"/>
+                <a:ea typeface="Cooper BT Bold"/>
+                <a:cs typeface="Cooper BT Bold"/>
+                <a:sym typeface="Cooper BT Bold"/>
+              </a:rPr>
+              <a:t>…-1 , 0 ,[1, 2, 3, 4, </a:t>
+            </a:r>
+            <a:r>
+              <a:rPr lang="en-US" sz="2000" b="1" dirty="0">
+                <a:solidFill>
+                  <a:srgbClr val="00B050"/>
+                </a:solidFill>
+                <a:latin typeface="Cooper BT Bold"/>
+                <a:ea typeface="Cooper BT Bold"/>
+                <a:cs typeface="Cooper BT Bold"/>
+                <a:sym typeface="Cooper BT Bold"/>
+              </a:rPr>
+              <a:t>5</a:t>
+            </a:r>
+            <a:r>
+              <a:rPr lang="en-US" sz="2000" b="1" dirty="0">
+                <a:solidFill>
+                  <a:srgbClr val="FF9933"/>
+                </a:solidFill>
+                <a:latin typeface="Cooper BT Bold"/>
+                <a:ea typeface="Cooper BT Bold"/>
+                <a:cs typeface="Cooper BT Bold"/>
+                <a:sym typeface="Cooper BT Bold"/>
+              </a:rPr>
+              <a:t>, 6, 7, 8, 9, 10], 11, </a:t>
+            </a:r>
+            <a:r>
+              <a:rPr lang="en-US" sz="2000" b="1" dirty="0">
+                <a:solidFill>
+                  <a:srgbClr val="FF0000"/>
+                </a:solidFill>
+                <a:latin typeface="Cooper BT Bold"/>
+                <a:ea typeface="Cooper BT Bold"/>
+                <a:cs typeface="Cooper BT Bold"/>
+                <a:sym typeface="Cooper BT Bold"/>
+              </a:rPr>
+              <a:t>12</a:t>
+            </a:r>
+            <a:r>
+              <a:rPr lang="en-US" sz="2000" b="1" dirty="0">
+                <a:solidFill>
+                  <a:srgbClr val="FF9933"/>
+                </a:solidFill>
+                <a:latin typeface="Cooper BT Bold"/>
+                <a:ea typeface="Cooper BT Bold"/>
+                <a:cs typeface="Cooper BT Bold"/>
+                <a:sym typeface="Cooper BT Bold"/>
+              </a:rPr>
+              <a:t> … </a:t>
+            </a:r>
+            <a:endParaRPr lang="ru-RU" altLang="ru-RU" sz="2000" b="1" dirty="0">
+              <a:solidFill>
+                <a:srgbClr val="FF9933"/>
+              </a:solidFill>
+              <a:effectLst>
+                <a:outerShdw blurRad="38100" dist="38100" dir="2700000" algn="tl">
+                  <a:srgbClr val="000000">
+                    <a:alpha val="43137"/>
+                  </a:srgbClr>
+                </a:outerShdw>
+              </a:effectLst>
+            </a:endParaRPr>
+          </a:p>
+          <a:p>
+            <a:pPr marL="342900" indent="-342900" eaLnBrk="0" fontAlgn="base" hangingPunct="0">
+              <a:spcBef>
+                <a:spcPct val="0"/>
+              </a:spcBef>
+              <a:spcAft>
+                <a:spcPct val="0"/>
+              </a:spcAft>
+              <a:buFont typeface="Arial" panose="020B0604020202020204" pitchFamily="34" charset="0"/>
+              <a:buChar char="•"/>
+            </a:pPr>
+            <a:r>
+              <a:rPr lang="ru-RU" altLang="ru-RU" sz="2000" b="1" dirty="0">
+                <a:solidFill>
+                  <a:srgbClr val="FF9933"/>
+                </a:solidFill>
+                <a:effectLst>
+                  <a:outerShdw blurRad="38100" dist="38100" dir="2700000" algn="tl">
+                    <a:srgbClr val="000000">
+                      <a:alpha val="43137"/>
+                    </a:srgbClr>
+                  </a:outerShdw>
+                </a:effectLst>
+              </a:rPr>
+              <a:t>Анализ граничных значений</a:t>
+            </a:r>
+            <a:r>
+              <a:rPr lang="en-US" altLang="ru-RU" sz="2000" b="1" dirty="0">
+                <a:solidFill>
+                  <a:srgbClr val="FF9933"/>
+                </a:solidFill>
+                <a:effectLst>
+                  <a:outerShdw blurRad="38100" dist="38100" dir="2700000" algn="tl">
+                    <a:srgbClr val="000000">
+                      <a:alpha val="43137"/>
+                    </a:srgbClr>
+                  </a:outerShdw>
+                </a:effectLst>
+              </a:rPr>
+              <a:t> </a:t>
+            </a:r>
+            <a:r>
+              <a:rPr lang="en-US" sz="2000" b="1" dirty="0">
+                <a:solidFill>
+                  <a:srgbClr val="FF9933"/>
+                </a:solidFill>
+                <a:latin typeface="Cooper BT Bold"/>
+                <a:ea typeface="Cooper BT Bold"/>
+                <a:cs typeface="Cooper BT Bold"/>
+                <a:sym typeface="Cooper BT Bold"/>
+              </a:rPr>
+              <a:t>…-1 , </a:t>
+            </a:r>
+            <a:r>
+              <a:rPr lang="en-US" sz="2000" b="1" dirty="0">
+                <a:solidFill>
+                  <a:srgbClr val="FF0000"/>
+                </a:solidFill>
+                <a:latin typeface="Cooper BT Bold"/>
+                <a:ea typeface="Cooper BT Bold"/>
+                <a:cs typeface="Cooper BT Bold"/>
+                <a:sym typeface="Cooper BT Bold"/>
+              </a:rPr>
+              <a:t>0</a:t>
+            </a:r>
+            <a:r>
+              <a:rPr lang="en-US" sz="2000" b="1" dirty="0">
+                <a:solidFill>
+                  <a:srgbClr val="FF9933"/>
+                </a:solidFill>
+                <a:latin typeface="Cooper BT Bold"/>
+                <a:ea typeface="Cooper BT Bold"/>
+                <a:cs typeface="Cooper BT Bold"/>
+                <a:sym typeface="Cooper BT Bold"/>
+              </a:rPr>
+              <a:t> ,[1, 2, 3, 4, 5, 6, 7, 8, 9, </a:t>
+            </a:r>
+            <a:r>
+              <a:rPr lang="en-US" sz="2000" b="1" dirty="0">
+                <a:solidFill>
+                  <a:srgbClr val="00B050"/>
+                </a:solidFill>
+                <a:latin typeface="Cooper BT Bold"/>
+                <a:ea typeface="Cooper BT Bold"/>
+                <a:cs typeface="Cooper BT Bold"/>
+                <a:sym typeface="Cooper BT Bold"/>
+              </a:rPr>
+              <a:t>10</a:t>
+            </a:r>
+            <a:r>
+              <a:rPr lang="en-US" sz="2000" b="1" dirty="0">
+                <a:solidFill>
+                  <a:srgbClr val="FF9933"/>
+                </a:solidFill>
+                <a:latin typeface="Cooper BT Bold"/>
+                <a:ea typeface="Cooper BT Bold"/>
+                <a:cs typeface="Cooper BT Bold"/>
+                <a:sym typeface="Cooper BT Bold"/>
+              </a:rPr>
+              <a:t>], </a:t>
+            </a:r>
+            <a:r>
+              <a:rPr lang="en-US" sz="2000" b="1" dirty="0">
+                <a:solidFill>
+                  <a:srgbClr val="FF0000"/>
+                </a:solidFill>
+                <a:latin typeface="Cooper BT Bold"/>
+                <a:ea typeface="Cooper BT Bold"/>
+                <a:cs typeface="Cooper BT Bold"/>
+                <a:sym typeface="Cooper BT Bold"/>
+              </a:rPr>
+              <a:t>11</a:t>
+            </a:r>
+            <a:r>
+              <a:rPr lang="en-US" sz="2000" b="1" dirty="0">
+                <a:solidFill>
+                  <a:srgbClr val="FF9933"/>
+                </a:solidFill>
+                <a:latin typeface="Cooper BT Bold"/>
+                <a:ea typeface="Cooper BT Bold"/>
+                <a:cs typeface="Cooper BT Bold"/>
+                <a:sym typeface="Cooper BT Bold"/>
+              </a:rPr>
+              <a:t>, 12 …</a:t>
+            </a:r>
+            <a:endParaRPr lang="en-US" altLang="ru-RU" sz="2000" b="1" dirty="0">
+              <a:solidFill>
+                <a:srgbClr val="FF9933"/>
+              </a:solidFill>
+              <a:effectLst>
+                <a:outerShdw blurRad="38100" dist="38100" dir="2700000" algn="tl">
+                  <a:srgbClr val="000000">
+                    <a:alpha val="43137"/>
+                  </a:srgbClr>
+                </a:outerShdw>
+              </a:effectLst>
+            </a:endParaRPr>
+          </a:p>
+          <a:p>
+            <a:pPr marL="0" marR="0" lvl="0" indent="0" algn="l" defTabSz="914400" rtl="0" eaLnBrk="0" fontAlgn="base" latinLnBrk="0" hangingPunct="0">
+              <a:lnSpc>
+                <a:spcPct val="100000"/>
+              </a:lnSpc>
+              <a:spcBef>
+                <a:spcPct val="0"/>
+              </a:spcBef>
+              <a:spcAft>
+                <a:spcPct val="0"/>
+              </a:spcAft>
+              <a:buClrTx/>
+              <a:buSzTx/>
+              <a:buFontTx/>
+              <a:buNone/>
+              <a:tabLst/>
+            </a:pPr>
+            <a:endParaRPr lang="en-US" altLang="ru-RU" sz="2000" b="1" dirty="0">
+              <a:solidFill>
+                <a:srgbClr val="FF9933"/>
+              </a:solidFill>
+              <a:effectLst>
+                <a:outerShdw blurRad="38100" dist="38100" dir="2700000" algn="tl">
+                  <a:srgbClr val="000000">
+                    <a:alpha val="43137"/>
+                  </a:srgbClr>
+                </a:outerShdw>
+              </a:effectLst>
+            </a:endParaRPr>
+          </a:p>
+          <a:p>
+            <a:pPr marL="0" marR="0" lvl="0" indent="0" algn="l" defTabSz="914400" rtl="0" eaLnBrk="0" fontAlgn="base" latinLnBrk="0" hangingPunct="0">
+              <a:lnSpc>
+                <a:spcPct val="100000"/>
+              </a:lnSpc>
+              <a:spcBef>
+                <a:spcPct val="0"/>
+              </a:spcBef>
+              <a:spcAft>
+                <a:spcPct val="0"/>
+              </a:spcAft>
+              <a:buClrTx/>
+              <a:buSzTx/>
+              <a:buFontTx/>
+              <a:buNone/>
+              <a:tabLst/>
+            </a:pPr>
+            <a:endParaRPr kumimoji="0" lang="ru-RU" altLang="ru-RU" sz="2000" b="1" i="0" u="none" strike="noStrike" cap="none" normalizeH="0" baseline="0" dirty="0">
+              <a:ln>
+                <a:noFill/>
+              </a:ln>
+              <a:solidFill>
+                <a:srgbClr val="FF9933"/>
+              </a:solidFill>
+              <a:effectLst>
+                <a:outerShdw blurRad="38100" dist="38100" dir="2700000" algn="tl">
+                  <a:srgbClr val="000000">
+                    <a:alpha val="43137"/>
+                  </a:srgbClr>
+                </a:outerShdw>
+              </a:effectLst>
+            </a:endParaRPr>
+          </a:p>
+        </p:txBody>
+      </p:sp>
+      <p:pic>
+        <p:nvPicPr>
+          <p:cNvPr id="4" name="Рисунок 3">
+            <a:extLst>
+              <a:ext uri="{FF2B5EF4-FFF2-40B4-BE49-F238E27FC236}">
+                <a16:creationId xmlns:a16="http://schemas.microsoft.com/office/drawing/2014/main" id="{AA8EEC04-7848-43DC-9893-33D32322F49D}"/>
+              </a:ext>
+            </a:extLst>
+          </p:cNvPr>
+          <p:cNvPicPr>
+            <a:picLocks noChangeAspect="1"/>
+          </p:cNvPicPr>
+          <p:nvPr/>
+        </p:nvPicPr>
+        <p:blipFill>
+          <a:blip r:embed="rId4"/>
+          <a:stretch>
+            <a:fillRect/>
+          </a:stretch>
+        </p:blipFill>
+        <p:spPr>
+          <a:xfrm>
+            <a:off x="259355" y="4427715"/>
+            <a:ext cx="8592138" cy="1744486"/>
+          </a:xfrm>
+          <a:prstGeom prst="rect">
+            <a:avLst/>
+          </a:prstGeom>
+          <a:ln w="3175">
+            <a:solidFill>
+              <a:srgbClr val="8C3FC5"/>
+            </a:solidFill>
+          </a:ln>
+          <a:effectLst>
+            <a:glow rad="101600">
+              <a:srgbClr val="8C3FC5">
+                <a:alpha val="60000"/>
+              </a:srgbClr>
+            </a:glow>
+          </a:effectLst>
+        </p:spPr>
+      </p:pic>
+    </p:spTree>
+    <p:extLst>
+      <p:ext uri="{BB962C8B-B14F-4D97-AF65-F5344CB8AC3E}">
+        <p14:creationId xmlns:p14="http://schemas.microsoft.com/office/powerpoint/2010/main" val="963666440"/>
+      </p:ext>
+    </p:extLst>
+  </p:cSld>
+  <p:clrMapOvr>
+    <a:masterClrMapping/>
+  </p:clrMapOvr>
+  <p:transition spd="slow">
+    <p:pull dir="ld"/>
+  </p:transition>
+</p:sld>
+</file>
+
+<file path=ppt/slides/slide12.xml><?xml version="1.0" encoding="utf-8"?>
+<p:sld xmlns:a="http://schemas.openxmlformats.org/drawingml/2006/main" xmlns:r="http://schemas.openxmlformats.org/officeDocument/2006/relationships" xmlns:p="http://schemas.openxmlformats.org/presentationml/2006/main">
+  <p:cSld>
+    <p:spTree>
+      <p:nvGrpSpPr>
+        <p:cNvPr id="1" name=""/>
+        <p:cNvGrpSpPr/>
+        <p:nvPr/>
+      </p:nvGrpSpPr>
+      <p:grpSpPr>
+        <a:xfrm>
+          <a:off x="0" y="0"/>
+          <a:ext cx="0" cy="0"/>
+          <a:chOff x="0" y="0"/>
+          <a:chExt cx="0" cy="0"/>
+        </a:xfrm>
+      </p:grpSpPr>
+      <p:sp>
+        <p:nvSpPr>
+          <p:cNvPr id="11" name="Прямоугольник 10">
+            <a:extLst>
+              <a:ext uri="{FF2B5EF4-FFF2-40B4-BE49-F238E27FC236}">
+                <a16:creationId xmlns:a16="http://schemas.microsoft.com/office/drawing/2014/main" id="{FF70FB42-FB7B-468B-B2AD-F1C1C8C9412A}"/>
+              </a:ext>
+            </a:extLst>
+          </p:cNvPr>
+          <p:cNvSpPr/>
+          <p:nvPr/>
+        </p:nvSpPr>
+        <p:spPr>
+          <a:xfrm>
+            <a:off x="80173" y="-152400"/>
+            <a:ext cx="2087367" cy="923330"/>
+          </a:xfrm>
+          <a:prstGeom prst="rect">
+            <a:avLst/>
+          </a:prstGeom>
+          <a:noFill/>
+          <a:effectLst>
+            <a:outerShdw blurRad="50800" dist="38100" dir="5400000" algn="t" rotWithShape="0">
+              <a:prstClr val="black">
+                <a:alpha val="40000"/>
+              </a:prstClr>
+            </a:outerShdw>
+          </a:effectLst>
+        </p:spPr>
+        <p:txBody>
+          <a:bodyPr wrap="none" lIns="91440" tIns="45720" rIns="91440" bIns="45720">
+            <a:spAutoFit/>
+          </a:bodyPr>
+          <a:lstStyle/>
+          <a:p>
+            <a:pPr algn="ctr"/>
+            <a:r>
+              <a:rPr lang="ru-RU" sz="5400" dirty="0">
+                <a:ln w="0"/>
+                <a:solidFill>
+                  <a:srgbClr val="FFCC00"/>
+                </a:solidFill>
+                <a:effectLst>
+                  <a:outerShdw blurRad="38100" dist="19050" dir="2700000" algn="tl" rotWithShape="0">
+                    <a:schemeClr val="dk1">
+                      <a:alpha val="40000"/>
+                    </a:schemeClr>
+                  </a:outerShdw>
+                </a:effectLst>
+              </a:rPr>
+              <a:t>Вывод</a:t>
+            </a:r>
+          </a:p>
+        </p:txBody>
+      </p:sp>
+      <p:sp>
+        <p:nvSpPr>
+          <p:cNvPr id="19" name="Прямоугольник 18">
+            <a:extLst>
+              <a:ext uri="{FF2B5EF4-FFF2-40B4-BE49-F238E27FC236}">
+                <a16:creationId xmlns:a16="http://schemas.microsoft.com/office/drawing/2014/main" id="{DEA7151A-6810-465B-8ED7-BB1DEF5F4C59}"/>
+              </a:ext>
+            </a:extLst>
+          </p:cNvPr>
+          <p:cNvSpPr/>
+          <p:nvPr/>
+        </p:nvSpPr>
+        <p:spPr>
+          <a:xfrm>
+            <a:off x="11430000" y="6334780"/>
+            <a:ext cx="665303" cy="523220"/>
+          </a:xfrm>
+          <a:prstGeom prst="rect">
+            <a:avLst/>
+          </a:prstGeom>
+          <a:noFill/>
+        </p:spPr>
+        <p:txBody>
+          <a:bodyPr wrap="square" lIns="91440" tIns="45720" rIns="91440" bIns="45720">
+            <a:spAutoFit/>
+          </a:bodyPr>
+          <a:lstStyle/>
+          <a:p>
+            <a:pPr algn="ctr"/>
+            <a:r>
+              <a:rPr lang="ru-RU" sz="2800" b="1" cap="none" spc="50" dirty="0">
+                <a:ln w="0"/>
+                <a:solidFill>
+                  <a:schemeClr val="bg2"/>
+                </a:solidFill>
+                <a:effectLst>
+                  <a:innerShdw blurRad="63500" dist="50800" dir="13500000">
+                    <a:srgbClr val="000000">
+                      <a:alpha val="50000"/>
+                    </a:srgbClr>
+                  </a:innerShdw>
+                </a:effectLst>
+              </a:rPr>
+              <a:t>12</a:t>
+            </a:r>
+          </a:p>
+        </p:txBody>
+      </p:sp>
+      <p:sp>
+        <p:nvSpPr>
+          <p:cNvPr id="4" name="Rectangle 1">
+            <a:extLst>
+              <a:ext uri="{FF2B5EF4-FFF2-40B4-BE49-F238E27FC236}">
+                <a16:creationId xmlns:a16="http://schemas.microsoft.com/office/drawing/2014/main" id="{ACA610D8-C3DA-4777-9EF1-D6566E2B49F2}"/>
+              </a:ext>
+            </a:extLst>
+          </p:cNvPr>
+          <p:cNvSpPr>
+            <a:spLocks noChangeArrowheads="1"/>
+          </p:cNvSpPr>
+          <p:nvPr/>
+        </p:nvSpPr>
+        <p:spPr bwMode="auto">
+          <a:xfrm>
+            <a:off x="80173" y="709936"/>
+            <a:ext cx="12104097" cy="4154984"/>
+          </a:xfrm>
+          <a:prstGeom prst="rect">
+            <a:avLst/>
+          </a:prstGeom>
+          <a:noFill/>
+          <a:ln>
+            <a:noFill/>
+          </a:ln>
+          <a:effectLst/>
+          <a:extLst>
+            <a:ext uri="{909E8E84-426E-40DD-AFC4-6F175D3DCCD1}">
+              <a14:hiddenFill xmlns:a14="http://schemas.microsoft.com/office/drawing/2010/main">
+                <a:solidFill>
+                  <a:schemeClr val="accent1"/>
+                </a:solidFill>
+              </a14:hiddenFill>
+            </a:ext>
+            <a:ext uri="{91240B29-F687-4F45-9708-019B960494DF}">
+              <a14:hiddenLine xmlns:a14="http://schemas.microsoft.com/office/drawing/2010/main" w="9525">
+                <a:solidFill>
+                  <a:schemeClr val="tx1"/>
+                </a:solidFill>
+                <a:miter lim="800000"/>
+                <a:headEnd/>
+                <a:tailEnd/>
+              </a14:hiddenLine>
+            </a:ext>
+            <a:ext uri="{AF507438-7753-43E0-B8FC-AC1667EBCBE1}">
+              <a14:hiddenEffects xmlns:a14="http://schemas.microsoft.com/office/drawing/2010/main">
+                <a:effectLst>
+                  <a:outerShdw dist="35921" dir="2700000" algn="ctr" rotWithShape="0">
+                    <a:schemeClr val="bg2"/>
+                  </a:outerShdw>
+                </a:effectLst>
+              </a14:hiddenEffects>
+            </a:ext>
+          </a:extLst>
+        </p:spPr>
+        <p:txBody>
+          <a:bodyPr vert="horz" wrap="square" lIns="91440" tIns="45720" rIns="91440" bIns="45720" numCol="1" anchor="ctr" anchorCtr="0" compatLnSpc="1">
+            <a:prstTxWarp prst="textNoShape">
+              <a:avLst/>
+            </a:prstTxWarp>
+            <a:spAutoFit/>
+          </a:bodyPr>
+          <a:lstStyle/>
+          <a:p>
+            <a:pPr marL="342900" marR="0" lvl="0" indent="-342900" algn="l" defTabSz="914400" rtl="0" eaLnBrk="0" fontAlgn="base" latinLnBrk="0" hangingPunct="0">
+              <a:lnSpc>
+                <a:spcPct val="100000"/>
+              </a:lnSpc>
+              <a:spcBef>
+                <a:spcPct val="0"/>
+              </a:spcBef>
+              <a:spcAft>
+                <a:spcPct val="0"/>
+              </a:spcAft>
+              <a:buClrTx/>
+              <a:buSzTx/>
+              <a:buFont typeface="Arial" panose="020B0604020202020204" pitchFamily="34" charset="0"/>
+              <a:buChar char="•"/>
+              <a:tabLst/>
+            </a:pPr>
+            <a:r>
+              <a:rPr lang="ru-RU" altLang="ru-RU" sz="2400" b="1" dirty="0">
+                <a:ln w="0"/>
+                <a:solidFill>
+                  <a:srgbClr val="FF9933"/>
+                </a:solidFill>
+                <a:effectLst>
+                  <a:outerShdw blurRad="38100" dist="38100" dir="2700000" algn="tl">
+                    <a:srgbClr val="000000">
+                      <a:alpha val="43137"/>
+                    </a:srgbClr>
+                  </a:outerShdw>
+                </a:effectLst>
+              </a:rPr>
+              <a:t>Работа по предметной области выполнена на 60%</a:t>
+            </a:r>
+          </a:p>
+          <a:p>
+            <a:pPr marL="342900" marR="0" lvl="0" indent="-342900" algn="l" defTabSz="914400" rtl="0" eaLnBrk="0" fontAlgn="base" latinLnBrk="0" hangingPunct="0">
+              <a:lnSpc>
+                <a:spcPct val="100000"/>
+              </a:lnSpc>
+              <a:spcBef>
+                <a:spcPct val="0"/>
+              </a:spcBef>
+              <a:spcAft>
+                <a:spcPct val="0"/>
+              </a:spcAft>
+              <a:buClrTx/>
+              <a:buSzTx/>
+              <a:buFont typeface="Arial" panose="020B0604020202020204" pitchFamily="34" charset="0"/>
+              <a:buChar char="•"/>
+              <a:tabLst/>
+            </a:pPr>
+            <a:r>
+              <a:rPr kumimoji="0" lang="ru-RU" altLang="ru-RU" sz="2400" b="1" i="0" u="none" strike="noStrike" normalizeH="0" baseline="0" dirty="0">
+                <a:ln w="0"/>
+                <a:solidFill>
+                  <a:srgbClr val="FF9933"/>
+                </a:solidFill>
+                <a:effectLst>
+                  <a:outerShdw blurRad="38100" dist="38100" dir="2700000" algn="tl">
+                    <a:srgbClr val="000000">
+                      <a:alpha val="43137"/>
+                    </a:srgbClr>
+                  </a:outerShdw>
+                </a:effectLst>
+              </a:rPr>
+              <a:t>В дальнейшем планируется реализова</a:t>
+            </a:r>
+            <a:r>
+              <a:rPr lang="ru-RU" altLang="ru-RU" sz="2400" b="1" dirty="0">
+                <a:ln w="0"/>
+                <a:solidFill>
+                  <a:srgbClr val="FF9933"/>
+                </a:solidFill>
+                <a:effectLst>
+                  <a:outerShdw blurRad="38100" dist="38100" dir="2700000" algn="tl">
+                    <a:srgbClr val="000000">
+                      <a:alpha val="43137"/>
+                    </a:srgbClr>
+                  </a:outerShdw>
+                </a:effectLst>
+              </a:rPr>
+              <a:t>ть</a:t>
+            </a:r>
+            <a:r>
+              <a:rPr lang="en-US" altLang="ru-RU" sz="2400" b="1" dirty="0">
+                <a:ln w="0"/>
+                <a:solidFill>
+                  <a:srgbClr val="FF9933"/>
+                </a:solidFill>
+                <a:effectLst>
+                  <a:outerShdw blurRad="38100" dist="38100" dir="2700000" algn="tl">
+                    <a:srgbClr val="000000">
+                      <a:alpha val="43137"/>
+                    </a:srgbClr>
+                  </a:outerShdw>
+                </a:effectLst>
+              </a:rPr>
+              <a:t>: </a:t>
+            </a:r>
+            <a:r>
+              <a:rPr lang="ru-RU" altLang="ru-RU" sz="2400" b="1" dirty="0">
+                <a:ln w="0"/>
+                <a:solidFill>
+                  <a:srgbClr val="FF9933"/>
+                </a:solidFill>
+                <a:effectLst>
+                  <a:outerShdw blurRad="38100" dist="38100" dir="2700000" algn="tl">
+                    <a:srgbClr val="000000">
+                      <a:alpha val="43137"/>
+                    </a:srgbClr>
+                  </a:outerShdw>
+                </a:effectLst>
+              </a:rPr>
+              <a:t>обновленную интерактивную клавиатуру для изучения горячих клавиш (был создан не полностью рабочий макет), полностью автоматический учет статистики, перевод всех данных в БД, реализовать «Скорость печати с использованием текста от нейросети».</a:t>
+            </a:r>
+          </a:p>
+          <a:p>
+            <a:pPr marL="342900" marR="0" lvl="0" indent="-342900" algn="l" defTabSz="914400" rtl="0" eaLnBrk="0" fontAlgn="base" latinLnBrk="0" hangingPunct="0">
+              <a:lnSpc>
+                <a:spcPct val="100000"/>
+              </a:lnSpc>
+              <a:spcBef>
+                <a:spcPct val="0"/>
+              </a:spcBef>
+              <a:spcAft>
+                <a:spcPct val="0"/>
+              </a:spcAft>
+              <a:buClrTx/>
+              <a:buSzTx/>
+              <a:buFont typeface="Arial" panose="020B0604020202020204" pitchFamily="34" charset="0"/>
+              <a:buChar char="•"/>
+              <a:tabLst/>
+            </a:pPr>
+            <a:r>
+              <a:rPr lang="ru-RU" altLang="ru-RU" sz="2400" b="1" dirty="0">
+                <a:ln w="0"/>
+                <a:solidFill>
+                  <a:srgbClr val="FF9933"/>
+                </a:solidFill>
+                <a:effectLst>
+                  <a:outerShdw blurRad="38100" dist="38100" dir="2700000" algn="tl">
+                    <a:srgbClr val="000000">
+                      <a:alpha val="43137"/>
+                    </a:srgbClr>
+                  </a:outerShdw>
+                </a:effectLst>
+              </a:rPr>
+              <a:t>В следующий раз нужно будет сделать по-другому</a:t>
+            </a:r>
+            <a:r>
+              <a:rPr lang="en-US" altLang="ru-RU" sz="2400" b="1" dirty="0">
+                <a:ln w="0"/>
+                <a:solidFill>
+                  <a:srgbClr val="FF9933"/>
+                </a:solidFill>
+                <a:effectLst>
+                  <a:outerShdw blurRad="38100" dist="38100" dir="2700000" algn="tl">
+                    <a:srgbClr val="000000">
+                      <a:alpha val="43137"/>
+                    </a:srgbClr>
+                  </a:outerShdw>
+                </a:effectLst>
+              </a:rPr>
+              <a:t>: </a:t>
+            </a:r>
+            <a:r>
+              <a:rPr lang="ru-RU" altLang="ru-RU" sz="2400" b="1" dirty="0">
+                <a:ln w="0"/>
+                <a:solidFill>
+                  <a:srgbClr val="FF9933"/>
+                </a:solidFill>
+                <a:effectLst>
+                  <a:outerShdw blurRad="38100" dist="38100" dir="2700000" algn="tl">
+                    <a:srgbClr val="000000">
+                      <a:alpha val="43137"/>
+                    </a:srgbClr>
+                  </a:outerShdw>
+                </a:effectLst>
+              </a:rPr>
+              <a:t>интерактивную клавиатуру, возникли проблемы с захватом клавиатуры, некоторые функциональные клавиши нельзя захватить с помощью сайта, возможно для реализации клавиатуры потребуется создавать отдельное ПО.</a:t>
+            </a:r>
+          </a:p>
+          <a:p>
+            <a:pPr marL="342900" marR="0" lvl="0" indent="-342900" algn="l" defTabSz="914400" rtl="0" eaLnBrk="0" fontAlgn="base" latinLnBrk="0" hangingPunct="0">
+              <a:lnSpc>
+                <a:spcPct val="100000"/>
+              </a:lnSpc>
+              <a:spcBef>
+                <a:spcPct val="0"/>
+              </a:spcBef>
+              <a:spcAft>
+                <a:spcPct val="0"/>
+              </a:spcAft>
+              <a:buClrTx/>
+              <a:buSzTx/>
+              <a:buFont typeface="Arial" panose="020B0604020202020204" pitchFamily="34" charset="0"/>
+              <a:buChar char="•"/>
+              <a:tabLst/>
+            </a:pPr>
+            <a:r>
+              <a:rPr kumimoji="0" lang="ru-RU" altLang="ru-RU" sz="2400" b="1" i="0" u="none" strike="noStrike" normalizeH="0" baseline="0" dirty="0">
+                <a:ln w="0"/>
+                <a:solidFill>
+                  <a:srgbClr val="FF9933"/>
+                </a:solidFill>
+                <a:effectLst>
+                  <a:outerShdw blurRad="38100" dist="38100" dir="2700000" algn="tl">
+                    <a:srgbClr val="000000">
+                      <a:alpha val="43137"/>
+                    </a:srgbClr>
+                  </a:outerShdw>
+                </a:effectLst>
+              </a:rPr>
+              <a:t>Особенно мне удал</a:t>
+            </a:r>
+            <a:r>
+              <a:rPr lang="ru-RU" altLang="ru-RU" sz="2400" b="1" dirty="0">
+                <a:ln w="0"/>
+                <a:solidFill>
+                  <a:srgbClr val="FF9933"/>
+                </a:solidFill>
+                <a:effectLst>
+                  <a:outerShdw blurRad="38100" dist="38100" dir="2700000" algn="tl">
+                    <a:srgbClr val="000000">
+                      <a:alpha val="43137"/>
+                    </a:srgbClr>
+                  </a:outerShdw>
+                </a:effectLst>
+              </a:rPr>
+              <a:t>ось сделать следующие функции</a:t>
+            </a:r>
+            <a:r>
+              <a:rPr lang="en-US" altLang="ru-RU" sz="2400" b="1" dirty="0">
+                <a:ln w="0"/>
+                <a:solidFill>
+                  <a:srgbClr val="FF9933"/>
+                </a:solidFill>
+                <a:effectLst>
+                  <a:outerShdw blurRad="38100" dist="38100" dir="2700000" algn="tl">
+                    <a:srgbClr val="000000">
+                      <a:alpha val="43137"/>
+                    </a:srgbClr>
+                  </a:outerShdw>
+                </a:effectLst>
+              </a:rPr>
+              <a:t>: </a:t>
+            </a:r>
+            <a:r>
+              <a:rPr lang="ru-RU" altLang="ru-RU" sz="2400" b="1" dirty="0">
+                <a:ln w="0"/>
+                <a:solidFill>
+                  <a:srgbClr val="FF9933"/>
+                </a:solidFill>
+                <a:effectLst>
+                  <a:outerShdw blurRad="38100" dist="38100" dir="2700000" algn="tl">
+                    <a:srgbClr val="000000">
+                      <a:alpha val="43137"/>
+                    </a:srgbClr>
+                  </a:outerShdw>
+                </a:effectLst>
+              </a:rPr>
+              <a:t>«Статьи», «Личный кабинет», «Скорость печати» и темную тему для сайта</a:t>
+            </a:r>
+            <a:endParaRPr kumimoji="0" lang="ru-RU" altLang="ru-RU" sz="2400" b="1" i="0" u="none" strike="noStrike" normalizeH="0" baseline="0" dirty="0">
+              <a:ln w="0"/>
+              <a:solidFill>
+                <a:srgbClr val="FF9933"/>
+              </a:solidFill>
+              <a:effectLst>
+                <a:outerShdw blurRad="38100" dist="38100" dir="2700000" algn="tl">
+                  <a:srgbClr val="000000">
+                    <a:alpha val="43137"/>
+                  </a:srgbClr>
+                </a:outerShdw>
+              </a:effectLst>
+            </a:endParaRPr>
+          </a:p>
+        </p:txBody>
+      </p:sp>
+      <p:pic>
+        <p:nvPicPr>
+          <p:cNvPr id="3" name="Рисунок 2">
+            <a:extLst>
+              <a:ext uri="{FF2B5EF4-FFF2-40B4-BE49-F238E27FC236}">
+                <a16:creationId xmlns:a16="http://schemas.microsoft.com/office/drawing/2014/main" id="{EE966245-7C79-4CE6-9DAF-82E190A46728}"/>
+              </a:ext>
+            </a:extLst>
+          </p:cNvPr>
+          <p:cNvPicPr>
+            <a:picLocks noChangeAspect="1"/>
+          </p:cNvPicPr>
+          <p:nvPr/>
+        </p:nvPicPr>
+        <p:blipFill>
+          <a:blip r:embed="rId3"/>
+          <a:stretch>
+            <a:fillRect/>
+          </a:stretch>
+        </p:blipFill>
+        <p:spPr>
+          <a:xfrm>
+            <a:off x="378373" y="4909150"/>
+            <a:ext cx="4966138" cy="1636212"/>
+          </a:xfrm>
+          <a:prstGeom prst="rect">
+            <a:avLst/>
+          </a:prstGeom>
+        </p:spPr>
+      </p:pic>
+      <p:pic>
+        <p:nvPicPr>
+          <p:cNvPr id="6" name="Рисунок 5">
+            <a:extLst>
+              <a:ext uri="{FF2B5EF4-FFF2-40B4-BE49-F238E27FC236}">
+                <a16:creationId xmlns:a16="http://schemas.microsoft.com/office/drawing/2014/main" id="{3AB0AC93-95D1-43B0-98F1-8E038C091CA4}"/>
+              </a:ext>
+            </a:extLst>
+          </p:cNvPr>
+          <p:cNvPicPr>
+            <a:picLocks noChangeAspect="1"/>
+          </p:cNvPicPr>
+          <p:nvPr/>
+        </p:nvPicPr>
+        <p:blipFill>
+          <a:blip r:embed="rId4"/>
+          <a:stretch>
+            <a:fillRect/>
+          </a:stretch>
+        </p:blipFill>
+        <p:spPr>
+          <a:xfrm>
+            <a:off x="6724166" y="4764567"/>
+            <a:ext cx="3710152" cy="1780795"/>
+          </a:xfrm>
+          <a:prstGeom prst="rect">
+            <a:avLst/>
+          </a:prstGeom>
+        </p:spPr>
+      </p:pic>
+    </p:spTree>
+    <p:extLst>
+      <p:ext uri="{BB962C8B-B14F-4D97-AF65-F5344CB8AC3E}">
+        <p14:creationId xmlns:p14="http://schemas.microsoft.com/office/powerpoint/2010/main" val="1365075318"/>
+      </p:ext>
+    </p:extLst>
+  </p:cSld>
+  <p:clrMapOvr>
+    <a:masterClrMapping/>
+  </p:clrMapOvr>
+  <p:transition spd="med">
+    <p:pull/>
+  </p:transition>
+</p:sld>
+</file>
+
+<file path=ppt/slides/slide13.xml><?xml version="1.0" encoding="utf-8"?>
+<p:sld xmlns:a="http://schemas.openxmlformats.org/drawingml/2006/main" xmlns:r="http://schemas.openxmlformats.org/officeDocument/2006/relationships" xmlns:p="http://schemas.openxmlformats.org/presentationml/2006/main">
+  <p:cSld>
+    <p:spTree>
+      <p:nvGrpSpPr>
+        <p:cNvPr id="1" name=""/>
+        <p:cNvGrpSpPr/>
+        <p:nvPr/>
+      </p:nvGrpSpPr>
+      <p:grpSpPr>
+        <a:xfrm>
+          <a:off x="0" y="0"/>
+          <a:ext cx="0" cy="0"/>
+          <a:chOff x="0" y="0"/>
+          <a:chExt cx="0" cy="0"/>
+        </a:xfrm>
+      </p:grpSpPr>
+      <p:sp>
+        <p:nvSpPr>
           <p:cNvPr id="2" name="Прямоугольник 1">
             <a:extLst>
               <a:ext uri="{FF2B5EF4-FFF2-40B4-BE49-F238E27FC236}">
@@ -5739,7 +8357,7 @@
                   </a:outerShdw>
                 </a:effectLst>
               </a:rPr>
-              <a:t>Срок выполнения работ – 6 месяце.</a:t>
+              <a:t>Срок выполнения работ – 6 месяцев.</a:t>
             </a:r>
           </a:p>
         </p:txBody>
@@ -6085,13 +8703,13 @@
           <p:nvPr/>
         </p:nvPicPr>
         <p:blipFill>
-          <a:blip r:embed="rId4">
+          <a:blip r:embed="rId3">
             <a:extLst>
               <a:ext uri="{28A0092B-C50C-407E-A947-70E740481C1C}">
                 <a14:useLocalDpi xmlns:a14="http://schemas.microsoft.com/office/drawing/2010/main" val="0"/>
               </a:ext>
               <a:ext uri="{96DAC541-7B7A-43D3-8B79-37D633B846F1}">
-                <asvg:svgBlip xmlns:asvg="http://schemas.microsoft.com/office/drawing/2016/SVG/main" r:embed="rId5"/>
+                <asvg:svgBlip xmlns:asvg="http://schemas.microsoft.com/office/drawing/2016/SVG/main" r:embed="rId4"/>
               </a:ext>
             </a:extLst>
           </a:blip>
@@ -6293,13 +8911,13 @@
           <p:nvPr/>
         </p:nvPicPr>
         <p:blipFill>
-          <a:blip r:embed="rId6">
+          <a:blip r:embed="rId5">
             <a:extLst>
               <a:ext uri="{28A0092B-C50C-407E-A947-70E740481C1C}">
                 <a14:useLocalDpi xmlns:a14="http://schemas.microsoft.com/office/drawing/2010/main" val="0"/>
               </a:ext>
               <a:ext uri="{96DAC541-7B7A-43D3-8B79-37D633B846F1}">
-                <asvg:svgBlip xmlns:asvg="http://schemas.microsoft.com/office/drawing/2016/SVG/main" r:embed="rId7"/>
+                <asvg:svgBlip xmlns:asvg="http://schemas.microsoft.com/office/drawing/2016/SVG/main" r:embed="rId6"/>
               </a:ext>
             </a:extLst>
           </a:blip>
@@ -6332,13 +8950,13 @@
           <p:nvPr/>
         </p:nvPicPr>
         <p:blipFill>
-          <a:blip r:embed="rId8">
+          <a:blip r:embed="rId7">
             <a:extLst>
               <a:ext uri="{28A0092B-C50C-407E-A947-70E740481C1C}">
                 <a14:useLocalDpi xmlns:a14="http://schemas.microsoft.com/office/drawing/2010/main" val="0"/>
               </a:ext>
               <a:ext uri="{96DAC541-7B7A-43D3-8B79-37D633B846F1}">
-                <asvg:svgBlip xmlns:asvg="http://schemas.microsoft.com/office/drawing/2016/SVG/main" r:embed="rId9"/>
+                <asvg:svgBlip xmlns:asvg="http://schemas.microsoft.com/office/drawing/2016/SVG/main" r:embed="rId8"/>
               </a:ext>
             </a:extLst>
           </a:blip>
@@ -6371,13 +8989,13 @@
           <p:nvPr/>
         </p:nvPicPr>
         <p:blipFill>
-          <a:blip r:embed="rId10">
+          <a:blip r:embed="rId9">
             <a:extLst>
               <a:ext uri="{28A0092B-C50C-407E-A947-70E740481C1C}">
                 <a14:useLocalDpi xmlns:a14="http://schemas.microsoft.com/office/drawing/2010/main" val="0"/>
               </a:ext>
               <a:ext uri="{96DAC541-7B7A-43D3-8B79-37D633B846F1}">
-                <asvg:svgBlip xmlns:asvg="http://schemas.microsoft.com/office/drawing/2016/SVG/main" r:embed="rId11"/>
+                <asvg:svgBlip xmlns:asvg="http://schemas.microsoft.com/office/drawing/2016/SVG/main" r:embed="rId10"/>
               </a:ext>
             </a:extLst>
           </a:blip>
@@ -6512,79 +9130,96 @@
           </a:p>
         </p:txBody>
       </p:sp>
-      <p:graphicFrame>
-        <p:nvGraphicFramePr>
-          <p:cNvPr id="4" name="Объект 3">
+      <p:sp>
+        <p:nvSpPr>
+          <p:cNvPr id="13" name="Прямоугольник 12">
             <a:extLst>
               <a:ext uri="{FF2B5EF4-FFF2-40B4-BE49-F238E27FC236}">
-                <a16:creationId xmlns:a16="http://schemas.microsoft.com/office/drawing/2014/main" id="{6279D492-6FC4-4E62-8150-571253830D60}"/>
+                <a16:creationId xmlns:a16="http://schemas.microsoft.com/office/drawing/2014/main" id="{ED921A48-0CD7-453C-AD5A-142AF6E2930A}"/>
               </a:ext>
             </a:extLst>
           </p:cNvPr>
-          <p:cNvGraphicFramePr>
-            <a:graphicFrameLocks noChangeAspect="1"/>
-          </p:cNvGraphicFramePr>
-          <p:nvPr>
-            <p:extLst>
-              <p:ext uri="{D42A27DB-BD31-4B8C-83A1-F6EECF244321}">
-                <p14:modId xmlns:p14="http://schemas.microsoft.com/office/powerpoint/2010/main" val="2432563523"/>
-              </p:ext>
-            </p:extLst>
-          </p:nvPr>
-        </p:nvGraphicFramePr>
-        <p:xfrm>
-          <a:off x="1629175" y="3789496"/>
-          <a:ext cx="7210025" cy="2884010"/>
-        </p:xfrm>
-        <a:graphic>
-          <a:graphicData uri="http://schemas.openxmlformats.org/presentationml/2006/ole">
-            <mc:AlternateContent xmlns:mc="http://schemas.openxmlformats.org/markup-compatibility/2006">
-              <mc:Choice xmlns:v="urn:schemas-microsoft-com:vml" Requires="v">
-                <p:oleObj spid="_x0000_s1062" name="Visio" r:id="rId12" imgW="7002603" imgH="2811709" progId="Visio.Drawing.15">
-                  <p:embed/>
-                </p:oleObj>
-              </mc:Choice>
-              <mc:Fallback>
-                <p:oleObj name="Visio" r:id="rId12" imgW="7002603" imgH="2811709" progId="Visio.Drawing.15">
-                  <p:embed/>
-                  <p:pic>
-                    <p:nvPicPr>
-                      <p:cNvPr id="0" name="Object 1"/>
-                      <p:cNvPicPr>
-                        <a:picLocks noChangeAspect="1" noChangeArrowheads="1"/>
-                      </p:cNvPicPr>
-                      <p:nvPr/>
-                    </p:nvPicPr>
-                    <p:blipFill>
-                      <a:blip r:embed="rId13">
-                        <a:extLst>
-                          <a:ext uri="{28A0092B-C50C-407E-A947-70E740481C1C}">
-                            <a14:useLocalDpi xmlns:a14="http://schemas.microsoft.com/office/drawing/2010/main" val="0"/>
-                          </a:ext>
-                        </a:extLst>
-                      </a:blip>
-                      <a:srcRect/>
-                      <a:stretch>
-                        <a:fillRect/>
-                      </a:stretch>
-                    </p:blipFill>
-                    <p:spPr bwMode="auto">
-                      <a:xfrm>
-                        <a:off x="1629175" y="3789496"/>
-                        <a:ext cx="7210025" cy="2884010"/>
-                      </a:xfrm>
-                      <a:prstGeom prst="rect">
-                        <a:avLst/>
-                      </a:prstGeom>
-                      <a:noFill/>
-                    </p:spPr>
-                  </p:pic>
-                </p:oleObj>
-              </mc:Fallback>
-            </mc:AlternateContent>
-          </a:graphicData>
-        </a:graphic>
-      </p:graphicFrame>
+          <p:cNvSpPr/>
+          <p:nvPr/>
+        </p:nvSpPr>
+        <p:spPr>
+          <a:xfrm>
+            <a:off x="333523" y="3962580"/>
+            <a:ext cx="11084206" cy="954107"/>
+          </a:xfrm>
+          <a:prstGeom prst="rect">
+            <a:avLst/>
+          </a:prstGeom>
+          <a:noFill/>
+          <a:effectLst>
+            <a:outerShdw blurRad="50800" dist="38100" dir="5400000" algn="t" rotWithShape="0">
+              <a:prstClr val="black">
+                <a:alpha val="40000"/>
+              </a:prstClr>
+            </a:outerShdw>
+          </a:effectLst>
+        </p:spPr>
+        <p:txBody>
+          <a:bodyPr wrap="square" lIns="91440" tIns="45720" rIns="91440" bIns="45720">
+            <a:spAutoFit/>
+          </a:bodyPr>
+          <a:lstStyle/>
+          <a:p>
+            <a:pPr algn="just"/>
+            <a:r>
+              <a:rPr lang="ru-RU" sz="2800" dirty="0">
+                <a:ln w="0"/>
+                <a:solidFill>
+                  <a:srgbClr val="FF9933"/>
+                </a:solidFill>
+                <a:effectLst>
+                  <a:outerShdw blurRad="38100" dist="19050" dir="2700000" algn="tl" rotWithShape="0">
+                    <a:schemeClr val="dk1">
+                      <a:alpha val="40000"/>
+                    </a:schemeClr>
+                  </a:outerShdw>
+                </a:effectLst>
+              </a:rPr>
+              <a:t>Недостаток данной модели</a:t>
+            </a:r>
+            <a:r>
+              <a:rPr lang="en-US" sz="2800" dirty="0">
+                <a:ln w="0"/>
+                <a:solidFill>
+                  <a:srgbClr val="FF9933"/>
+                </a:solidFill>
+                <a:effectLst>
+                  <a:outerShdw blurRad="38100" dist="19050" dir="2700000" algn="tl" rotWithShape="0">
+                    <a:schemeClr val="dk1">
+                      <a:alpha val="40000"/>
+                    </a:schemeClr>
+                  </a:outerShdw>
+                </a:effectLst>
+              </a:rPr>
+              <a:t>:</a:t>
+            </a:r>
+          </a:p>
+          <a:p>
+            <a:pPr algn="just"/>
+            <a:r>
+              <a:rPr lang="ru-RU" sz="2800" dirty="0">
+                <a:ln w="0"/>
+                <a:solidFill>
+                  <a:srgbClr val="FF9933"/>
+                </a:solidFill>
+                <a:effectLst>
+                  <a:outerShdw blurRad="38100" dist="19050" dir="2700000" algn="tl" rotWithShape="0">
+                    <a:schemeClr val="dk1">
+                      <a:alpha val="40000"/>
+                    </a:schemeClr>
+                  </a:outerShdw>
+                </a:effectLst>
+              </a:rPr>
+              <a:t>- Отсутствие всех требований на начальных этапах</a:t>
+            </a:r>
+          </a:p>
+        </p:txBody>
+      </p:sp>
     </p:spTree>
     <p:extLst>
       <p:ext uri="{BB962C8B-B14F-4D97-AF65-F5344CB8AC3E}">
@@ -6935,6 +9570,589 @@
         </p:nvSpPr>
         <p:spPr>
           <a:xfrm>
+            <a:off x="195007" y="108565"/>
+            <a:ext cx="8146718" cy="923330"/>
+          </a:xfrm>
+          <a:prstGeom prst="rect">
+            <a:avLst/>
+          </a:prstGeom>
+          <a:noFill/>
+          <a:effectLst>
+            <a:outerShdw blurRad="50800" dist="38100" dir="5400000" algn="t" rotWithShape="0">
+              <a:prstClr val="black">
+                <a:alpha val="40000"/>
+              </a:prstClr>
+            </a:outerShdw>
+          </a:effectLst>
+        </p:spPr>
+        <p:txBody>
+          <a:bodyPr wrap="none" lIns="91440" tIns="45720" rIns="91440" bIns="45720">
+            <a:spAutoFit/>
+          </a:bodyPr>
+          <a:lstStyle/>
+          <a:p>
+            <a:pPr algn="ctr"/>
+            <a:r>
+              <a:rPr lang="ru-RU" sz="5400" dirty="0">
+                <a:ln w="0"/>
+                <a:solidFill>
+                  <a:srgbClr val="FFCC00"/>
+                </a:solidFill>
+                <a:effectLst>
+                  <a:outerShdw blurRad="38100" dist="19050" dir="2700000" algn="tl" rotWithShape="0">
+                    <a:schemeClr val="dk1">
+                      <a:alpha val="40000"/>
+                    </a:schemeClr>
+                  </a:outerShdw>
+                </a:effectLst>
+              </a:rPr>
+              <a:t>Модель жизненного цикла</a:t>
+            </a:r>
+          </a:p>
+        </p:txBody>
+      </p:sp>
+      <p:sp>
+        <p:nvSpPr>
+          <p:cNvPr id="7" name="Прямоугольник 6">
+            <a:extLst>
+              <a:ext uri="{FF2B5EF4-FFF2-40B4-BE49-F238E27FC236}">
+                <a16:creationId xmlns:a16="http://schemas.microsoft.com/office/drawing/2014/main" id="{D91F4B7A-0A73-43B7-B429-376F52EFA8E7}"/>
+              </a:ext>
+            </a:extLst>
+          </p:cNvPr>
+          <p:cNvSpPr/>
+          <p:nvPr/>
+        </p:nvSpPr>
+        <p:spPr>
+          <a:xfrm>
+            <a:off x="333523" y="1086285"/>
+            <a:ext cx="11084206" cy="523220"/>
+          </a:xfrm>
+          <a:prstGeom prst="rect">
+            <a:avLst/>
+          </a:prstGeom>
+          <a:noFill/>
+          <a:effectLst>
+            <a:outerShdw blurRad="50800" dist="38100" dir="5400000" algn="t" rotWithShape="0">
+              <a:prstClr val="black">
+                <a:alpha val="40000"/>
+              </a:prstClr>
+            </a:outerShdw>
+          </a:effectLst>
+        </p:spPr>
+        <p:txBody>
+          <a:bodyPr wrap="square" lIns="91440" tIns="45720" rIns="91440" bIns="45720">
+            <a:spAutoFit/>
+          </a:bodyPr>
+          <a:lstStyle/>
+          <a:p>
+            <a:pPr algn="just"/>
+            <a:r>
+              <a:rPr lang="ru-RU" sz="2800" dirty="0">
+                <a:ln w="0"/>
+                <a:solidFill>
+                  <a:srgbClr val="FF9933"/>
+                </a:solidFill>
+                <a:effectLst>
+                  <a:outerShdw blurRad="38100" dist="19050" dir="2700000" algn="tl" rotWithShape="0">
+                    <a:schemeClr val="dk1">
+                      <a:alpha val="40000"/>
+                    </a:schemeClr>
+                  </a:outerShdw>
+                </a:effectLst>
+              </a:rPr>
+              <a:t>Этапы </a:t>
+            </a:r>
+            <a:r>
+              <a:rPr lang="ru-RU" sz="2800" dirty="0">
+                <a:ln w="0"/>
+                <a:solidFill>
+                  <a:srgbClr val="FFFF00"/>
+                </a:solidFill>
+                <a:effectLst>
+                  <a:outerShdw blurRad="38100" dist="19050" dir="2700000" algn="tl" rotWithShape="0">
+                    <a:schemeClr val="dk1">
+                      <a:alpha val="40000"/>
+                    </a:schemeClr>
+                  </a:outerShdw>
+                </a:effectLst>
+              </a:rPr>
+              <a:t>ИНКРЕМЕНТНОЙ</a:t>
+            </a:r>
+            <a:r>
+              <a:rPr lang="ru-RU" sz="2800" dirty="0">
+                <a:ln w="0"/>
+                <a:solidFill>
+                  <a:srgbClr val="FF9933"/>
+                </a:solidFill>
+                <a:effectLst>
+                  <a:outerShdw blurRad="38100" dist="19050" dir="2700000" algn="tl" rotWithShape="0">
+                    <a:schemeClr val="dk1">
+                      <a:alpha val="40000"/>
+                    </a:schemeClr>
+                  </a:outerShdw>
+                </a:effectLst>
+              </a:rPr>
+              <a:t> модели</a:t>
+            </a:r>
+            <a:r>
+              <a:rPr lang="ru-RU" sz="2800" dirty="0">
+                <a:ln w="0"/>
+                <a:solidFill>
+                  <a:srgbClr val="FFCC00"/>
+                </a:solidFill>
+                <a:effectLst>
+                  <a:outerShdw blurRad="38100" dist="19050" dir="2700000" algn="tl" rotWithShape="0">
+                    <a:schemeClr val="dk1">
+                      <a:alpha val="40000"/>
+                    </a:schemeClr>
+                  </a:outerShdw>
+                </a:effectLst>
+              </a:rPr>
+              <a:t>.</a:t>
+            </a:r>
+          </a:p>
+        </p:txBody>
+      </p:sp>
+      <p:sp>
+        <p:nvSpPr>
+          <p:cNvPr id="10" name="Прямоугольник 9">
+            <a:extLst>
+              <a:ext uri="{FF2B5EF4-FFF2-40B4-BE49-F238E27FC236}">
+                <a16:creationId xmlns:a16="http://schemas.microsoft.com/office/drawing/2014/main" id="{9A853586-DDDD-4EE2-BB3B-7EC2E2DE5B25}"/>
+              </a:ext>
+            </a:extLst>
+          </p:cNvPr>
+          <p:cNvSpPr/>
+          <p:nvPr/>
+        </p:nvSpPr>
+        <p:spPr>
+          <a:xfrm>
+            <a:off x="333523" y="1780642"/>
+            <a:ext cx="3387139" cy="4401205"/>
+          </a:xfrm>
+          <a:prstGeom prst="rect">
+            <a:avLst/>
+          </a:prstGeom>
+          <a:noFill/>
+          <a:effectLst>
+            <a:outerShdw blurRad="50800" dist="38100" dir="5400000" algn="t" rotWithShape="0">
+              <a:prstClr val="black">
+                <a:alpha val="40000"/>
+              </a:prstClr>
+            </a:outerShdw>
+          </a:effectLst>
+        </p:spPr>
+        <p:txBody>
+          <a:bodyPr wrap="square" lIns="91440" tIns="45720" rIns="91440" bIns="45720">
+            <a:spAutoFit/>
+          </a:bodyPr>
+          <a:lstStyle/>
+          <a:p>
+            <a:pPr marL="514350" indent="-514350" algn="just">
+              <a:buAutoNum type="arabicParenR"/>
+            </a:pPr>
+            <a:r>
+              <a:rPr lang="ru-RU" sz="2800" dirty="0">
+                <a:ln w="0"/>
+                <a:solidFill>
+                  <a:srgbClr val="FF9933"/>
+                </a:solidFill>
+                <a:effectLst>
+                  <a:outerShdw blurRad="38100" dist="19050" dir="2700000" algn="tl" rotWithShape="0">
+                    <a:schemeClr val="dk1">
+                      <a:alpha val="40000"/>
+                    </a:schemeClr>
+                  </a:outerShdw>
+                </a:effectLst>
+              </a:rPr>
+              <a:t>Инициализация проекта</a:t>
+            </a:r>
+          </a:p>
+          <a:p>
+            <a:pPr marL="514350" indent="-514350" algn="just">
+              <a:buAutoNum type="arabicParenR"/>
+            </a:pPr>
+            <a:r>
+              <a:rPr lang="ru-RU" sz="2800" dirty="0">
+                <a:ln w="0"/>
+                <a:solidFill>
+                  <a:srgbClr val="FF9933"/>
+                </a:solidFill>
+                <a:effectLst>
+                  <a:outerShdw blurRad="38100" dist="19050" dir="2700000" algn="tl" rotWithShape="0">
+                    <a:schemeClr val="dk1">
+                      <a:alpha val="40000"/>
+                    </a:schemeClr>
+                  </a:outerShdw>
+                </a:effectLst>
+              </a:rPr>
+              <a:t>Планирование проекта</a:t>
+            </a:r>
+          </a:p>
+          <a:p>
+            <a:pPr marL="514350" indent="-514350" algn="just">
+              <a:buAutoNum type="arabicParenR"/>
+            </a:pPr>
+            <a:r>
+              <a:rPr lang="ru-RU" sz="2800" dirty="0">
+                <a:ln w="0"/>
+                <a:solidFill>
+                  <a:srgbClr val="FF9933"/>
+                </a:solidFill>
+                <a:effectLst>
+                  <a:outerShdw blurRad="38100" dist="19050" dir="2700000" algn="tl" rotWithShape="0">
+                    <a:schemeClr val="dk1">
+                      <a:alpha val="40000"/>
+                    </a:schemeClr>
+                  </a:outerShdw>
+                </a:effectLst>
+              </a:rPr>
+              <a:t>Проектирование</a:t>
+            </a:r>
+          </a:p>
+          <a:p>
+            <a:pPr marL="514350" indent="-514350" algn="just">
+              <a:buAutoNum type="arabicParenR"/>
+            </a:pPr>
+            <a:r>
+              <a:rPr lang="ru-RU" sz="2800" dirty="0">
+                <a:ln w="0"/>
+                <a:solidFill>
+                  <a:srgbClr val="FF9933"/>
+                </a:solidFill>
+                <a:effectLst>
+                  <a:outerShdw blurRad="38100" dist="19050" dir="2700000" algn="tl" rotWithShape="0">
+                    <a:schemeClr val="dk1">
+                      <a:alpha val="40000"/>
+                    </a:schemeClr>
+                  </a:outerShdw>
+                </a:effectLst>
+              </a:rPr>
+              <a:t>Разработка</a:t>
+            </a:r>
+          </a:p>
+          <a:p>
+            <a:pPr marL="514350" indent="-514350" algn="just">
+              <a:buAutoNum type="arabicParenR"/>
+            </a:pPr>
+            <a:r>
+              <a:rPr lang="ru-RU" sz="2800" dirty="0">
+                <a:ln w="0"/>
+                <a:solidFill>
+                  <a:srgbClr val="FF9933"/>
+                </a:solidFill>
+                <a:effectLst>
+                  <a:outerShdw blurRad="38100" dist="19050" dir="2700000" algn="tl" rotWithShape="0">
+                    <a:schemeClr val="dk1">
+                      <a:alpha val="40000"/>
+                    </a:schemeClr>
+                  </a:outerShdw>
+                </a:effectLst>
+              </a:rPr>
+              <a:t>Тестирование</a:t>
+            </a:r>
+          </a:p>
+          <a:p>
+            <a:pPr marL="514350" indent="-514350" algn="just">
+              <a:buAutoNum type="arabicParenR"/>
+            </a:pPr>
+            <a:r>
+              <a:rPr lang="ru-RU" sz="2800" dirty="0">
+                <a:ln w="0"/>
+                <a:solidFill>
+                  <a:srgbClr val="FF9933"/>
+                </a:solidFill>
+                <a:effectLst>
+                  <a:outerShdw blurRad="38100" dist="19050" dir="2700000" algn="tl" rotWithShape="0">
+                    <a:schemeClr val="dk1">
+                      <a:alpha val="40000"/>
+                    </a:schemeClr>
+                  </a:outerShdw>
+                </a:effectLst>
+              </a:rPr>
+              <a:t>Внедрение</a:t>
+            </a:r>
+          </a:p>
+          <a:p>
+            <a:pPr marL="514350" indent="-514350" algn="just">
+              <a:buAutoNum type="arabicParenR"/>
+            </a:pPr>
+            <a:r>
+              <a:rPr lang="ru-RU" sz="2800" dirty="0">
+                <a:ln w="0"/>
+                <a:solidFill>
+                  <a:srgbClr val="FF9933"/>
+                </a:solidFill>
+                <a:effectLst>
+                  <a:outerShdw blurRad="38100" dist="19050" dir="2700000" algn="tl" rotWithShape="0">
+                    <a:schemeClr val="dk1">
+                      <a:alpha val="40000"/>
+                    </a:schemeClr>
+                  </a:outerShdw>
+                </a:effectLst>
+              </a:rPr>
+              <a:t>Эксплуатация и сопровождение</a:t>
+            </a:r>
+            <a:endParaRPr lang="en-US" sz="2800" dirty="0">
+              <a:ln w="0"/>
+              <a:solidFill>
+                <a:srgbClr val="FF9933"/>
+              </a:solidFill>
+              <a:effectLst>
+                <a:outerShdw blurRad="38100" dist="19050" dir="2700000" algn="tl" rotWithShape="0">
+                  <a:schemeClr val="dk1">
+                    <a:alpha val="40000"/>
+                  </a:schemeClr>
+                </a:outerShdw>
+              </a:effectLst>
+            </a:endParaRPr>
+          </a:p>
+        </p:txBody>
+      </p:sp>
+      <p:sp>
+        <p:nvSpPr>
+          <p:cNvPr id="19" name="Прямоугольник 18">
+            <a:extLst>
+              <a:ext uri="{FF2B5EF4-FFF2-40B4-BE49-F238E27FC236}">
+                <a16:creationId xmlns:a16="http://schemas.microsoft.com/office/drawing/2014/main" id="{DEA7151A-6810-465B-8ED7-BB1DEF5F4C59}"/>
+              </a:ext>
+            </a:extLst>
+          </p:cNvPr>
+          <p:cNvSpPr/>
+          <p:nvPr/>
+        </p:nvSpPr>
+        <p:spPr>
+          <a:xfrm>
+            <a:off x="11724640" y="6334780"/>
+            <a:ext cx="370663" cy="523220"/>
+          </a:xfrm>
+          <a:prstGeom prst="rect">
+            <a:avLst/>
+          </a:prstGeom>
+          <a:noFill/>
+        </p:spPr>
+        <p:txBody>
+          <a:bodyPr wrap="square" lIns="91440" tIns="45720" rIns="91440" bIns="45720">
+            <a:spAutoFit/>
+          </a:bodyPr>
+          <a:lstStyle/>
+          <a:p>
+            <a:pPr algn="ctr"/>
+            <a:r>
+              <a:rPr lang="ru-RU" sz="2800" b="1" cap="none" spc="50" dirty="0">
+                <a:ln w="0"/>
+                <a:solidFill>
+                  <a:schemeClr val="bg2"/>
+                </a:solidFill>
+                <a:effectLst>
+                  <a:innerShdw blurRad="63500" dist="50800" dir="13500000">
+                    <a:srgbClr val="000000">
+                      <a:alpha val="50000"/>
+                    </a:srgbClr>
+                  </a:innerShdw>
+                </a:effectLst>
+              </a:rPr>
+              <a:t>4</a:t>
+            </a:r>
+          </a:p>
+        </p:txBody>
+      </p:sp>
+      <p:sp>
+        <p:nvSpPr>
+          <p:cNvPr id="2" name="Rectangle 2">
+            <a:extLst>
+              <a:ext uri="{FF2B5EF4-FFF2-40B4-BE49-F238E27FC236}">
+                <a16:creationId xmlns:a16="http://schemas.microsoft.com/office/drawing/2014/main" id="{98BD0253-631D-4426-A40C-65DD6A8FC41A}"/>
+              </a:ext>
+            </a:extLst>
+          </p:cNvPr>
+          <p:cNvSpPr>
+            <a:spLocks noChangeArrowheads="1"/>
+          </p:cNvSpPr>
+          <p:nvPr/>
+        </p:nvSpPr>
+        <p:spPr bwMode="auto">
+          <a:xfrm>
+            <a:off x="2190750" y="4149109"/>
+            <a:ext cx="12694024" cy="45719"/>
+          </a:xfrm>
+          <a:prstGeom prst="rect">
+            <a:avLst/>
+          </a:prstGeom>
+          <a:noFill/>
+          <a:ln>
+            <a:noFill/>
+          </a:ln>
+          <a:effectLst/>
+          <a:extLst>
+            <a:ext uri="{909E8E84-426E-40DD-AFC4-6F175D3DCCD1}">
+              <a14:hiddenFill xmlns:a14="http://schemas.microsoft.com/office/drawing/2010/main">
+                <a:solidFill>
+                  <a:schemeClr val="accent1"/>
+                </a:solidFill>
+              </a14:hiddenFill>
+            </a:ext>
+            <a:ext uri="{91240B29-F687-4F45-9708-019B960494DF}">
+              <a14:hiddenLine xmlns:a14="http://schemas.microsoft.com/office/drawing/2010/main" w="9525">
+                <a:solidFill>
+                  <a:schemeClr val="tx1"/>
+                </a:solidFill>
+                <a:miter lim="800000"/>
+                <a:headEnd/>
+                <a:tailEnd/>
+              </a14:hiddenLine>
+            </a:ext>
+            <a:ext uri="{AF507438-7753-43E0-B8FC-AC1667EBCBE1}">
+              <a14:hiddenEffects xmlns:a14="http://schemas.microsoft.com/office/drawing/2010/main">
+                <a:effectLst>
+                  <a:outerShdw dist="35921" dir="2700000" algn="ctr" rotWithShape="0">
+                    <a:schemeClr val="bg2"/>
+                  </a:outerShdw>
+                </a:effectLst>
+              </a14:hiddenEffects>
+            </a:ext>
+          </a:extLst>
+        </p:spPr>
+        <p:txBody>
+          <a:bodyPr vert="horz" wrap="square" lIns="91440" tIns="45720" rIns="91440" bIns="45720" numCol="1" anchor="ctr" anchorCtr="0" compatLnSpc="1">
+            <a:prstTxWarp prst="textNoShape">
+              <a:avLst/>
+            </a:prstTxWarp>
+            <a:spAutoFit/>
+          </a:bodyPr>
+          <a:lstStyle/>
+          <a:p>
+            <a:endParaRPr lang="ru-RU"/>
+          </a:p>
+        </p:txBody>
+      </p:sp>
+      <p:graphicFrame>
+        <p:nvGraphicFramePr>
+          <p:cNvPr id="13" name="Объект 12">
+            <a:extLst>
+              <a:ext uri="{FF2B5EF4-FFF2-40B4-BE49-F238E27FC236}">
+                <a16:creationId xmlns:a16="http://schemas.microsoft.com/office/drawing/2014/main" id="{AA2D4C62-3162-42E5-9657-DE075B1340B4}"/>
+              </a:ext>
+            </a:extLst>
+          </p:cNvPr>
+          <p:cNvGraphicFramePr>
+            <a:graphicFrameLocks noChangeAspect="1"/>
+          </p:cNvGraphicFramePr>
+          <p:nvPr>
+            <p:extLst>
+              <p:ext uri="{D42A27DB-BD31-4B8C-83A1-F6EECF244321}">
+                <p14:modId xmlns:p14="http://schemas.microsoft.com/office/powerpoint/2010/main" val="1559031875"/>
+              </p:ext>
+            </p:extLst>
+          </p:nvPr>
+        </p:nvGraphicFramePr>
+        <p:xfrm>
+          <a:off x="3586095" y="2047615"/>
+          <a:ext cx="8509208" cy="3403683"/>
+        </p:xfrm>
+        <a:graphic>
+          <a:graphicData uri="http://schemas.openxmlformats.org/presentationml/2006/ole">
+            <mc:AlternateContent xmlns:mc="http://schemas.openxmlformats.org/markup-compatibility/2006">
+              <mc:Choice xmlns:v="urn:schemas-microsoft-com:vml" Requires="v">
+                <p:oleObj spid="_x0000_s2060" name="Visio" r:id="rId4" imgW="7002603" imgH="2811709" progId="Visio.Drawing.15">
+                  <p:embed/>
+                </p:oleObj>
+              </mc:Choice>
+              <mc:Fallback>
+                <p:oleObj name="Visio" r:id="rId4" imgW="7002603" imgH="2811709" progId="Visio.Drawing.15">
+                  <p:embed/>
+                  <p:pic>
+                    <p:nvPicPr>
+                      <p:cNvPr id="4" name="Объект 3">
+                        <a:extLst>
+                          <a:ext uri="{FF2B5EF4-FFF2-40B4-BE49-F238E27FC236}">
+                            <a16:creationId xmlns:a16="http://schemas.microsoft.com/office/drawing/2014/main" id="{6279D492-6FC4-4E62-8150-571253830D60}"/>
+                          </a:ext>
+                        </a:extLst>
+                      </p:cNvPr>
+                      <p:cNvPicPr>
+                        <a:picLocks noChangeAspect="1" noChangeArrowheads="1"/>
+                      </p:cNvPicPr>
+                      <p:nvPr/>
+                    </p:nvPicPr>
+                    <p:blipFill>
+                      <a:blip r:embed="rId5">
+                        <a:extLst>
+                          <a:ext uri="{28A0092B-C50C-407E-A947-70E740481C1C}">
+                            <a14:useLocalDpi xmlns:a14="http://schemas.microsoft.com/office/drawing/2010/main" val="0"/>
+                          </a:ext>
+                        </a:extLst>
+                      </a:blip>
+                      <a:srcRect/>
+                      <a:stretch>
+                        <a:fillRect/>
+                      </a:stretch>
+                    </p:blipFill>
+                    <p:spPr bwMode="auto">
+                      <a:xfrm>
+                        <a:off x="3586095" y="2047615"/>
+                        <a:ext cx="8509208" cy="3403683"/>
+                      </a:xfrm>
+                      <a:prstGeom prst="rect">
+                        <a:avLst/>
+                      </a:prstGeom>
+                      <a:noFill/>
+                    </p:spPr>
+                  </p:pic>
+                </p:oleObj>
+              </mc:Fallback>
+            </mc:AlternateContent>
+          </a:graphicData>
+        </a:graphic>
+      </p:graphicFrame>
+    </p:spTree>
+    <p:extLst>
+      <p:ext uri="{BB962C8B-B14F-4D97-AF65-F5344CB8AC3E}">
+        <p14:creationId xmlns:p14="http://schemas.microsoft.com/office/powerpoint/2010/main" val="3411203408"/>
+      </p:ext>
+    </p:extLst>
+  </p:cSld>
+  <p:clrMapOvr>
+    <a:masterClrMapping/>
+  </p:clrMapOvr>
+  <p:transition spd="slow">
+    <p:wipe/>
+  </p:transition>
+</p:sld>
+</file>
+
+<file path=ppt/slides/slide5.xml><?xml version="1.0" encoding="utf-8"?>
+<p:sld xmlns:a="http://schemas.openxmlformats.org/drawingml/2006/main" xmlns:r="http://schemas.openxmlformats.org/officeDocument/2006/relationships" xmlns:p="http://schemas.openxmlformats.org/presentationml/2006/main">
+  <p:cSld>
+    <p:spTree>
+      <p:nvGrpSpPr>
+        <p:cNvPr id="1" name=""/>
+        <p:cNvGrpSpPr/>
+        <p:nvPr/>
+      </p:nvGrpSpPr>
+      <p:grpSpPr>
+        <a:xfrm>
+          <a:off x="0" y="0"/>
+          <a:ext cx="0" cy="0"/>
+          <a:chOff x="0" y="0"/>
+          <a:chExt cx="0" cy="0"/>
+        </a:xfrm>
+      </p:grpSpPr>
+      <p:sp>
+        <p:nvSpPr>
+          <p:cNvPr id="11" name="Прямоугольник 10">
+            <a:extLst>
+              <a:ext uri="{FF2B5EF4-FFF2-40B4-BE49-F238E27FC236}">
+                <a16:creationId xmlns:a16="http://schemas.microsoft.com/office/drawing/2014/main" id="{FF70FB42-FB7B-468B-B2AD-F1C1C8C9412A}"/>
+              </a:ext>
+            </a:extLst>
+          </p:cNvPr>
+          <p:cNvSpPr/>
+          <p:nvPr/>
+        </p:nvSpPr>
+        <p:spPr>
+          <a:xfrm>
             <a:off x="118123" y="79990"/>
             <a:ext cx="7290843" cy="923330"/>
           </a:xfrm>
@@ -7006,7 +10224,7 @@
           <a:p>
             <a:pPr algn="ctr"/>
             <a:r>
-              <a:rPr lang="en-US" sz="2800" b="1" cap="none" spc="50" dirty="0">
+              <a:rPr lang="ru-RU" sz="2800" b="1" cap="none" spc="50" dirty="0">
                 <a:ln w="0"/>
                 <a:solidFill>
                   <a:schemeClr val="bg2"/>
@@ -7019,21 +10237,8 @@
                   </a:innerShdw>
                 </a:effectLst>
               </a:rPr>
-              <a:t>4</a:t>
-            </a:r>
-            <a:endParaRPr lang="ru-RU" sz="2800" b="1" cap="none" spc="50" dirty="0">
-              <a:ln w="0"/>
-              <a:solidFill>
-                <a:schemeClr val="bg2"/>
-              </a:solidFill>
-              <a:effectLst>
-                <a:innerShdw blurRad="63500" dist="50800" dir="13500000">
-                  <a:srgbClr val="000000">
-                    <a:alpha val="50000"/>
-                  </a:srgbClr>
-                </a:innerShdw>
-              </a:effectLst>
-            </a:endParaRPr>
+              <a:t>5</a:t>
+            </a:r>
           </a:p>
         </p:txBody>
       </p:sp>
@@ -7338,7 +10543,7 @@
 </p:sld>
 </file>
 
-<file path=ppt/slides/slide5.xml><?xml version="1.0" encoding="utf-8"?>
+<file path=ppt/slides/slide6.xml><?xml version="1.0" encoding="utf-8"?>
 <p:sld xmlns:a="http://schemas.openxmlformats.org/drawingml/2006/main" xmlns:r="http://schemas.openxmlformats.org/officeDocument/2006/relationships" xmlns:p="http://schemas.openxmlformats.org/presentationml/2006/main">
   <p:cSld>
     <p:spTree>
@@ -7453,7 +10658,7 @@
                   </a:innerShdw>
                 </a:effectLst>
               </a:rPr>
-              <a:t>5</a:t>
+              <a:t>6</a:t>
             </a:r>
           </a:p>
         </p:txBody>
@@ -7630,7 +10835,13 @@
                 <a:solidFill>
                   <a:srgbClr val="FFCC00"/>
                 </a:solidFill>
-                <a:effectLst/>
+                <a:effectLst>
+                  <a:outerShdw blurRad="38100" dist="38100" dir="2700000" algn="tl">
+                    <a:srgbClr val="000000">
+                      <a:alpha val="43137"/>
+                    </a:srgbClr>
+                  </a:outerShdw>
+                </a:effectLst>
                 <a:ea typeface="Calibri" panose="020F0502020204030204" pitchFamily="34" charset="0"/>
                 <a:cs typeface="Times New Roman" panose="02020603050405020304" pitchFamily="18" charset="0"/>
               </a:rPr>
@@ -7717,11 +10928,17 @@
               </a:spcAft>
             </a:pPr>
             <a:r>
-              <a:rPr lang="ru-RU" sz="2200" dirty="0">
+              <a:rPr lang="ru-RU" sz="2200" b="1" dirty="0">
                 <a:solidFill>
                   <a:srgbClr val="FF9933"/>
                 </a:solidFill>
-                <a:effectLst/>
+                <a:effectLst>
+                  <a:outerShdw blurRad="38100" dist="38100" dir="2700000" algn="tl">
+                    <a:srgbClr val="000000">
+                      <a:alpha val="43137"/>
+                    </a:srgbClr>
+                  </a:outerShdw>
+                </a:effectLst>
                 <a:ea typeface="Calibri" panose="020F0502020204030204" pitchFamily="34" charset="0"/>
                 <a:cs typeface="Times New Roman" panose="02020603050405020304" pitchFamily="18" charset="0"/>
               </a:rPr>
@@ -7767,11 +10984,17 @@
               </a:spcAft>
             </a:pPr>
             <a:r>
-              <a:rPr lang="ru-RU" sz="2200" dirty="0">
+              <a:rPr lang="ru-RU" sz="2200" b="1" dirty="0">
                 <a:solidFill>
                   <a:srgbClr val="FF9933"/>
                 </a:solidFill>
-                <a:effectLst/>
+                <a:effectLst>
+                  <a:outerShdw blurRad="38100" dist="38100" dir="2700000" algn="tl">
+                    <a:srgbClr val="000000">
+                      <a:alpha val="43137"/>
+                    </a:srgbClr>
+                  </a:outerShdw>
+                </a:effectLst>
                 <a:ea typeface="Calibri" panose="020F0502020204030204" pitchFamily="34" charset="0"/>
                 <a:cs typeface="Times New Roman" panose="02020603050405020304" pitchFamily="18" charset="0"/>
               </a:rPr>
@@ -7895,479 +11118,6 @@
 </p:sld>
 </file>
 
-<file path=ppt/slides/slide6.xml><?xml version="1.0" encoding="utf-8"?>
-<p:sld xmlns:a="http://schemas.openxmlformats.org/drawingml/2006/main" xmlns:r="http://schemas.openxmlformats.org/officeDocument/2006/relationships" xmlns:p="http://schemas.openxmlformats.org/presentationml/2006/main">
-  <p:cSld>
-    <p:spTree>
-      <p:nvGrpSpPr>
-        <p:cNvPr id="1" name=""/>
-        <p:cNvGrpSpPr/>
-        <p:nvPr/>
-      </p:nvGrpSpPr>
-      <p:grpSpPr>
-        <a:xfrm>
-          <a:off x="0" y="0"/>
-          <a:ext cx="0" cy="0"/>
-          <a:chOff x="0" y="0"/>
-          <a:chExt cx="0" cy="0"/>
-        </a:xfrm>
-      </p:grpSpPr>
-      <p:sp>
-        <p:nvSpPr>
-          <p:cNvPr id="11" name="Прямоугольник 10">
-            <a:extLst>
-              <a:ext uri="{FF2B5EF4-FFF2-40B4-BE49-F238E27FC236}">
-                <a16:creationId xmlns:a16="http://schemas.microsoft.com/office/drawing/2014/main" id="{FF70FB42-FB7B-468B-B2AD-F1C1C8C9412A}"/>
-              </a:ext>
-            </a:extLst>
-          </p:cNvPr>
-          <p:cNvSpPr/>
-          <p:nvPr/>
-        </p:nvSpPr>
-        <p:spPr>
-          <a:xfrm>
-            <a:off x="217931" y="79990"/>
-            <a:ext cx="7091237" cy="923330"/>
-          </a:xfrm>
-          <a:prstGeom prst="rect">
-            <a:avLst/>
-          </a:prstGeom>
-          <a:noFill/>
-          <a:effectLst>
-            <a:outerShdw blurRad="50800" dist="38100" dir="5400000" algn="t" rotWithShape="0">
-              <a:prstClr val="black">
-                <a:alpha val="40000"/>
-              </a:prstClr>
-            </a:outerShdw>
-          </a:effectLst>
-        </p:spPr>
-        <p:txBody>
-          <a:bodyPr wrap="none" lIns="91440" tIns="45720" rIns="91440" bIns="45720">
-            <a:spAutoFit/>
-          </a:bodyPr>
-          <a:lstStyle/>
-          <a:p>
-            <a:pPr algn="ctr"/>
-            <a:r>
-              <a:rPr lang="ru-RU" sz="5400" dirty="0">
-                <a:ln w="0"/>
-                <a:solidFill>
-                  <a:srgbClr val="FFCC00"/>
-                </a:solidFill>
-                <a:effectLst>
-                  <a:outerShdw blurRad="38100" dist="19050" dir="2700000" algn="tl" rotWithShape="0">
-                    <a:schemeClr val="dk1">
-                      <a:alpha val="40000"/>
-                    </a:schemeClr>
-                  </a:outerShdw>
-                </a:effectLst>
-              </a:rPr>
-              <a:t>Руководство оператора</a:t>
-            </a:r>
-          </a:p>
-        </p:txBody>
-      </p:sp>
-      <p:sp>
-        <p:nvSpPr>
-          <p:cNvPr id="19" name="Прямоугольник 18">
-            <a:extLst>
-              <a:ext uri="{FF2B5EF4-FFF2-40B4-BE49-F238E27FC236}">
-                <a16:creationId xmlns:a16="http://schemas.microsoft.com/office/drawing/2014/main" id="{DEA7151A-6810-465B-8ED7-BB1DEF5F4C59}"/>
-              </a:ext>
-            </a:extLst>
-          </p:cNvPr>
-          <p:cNvSpPr/>
-          <p:nvPr/>
-        </p:nvSpPr>
-        <p:spPr>
-          <a:xfrm>
-            <a:off x="11724640" y="6334780"/>
-            <a:ext cx="370663" cy="523220"/>
-          </a:xfrm>
-          <a:prstGeom prst="rect">
-            <a:avLst/>
-          </a:prstGeom>
-          <a:noFill/>
-        </p:spPr>
-        <p:txBody>
-          <a:bodyPr wrap="square" lIns="91440" tIns="45720" rIns="91440" bIns="45720">
-            <a:spAutoFit/>
-          </a:bodyPr>
-          <a:lstStyle/>
-          <a:p>
-            <a:pPr algn="ctr"/>
-            <a:r>
-              <a:rPr lang="ru-RU" sz="2800" b="1" cap="none" spc="50" dirty="0">
-                <a:ln w="0"/>
-                <a:solidFill>
-                  <a:schemeClr val="bg2"/>
-                </a:solidFill>
-                <a:effectLst>
-                  <a:innerShdw blurRad="63500" dist="50800" dir="13500000">
-                    <a:srgbClr val="000000">
-                      <a:alpha val="50000"/>
-                    </a:srgbClr>
-                  </a:innerShdw>
-                </a:effectLst>
-              </a:rPr>
-              <a:t>6</a:t>
-            </a:r>
-          </a:p>
-        </p:txBody>
-      </p:sp>
-      <p:sp>
-        <p:nvSpPr>
-          <p:cNvPr id="4" name="Прямоугольник 3">
-            <a:extLst>
-              <a:ext uri="{FF2B5EF4-FFF2-40B4-BE49-F238E27FC236}">
-                <a16:creationId xmlns:a16="http://schemas.microsoft.com/office/drawing/2014/main" id="{33BF4C7E-8F13-431F-AEA6-2B2D8B52A829}"/>
-              </a:ext>
-            </a:extLst>
-          </p:cNvPr>
-          <p:cNvSpPr/>
-          <p:nvPr/>
-        </p:nvSpPr>
-        <p:spPr>
-          <a:xfrm>
-            <a:off x="133350" y="1089986"/>
-            <a:ext cx="11254833" cy="2246769"/>
-          </a:xfrm>
-          <a:prstGeom prst="rect">
-            <a:avLst/>
-          </a:prstGeom>
-          <a:noFill/>
-          <a:effectLst>
-            <a:outerShdw blurRad="50800" dist="38100" dir="5400000" algn="t" rotWithShape="0">
-              <a:prstClr val="black">
-                <a:alpha val="40000"/>
-              </a:prstClr>
-            </a:outerShdw>
-          </a:effectLst>
-        </p:spPr>
-        <p:txBody>
-          <a:bodyPr wrap="square" lIns="91440" tIns="45720" rIns="91440" bIns="45720">
-            <a:spAutoFit/>
-          </a:bodyPr>
-          <a:lstStyle/>
-          <a:p>
-            <a:pPr algn="just"/>
-            <a:r>
-              <a:rPr lang="ru-RU" sz="2800" dirty="0">
-                <a:ln w="0"/>
-                <a:solidFill>
-                  <a:srgbClr val="FF9933"/>
-                </a:solidFill>
-                <a:effectLst>
-                  <a:outerShdw blurRad="38100" dist="19050" dir="2700000" algn="tl" rotWithShape="0">
-                    <a:schemeClr val="dk1">
-                      <a:alpha val="40000"/>
-                    </a:schemeClr>
-                  </a:outerShdw>
-                </a:effectLst>
-              </a:rPr>
-              <a:t>В руководство вынесен следующий функционал</a:t>
-            </a:r>
-            <a:r>
-              <a:rPr lang="en-US" sz="2800" dirty="0">
-                <a:ln w="0"/>
-                <a:solidFill>
-                  <a:srgbClr val="FF9933"/>
-                </a:solidFill>
-                <a:effectLst>
-                  <a:outerShdw blurRad="38100" dist="19050" dir="2700000" algn="tl" rotWithShape="0">
-                    <a:schemeClr val="dk1">
-                      <a:alpha val="40000"/>
-                    </a:schemeClr>
-                  </a:outerShdw>
-                </a:effectLst>
-              </a:rPr>
-              <a:t>:</a:t>
-            </a:r>
-            <a:endParaRPr lang="ru-RU" sz="2800" dirty="0">
-              <a:ln w="0"/>
-              <a:solidFill>
-                <a:srgbClr val="FF9933"/>
-              </a:solidFill>
-              <a:effectLst>
-                <a:outerShdw blurRad="38100" dist="19050" dir="2700000" algn="tl" rotWithShape="0">
-                  <a:schemeClr val="dk1">
-                    <a:alpha val="40000"/>
-                  </a:schemeClr>
-                </a:outerShdw>
-              </a:effectLst>
-            </a:endParaRPr>
-          </a:p>
-          <a:p>
-            <a:pPr marL="457200" indent="-457200" algn="just">
-              <a:buFont typeface="Wingdings" panose="05000000000000000000" pitchFamily="2" charset="2"/>
-              <a:buChar char="Ø"/>
-            </a:pPr>
-            <a:r>
-              <a:rPr lang="ru-RU" sz="2800" dirty="0">
-                <a:ln w="0"/>
-                <a:solidFill>
-                  <a:srgbClr val="FF9933"/>
-                </a:solidFill>
-                <a:effectLst>
-                  <a:outerShdw blurRad="38100" dist="19050" dir="2700000" algn="tl" rotWithShape="0">
-                    <a:schemeClr val="dk1">
-                      <a:alpha val="40000"/>
-                    </a:schemeClr>
-                  </a:outerShdw>
-                </a:effectLst>
-              </a:rPr>
-              <a:t>«Тестирование скорости печати с текстом загруженным из словаря»</a:t>
-            </a:r>
-          </a:p>
-          <a:p>
-            <a:pPr marL="457200" indent="-457200" algn="just">
-              <a:buFont typeface="Wingdings" panose="05000000000000000000" pitchFamily="2" charset="2"/>
-              <a:buChar char="Ø"/>
-            </a:pPr>
-            <a:r>
-              <a:rPr lang="ru-RU" sz="2800" dirty="0">
-                <a:ln w="0"/>
-                <a:solidFill>
-                  <a:srgbClr val="FF9933"/>
-                </a:solidFill>
-                <a:effectLst>
-                  <a:outerShdw blurRad="38100" dist="19050" dir="2700000" algn="tl" rotWithShape="0">
-                    <a:schemeClr val="dk1">
-                      <a:alpha val="40000"/>
-                    </a:schemeClr>
-                  </a:outerShdw>
-                </a:effectLst>
-              </a:rPr>
-              <a:t>«Тесты»</a:t>
-            </a:r>
-          </a:p>
-          <a:p>
-            <a:pPr marL="457200" indent="-457200" algn="just">
-              <a:buFont typeface="Wingdings" panose="05000000000000000000" pitchFamily="2" charset="2"/>
-              <a:buChar char="Ø"/>
-            </a:pPr>
-            <a:r>
-              <a:rPr lang="ru-RU" sz="2800" dirty="0">
-                <a:ln w="0"/>
-                <a:solidFill>
-                  <a:srgbClr val="FF9933"/>
-                </a:solidFill>
-                <a:effectLst>
-                  <a:outerShdw blurRad="38100" dist="19050" dir="2700000" algn="tl" rotWithShape="0">
-                    <a:schemeClr val="dk1">
-                      <a:alpha val="40000"/>
-                    </a:schemeClr>
-                  </a:outerShdw>
-                </a:effectLst>
-              </a:rPr>
-              <a:t>«Горячие клавиши»</a:t>
-            </a:r>
-            <a:endParaRPr lang="en-US" sz="2800" dirty="0">
-              <a:ln w="0"/>
-              <a:solidFill>
-                <a:srgbClr val="FF9933"/>
-              </a:solidFill>
-              <a:effectLst>
-                <a:outerShdw blurRad="38100" dist="19050" dir="2700000" algn="tl" rotWithShape="0">
-                  <a:schemeClr val="dk1">
-                    <a:alpha val="40000"/>
-                  </a:schemeClr>
-                </a:outerShdw>
-              </a:effectLst>
-            </a:endParaRPr>
-          </a:p>
-          <a:p>
-            <a:pPr algn="just"/>
-            <a:endParaRPr lang="en-US" sz="2800" dirty="0">
-              <a:ln w="0"/>
-              <a:solidFill>
-                <a:srgbClr val="FF9933"/>
-              </a:solidFill>
-              <a:effectLst>
-                <a:outerShdw blurRad="38100" dist="19050" dir="2700000" algn="tl" rotWithShape="0">
-                  <a:schemeClr val="dk1">
-                    <a:alpha val="40000"/>
-                  </a:schemeClr>
-                </a:outerShdw>
-              </a:effectLst>
-            </a:endParaRPr>
-          </a:p>
-        </p:txBody>
-      </p:sp>
-      <p:sp>
-        <p:nvSpPr>
-          <p:cNvPr id="9" name="Прямоугольник 8">
-            <a:extLst>
-              <a:ext uri="{FF2B5EF4-FFF2-40B4-BE49-F238E27FC236}">
-                <a16:creationId xmlns:a16="http://schemas.microsoft.com/office/drawing/2014/main" id="{001F511D-6682-4CC1-ADD4-EEF2D4064572}"/>
-              </a:ext>
-            </a:extLst>
-          </p:cNvPr>
-          <p:cNvSpPr/>
-          <p:nvPr/>
-        </p:nvSpPr>
-        <p:spPr>
-          <a:xfrm>
-            <a:off x="133349" y="2991506"/>
-            <a:ext cx="11254833" cy="1815882"/>
-          </a:xfrm>
-          <a:prstGeom prst="rect">
-            <a:avLst/>
-          </a:prstGeom>
-          <a:noFill/>
-          <a:effectLst>
-            <a:outerShdw blurRad="50800" dist="38100" dir="5400000" algn="t" rotWithShape="0">
-              <a:prstClr val="black">
-                <a:alpha val="40000"/>
-              </a:prstClr>
-            </a:outerShdw>
-          </a:effectLst>
-        </p:spPr>
-        <p:txBody>
-          <a:bodyPr wrap="square" lIns="91440" tIns="45720" rIns="91440" bIns="45720">
-            <a:spAutoFit/>
-          </a:bodyPr>
-          <a:lstStyle/>
-          <a:p>
-            <a:pPr algn="just"/>
-            <a:r>
-              <a:rPr lang="ru-RU" sz="2800" dirty="0">
-                <a:ln w="0"/>
-                <a:solidFill>
-                  <a:srgbClr val="FF9933"/>
-                </a:solidFill>
-                <a:effectLst>
-                  <a:outerShdw blurRad="38100" dist="19050" dir="2700000" algn="tl" rotWithShape="0">
-                    <a:schemeClr val="dk1">
-                      <a:alpha val="40000"/>
-                    </a:schemeClr>
-                  </a:outerShdw>
-                </a:effectLst>
-              </a:rPr>
-              <a:t>Описанные ошибки</a:t>
-            </a:r>
-            <a:r>
-              <a:rPr lang="en-US" sz="2800" dirty="0">
-                <a:ln w="0"/>
-                <a:solidFill>
-                  <a:srgbClr val="FF9933"/>
-                </a:solidFill>
-                <a:effectLst>
-                  <a:outerShdw blurRad="38100" dist="19050" dir="2700000" algn="tl" rotWithShape="0">
-                    <a:schemeClr val="dk1">
-                      <a:alpha val="40000"/>
-                    </a:schemeClr>
-                  </a:outerShdw>
-                </a:effectLst>
-              </a:rPr>
-              <a:t>:</a:t>
-            </a:r>
-            <a:r>
-              <a:rPr lang="ru-RU" sz="2800" dirty="0">
-                <a:ln w="0"/>
-                <a:solidFill>
-                  <a:srgbClr val="FF9933"/>
-                </a:solidFill>
-                <a:effectLst>
-                  <a:outerShdw blurRad="38100" dist="19050" dir="2700000" algn="tl" rotWithShape="0">
-                    <a:schemeClr val="dk1">
-                      <a:alpha val="40000"/>
-                    </a:schemeClr>
-                  </a:outerShdw>
-                </a:effectLst>
-              </a:rPr>
-              <a:t> </a:t>
-            </a:r>
-          </a:p>
-          <a:p>
-            <a:pPr marL="514350" indent="-514350" algn="just">
-              <a:buAutoNum type="arabicPeriod"/>
-            </a:pPr>
-            <a:r>
-              <a:rPr lang="ru-RU" sz="2800" dirty="0">
-                <a:ln w="0"/>
-                <a:solidFill>
-                  <a:srgbClr val="FF9933"/>
-                </a:solidFill>
-                <a:effectLst>
-                  <a:outerShdw blurRad="38100" dist="19050" dir="2700000" algn="tl" rotWithShape="0">
-                    <a:schemeClr val="dk1">
-                      <a:alpha val="40000"/>
-                    </a:schemeClr>
-                  </a:outerShdw>
-                </a:effectLst>
-              </a:rPr>
-              <a:t>Оператор включил тестирование с текстом от нейросети, вместо словаря.</a:t>
-            </a:r>
-          </a:p>
-          <a:p>
-            <a:pPr marL="514350" indent="-514350" algn="just">
-              <a:buAutoNum type="arabicPeriod"/>
-            </a:pPr>
-            <a:r>
-              <a:rPr lang="ru-RU" sz="2800" dirty="0">
-                <a:ln w="0"/>
-                <a:solidFill>
-                  <a:srgbClr val="FF9933"/>
-                </a:solidFill>
-                <a:effectLst>
-                  <a:outerShdw blurRad="38100" dist="19050" dir="2700000" algn="tl" rotWithShape="0">
-                    <a:schemeClr val="dk1">
-                      <a:alpha val="40000"/>
-                    </a:schemeClr>
-                  </a:outerShdw>
-                </a:effectLst>
-              </a:rPr>
-              <a:t>Функции не </a:t>
-            </a:r>
-            <a:r>
-              <a:rPr lang="ru-RU" sz="2800">
-                <a:ln w="0"/>
-                <a:solidFill>
-                  <a:srgbClr val="FF9933"/>
-                </a:solidFill>
-                <a:effectLst>
-                  <a:outerShdw blurRad="38100" dist="19050" dir="2700000" algn="tl" rotWithShape="0">
-                    <a:schemeClr val="dk1">
-                      <a:alpha val="40000"/>
-                    </a:schemeClr>
-                  </a:outerShdw>
-                </a:effectLst>
-              </a:rPr>
-              <a:t>работают корректно</a:t>
-            </a:r>
-            <a:endParaRPr lang="en-US" sz="2800" dirty="0">
-              <a:ln w="0"/>
-              <a:solidFill>
-                <a:srgbClr val="FF9933"/>
-              </a:solidFill>
-              <a:effectLst>
-                <a:outerShdw blurRad="38100" dist="19050" dir="2700000" algn="tl" rotWithShape="0">
-                  <a:schemeClr val="dk1">
-                    <a:alpha val="40000"/>
-                  </a:schemeClr>
-                </a:outerShdw>
-              </a:effectLst>
-            </a:endParaRPr>
-          </a:p>
-        </p:txBody>
-      </p:sp>
-    </p:spTree>
-    <p:extLst>
-      <p:ext uri="{BB962C8B-B14F-4D97-AF65-F5344CB8AC3E}">
-        <p14:creationId xmlns:p14="http://schemas.microsoft.com/office/powerpoint/2010/main" val="882424162"/>
-      </p:ext>
-    </p:extLst>
-  </p:cSld>
-  <p:clrMapOvr>
-    <a:masterClrMapping/>
-  </p:clrMapOvr>
-  <p:transition spd="med">
-    <p:pull/>
-  </p:transition>
-</p:sld>
-</file>
-
 <file path=ppt/slides/slide7.xml><?xml version="1.0" encoding="utf-8"?>
 <p:sld xmlns:a="http://schemas.openxmlformats.org/drawingml/2006/main" xmlns:r="http://schemas.openxmlformats.org/officeDocument/2006/relationships" xmlns:p="http://schemas.openxmlformats.org/presentationml/2006/main">
   <p:cSld>
@@ -8387,10 +11137,10 @@
       </p:grpSpPr>
       <p:sp>
         <p:nvSpPr>
-          <p:cNvPr id="11" name="Прямоугольник 10">
+          <p:cNvPr id="19" name="Прямоугольник 18">
             <a:extLst>
               <a:ext uri="{FF2B5EF4-FFF2-40B4-BE49-F238E27FC236}">
-                <a16:creationId xmlns:a16="http://schemas.microsoft.com/office/drawing/2014/main" id="{FF70FB42-FB7B-468B-B2AD-F1C1C8C9412A}"/>
+                <a16:creationId xmlns:a16="http://schemas.microsoft.com/office/drawing/2014/main" id="{DEA7151A-6810-465B-8ED7-BB1DEF5F4C59}"/>
               </a:ext>
             </a:extLst>
           </p:cNvPr>
@@ -8399,8 +11149,56 @@
         </p:nvSpPr>
         <p:spPr>
           <a:xfrm>
-            <a:off x="259354" y="0"/>
-            <a:ext cx="4224554" cy="923330"/>
+            <a:off x="11724640" y="6334780"/>
+            <a:ext cx="370663" cy="523220"/>
+          </a:xfrm>
+          <a:prstGeom prst="rect">
+            <a:avLst/>
+          </a:prstGeom>
+          <a:noFill/>
+        </p:spPr>
+        <p:txBody>
+          <a:bodyPr wrap="square" lIns="91440" tIns="45720" rIns="91440" bIns="45720">
+            <a:spAutoFit/>
+          </a:bodyPr>
+          <a:lstStyle/>
+          <a:p>
+            <a:pPr algn="ctr"/>
+            <a:r>
+              <a:rPr lang="ru-RU" sz="2800" b="1" cap="none" spc="50" dirty="0">
+                <a:ln w="0"/>
+                <a:solidFill>
+                  <a:schemeClr val="bg2"/>
+                </a:solidFill>
+                <a:effectLst>
+                  <a:innerShdw blurRad="63500" dist="50800" dir="13500000">
+                    <a:srgbClr val="000000">
+                      <a:alpha val="50000"/>
+                    </a:srgbClr>
+                  </a:innerShdw>
+                </a:effectLst>
+              </a:rPr>
+              <a:t>7</a:t>
+            </a:r>
+          </a:p>
+        </p:txBody>
+      </p:sp>
+      <p:sp>
+        <p:nvSpPr>
+          <p:cNvPr id="6" name="Прямоугольник 5">
+            <a:extLst>
+              <a:ext uri="{FF2B5EF4-FFF2-40B4-BE49-F238E27FC236}">
+                <a16:creationId xmlns:a16="http://schemas.microsoft.com/office/drawing/2014/main" id="{A874DB9C-0A48-46A6-B7A1-78890750E622}"/>
+              </a:ext>
+            </a:extLst>
+          </p:cNvPr>
+          <p:cNvSpPr/>
+          <p:nvPr/>
+        </p:nvSpPr>
+        <p:spPr>
+          <a:xfrm>
+            <a:off x="1147593" y="72063"/>
+            <a:ext cx="9896813" cy="923330"/>
           </a:xfrm>
           <a:prstGeom prst="rect">
             <a:avLst/>
@@ -8435,17 +11233,17 @@
                   </a:outerShdw>
                 </a:effectLst>
               </a:rPr>
-              <a:t>Тестирование</a:t>
-            </a:r>
-          </a:p>
-        </p:txBody>
-      </p:sp>
-      <p:sp>
-        <p:nvSpPr>
-          <p:cNvPr id="19" name="Прямоугольник 18">
+              <a:t>Инструкция для администратора</a:t>
+            </a:r>
+          </a:p>
+        </p:txBody>
+      </p:sp>
+      <p:sp>
+        <p:nvSpPr>
+          <p:cNvPr id="2" name="Прямоугольник 1">
             <a:extLst>
               <a:ext uri="{FF2B5EF4-FFF2-40B4-BE49-F238E27FC236}">
-                <a16:creationId xmlns:a16="http://schemas.microsoft.com/office/drawing/2014/main" id="{DEA7151A-6810-465B-8ED7-BB1DEF5F4C59}"/>
+                <a16:creationId xmlns:a16="http://schemas.microsoft.com/office/drawing/2014/main" id="{1262A11B-DF97-4720-8F5D-61A4281D2C03}"/>
               </a:ext>
             </a:extLst>
           </p:cNvPr>
@@ -8454,8 +11252,8 @@
         </p:nvSpPr>
         <p:spPr>
           <a:xfrm>
-            <a:off x="11724640" y="6334780"/>
-            <a:ext cx="370663" cy="523220"/>
+            <a:off x="0" y="853038"/>
+            <a:ext cx="12458700" cy="5151923"/>
           </a:xfrm>
           <a:prstGeom prst="rect">
             <a:avLst/>
@@ -8468,690 +11266,568 @@
           </a:bodyPr>
           <a:lstStyle/>
           <a:p>
-            <a:pPr algn="ctr"/>
-            <a:r>
-              <a:rPr lang="ru-RU" sz="2800" b="1" cap="none" spc="50" dirty="0">
+            <a:pPr indent="450215">
+              <a:lnSpc>
+                <a:spcPct val="115000"/>
+              </a:lnSpc>
+              <a:spcAft>
+                <a:spcPts val="800"/>
+              </a:spcAft>
+            </a:pPr>
+            <a:r>
+              <a:rPr lang="ru-RU" sz="2200" b="1" dirty="0">
                 <a:ln w="0"/>
                 <a:solidFill>
-                  <a:schemeClr val="bg2"/>
-                </a:solidFill>
-                <a:effectLst>
-                  <a:innerShdw blurRad="63500" dist="50800" dir="13500000">
-                    <a:srgbClr val="000000">
-                      <a:alpha val="50000"/>
-                    </a:srgbClr>
-                  </a:innerShdw>
-                </a:effectLst>
-              </a:rPr>
-              <a:t>7</a:t>
-            </a:r>
-          </a:p>
-        </p:txBody>
-      </p:sp>
-      <p:sp>
-        <p:nvSpPr>
-          <p:cNvPr id="2" name="Rectangle 1">
-            <a:extLst>
-              <a:ext uri="{FF2B5EF4-FFF2-40B4-BE49-F238E27FC236}">
-                <a16:creationId xmlns:a16="http://schemas.microsoft.com/office/drawing/2014/main" id="{7088BF7C-E89E-4E39-AE51-9B42E3752B57}"/>
-              </a:ext>
-            </a:extLst>
-          </p:cNvPr>
-          <p:cNvSpPr>
-            <a:spLocks noChangeArrowheads="1"/>
-          </p:cNvSpPr>
-          <p:nvPr/>
-        </p:nvSpPr>
-        <p:spPr bwMode="auto">
-          <a:xfrm>
-            <a:off x="164103" y="932260"/>
-            <a:ext cx="12104097" cy="3477875"/>
-          </a:xfrm>
-          <a:prstGeom prst="rect">
-            <a:avLst/>
-          </a:prstGeom>
-          <a:noFill/>
-          <a:ln>
-            <a:noFill/>
-          </a:ln>
-          <a:effectLst/>
-          <a:extLst>
-            <a:ext uri="{909E8E84-426E-40DD-AFC4-6F175D3DCCD1}">
-              <a14:hiddenFill xmlns:a14="http://schemas.microsoft.com/office/drawing/2010/main">
-                <a:solidFill>
-                  <a:schemeClr val="accent1"/>
-                </a:solidFill>
-              </a14:hiddenFill>
-            </a:ext>
-            <a:ext uri="{91240B29-F687-4F45-9708-019B960494DF}">
-              <a14:hiddenLine xmlns:a14="http://schemas.microsoft.com/office/drawing/2010/main" w="9525">
-                <a:solidFill>
-                  <a:schemeClr val="tx1"/>
-                </a:solidFill>
-                <a:miter lim="800000"/>
-                <a:headEnd/>
-                <a:tailEnd/>
-              </a14:hiddenLine>
-            </a:ext>
-            <a:ext uri="{AF507438-7753-43E0-B8FC-AC1667EBCBE1}">
-              <a14:hiddenEffects xmlns:a14="http://schemas.microsoft.com/office/drawing/2010/main">
-                <a:effectLst>
-                  <a:outerShdw dist="35921" dir="2700000" algn="ctr" rotWithShape="0">
-                    <a:schemeClr val="bg2"/>
-                  </a:outerShdw>
-                </a:effectLst>
-              </a14:hiddenEffects>
-            </a:ext>
-          </a:extLst>
-        </p:spPr>
-        <p:txBody>
-          <a:bodyPr vert="horz" wrap="square" lIns="91440" tIns="45720" rIns="91440" bIns="45720" numCol="1" anchor="ctr" anchorCtr="0" compatLnSpc="1">
-            <a:prstTxWarp prst="textNoShape">
-              <a:avLst/>
-            </a:prstTxWarp>
-            <a:spAutoFit/>
-          </a:bodyPr>
-          <a:lstStyle/>
-          <a:p>
-            <a:pPr marL="0" marR="0" lvl="0" indent="0" algn="l" defTabSz="914400" rtl="0" eaLnBrk="0" fontAlgn="base" latinLnBrk="0" hangingPunct="0">
+                  <a:srgbClr val="FFFF00"/>
+                </a:solidFill>
+                <a:effectLst>
+                  <a:outerShdw blurRad="38100" dist="19050" dir="2700000" algn="tl" rotWithShape="0">
+                    <a:schemeClr val="dk1">
+                      <a:alpha val="40000"/>
+                    </a:schemeClr>
+                  </a:outerShdw>
+                </a:effectLst>
+                <a:ea typeface="Times New Roman" panose="02020603050405020304" pitchFamily="18" charset="0"/>
+                <a:cs typeface="Times New Roman" panose="02020603050405020304" pitchFamily="18" charset="0"/>
+              </a:rPr>
+              <a:t>Функция: Создание тестов</a:t>
+            </a:r>
+            <a:endParaRPr lang="ru-RU" sz="2200" b="1" dirty="0">
+              <a:ln w="0"/>
+              <a:solidFill>
+                <a:srgbClr val="FFFF00"/>
+              </a:solidFill>
+              <a:effectLst>
+                <a:outerShdw blurRad="38100" dist="19050" dir="2700000" algn="tl" rotWithShape="0">
+                  <a:schemeClr val="dk1">
+                    <a:alpha val="40000"/>
+                  </a:schemeClr>
+                </a:outerShdw>
+              </a:effectLst>
+              <a:ea typeface="Calibri" panose="020F0502020204030204" pitchFamily="34" charset="0"/>
+              <a:cs typeface="Times New Roman" panose="02020603050405020304" pitchFamily="18" charset="0"/>
+            </a:endParaRPr>
+          </a:p>
+          <a:p>
+            <a:pPr indent="450215">
               <a:lnSpc>
-                <a:spcPct val="100000"/>
+                <a:spcPct val="115000"/>
               </a:lnSpc>
-              <a:spcBef>
-                <a:spcPct val="0"/>
-              </a:spcBef>
               <a:spcAft>
-                <a:spcPct val="0"/>
+                <a:spcPts val="800"/>
               </a:spcAft>
-              <a:buClrTx/>
-              <a:buSzTx/>
-              <a:buFontTx/>
-              <a:buNone/>
-              <a:tabLst/>
             </a:pPr>
             <a:r>
-              <a:rPr kumimoji="0" lang="ru-RU" altLang="ru-RU" sz="2000" b="1" i="0" u="none" strike="noStrike" normalizeH="0" baseline="0" dirty="0">
+              <a:rPr lang="ru-RU" sz="2200" b="1" dirty="0">
                 <a:ln w="0"/>
                 <a:solidFill>
                   <a:srgbClr val="FF9933"/>
                 </a:solidFill>
                 <a:effectLst>
-                  <a:outerShdw blurRad="38100" dist="38100" dir="2700000" algn="tl">
-                    <a:srgbClr val="000000">
-                      <a:alpha val="43137"/>
-                    </a:srgbClr>
-                  </a:outerShdw>
-                </a:effectLst>
-              </a:rPr>
-              <a:t>Ключевые оценочные элементы:</a:t>
-            </a:r>
-          </a:p>
-          <a:p>
-            <a:pPr marL="0" marR="0" lvl="0" indent="0" algn="l" defTabSz="914400" rtl="0" eaLnBrk="0" fontAlgn="base" latinLnBrk="0" hangingPunct="0">
-              <a:lnSpc>
-                <a:spcPct val="100000"/>
-              </a:lnSpc>
-              <a:spcBef>
-                <a:spcPct val="0"/>
-              </a:spcBef>
-              <a:spcAft>
-                <a:spcPct val="0"/>
-              </a:spcAft>
-              <a:buClrTx/>
-              <a:buSzTx/>
-              <a:buFontTx/>
-              <a:buNone/>
-              <a:tabLst/>
-            </a:pPr>
-            <a:endParaRPr kumimoji="0" lang="ru-RU" altLang="ru-RU" sz="2000" b="1" i="0" u="none" strike="noStrike" normalizeH="0" baseline="0" dirty="0">
+                  <a:outerShdw blurRad="38100" dist="19050" dir="2700000" algn="tl" rotWithShape="0">
+                    <a:schemeClr val="dk1">
+                      <a:alpha val="40000"/>
+                    </a:schemeClr>
+                  </a:outerShdw>
+                </a:effectLst>
+                <a:ea typeface="Times New Roman" panose="02020603050405020304" pitchFamily="18" charset="0"/>
+                <a:cs typeface="Times New Roman" panose="02020603050405020304" pitchFamily="18" charset="0"/>
+              </a:rPr>
+              <a:t>Действия администратора:</a:t>
+            </a:r>
+            <a:endParaRPr lang="ru-RU" sz="2200" b="1" dirty="0">
               <a:ln w="0"/>
               <a:solidFill>
                 <a:srgbClr val="FF9933"/>
               </a:solidFill>
               <a:effectLst>
-                <a:outerShdw blurRad="38100" dist="38100" dir="2700000" algn="tl">
-                  <a:srgbClr val="000000">
-                    <a:alpha val="43137"/>
-                  </a:srgbClr>
+                <a:outerShdw blurRad="38100" dist="19050" dir="2700000" algn="tl" rotWithShape="0">
+                  <a:schemeClr val="dk1">
+                    <a:alpha val="40000"/>
+                  </a:schemeClr>
                 </a:outerShdw>
               </a:effectLst>
+              <a:ea typeface="Calibri" panose="020F0502020204030204" pitchFamily="34" charset="0"/>
+              <a:cs typeface="Times New Roman" panose="02020603050405020304" pitchFamily="18" charset="0"/>
             </a:endParaRPr>
           </a:p>
           <a:p>
-            <a:pPr marL="0" marR="0" lvl="0" indent="0" algn="l" defTabSz="914400" rtl="0" eaLnBrk="0" fontAlgn="base" latinLnBrk="0" hangingPunct="0">
+            <a:pPr marL="342900" lvl="0" indent="-342900">
               <a:lnSpc>
-                <a:spcPct val="100000"/>
+                <a:spcPct val="115000"/>
               </a:lnSpc>
-              <a:spcBef>
-                <a:spcPct val="0"/>
-              </a:spcBef>
-              <a:spcAft>
-                <a:spcPct val="0"/>
-              </a:spcAft>
-              <a:buClrTx/>
-              <a:buSzTx/>
-              <a:buFontTx/>
-              <a:buChar char="•"/>
-              <a:tabLst/>
+              <a:buFont typeface="+mj-lt"/>
+              <a:buAutoNum type="arabicPeriod"/>
             </a:pPr>
             <a:r>
-              <a:rPr kumimoji="0" lang="ru-RU" altLang="ru-RU" sz="2000" b="1" i="0" u="none" strike="noStrike" normalizeH="0" baseline="0" dirty="0">
+              <a:rPr lang="ru-RU" sz="2200" b="1" dirty="0">
                 <a:ln w="0"/>
                 <a:solidFill>
                   <a:srgbClr val="FF9933"/>
                 </a:solidFill>
                 <a:effectLst>
-                  <a:outerShdw blurRad="38100" dist="38100" dir="2700000" algn="tl">
-                    <a:srgbClr val="000000">
-                      <a:alpha val="43137"/>
-                    </a:srgbClr>
-                  </a:outerShdw>
-                </a:effectLst>
-              </a:rPr>
-              <a:t>Удобство использования:</a:t>
-            </a:r>
-          </a:p>
-          <a:p>
-            <a:pPr marL="457200" marR="0" lvl="1" indent="0" algn="l" defTabSz="914400" rtl="0" eaLnBrk="0" fontAlgn="base" latinLnBrk="0" hangingPunct="0">
-              <a:lnSpc>
-                <a:spcPct val="100000"/>
-              </a:lnSpc>
-              <a:spcBef>
-                <a:spcPct val="0"/>
-              </a:spcBef>
-              <a:spcAft>
-                <a:spcPct val="0"/>
-              </a:spcAft>
-              <a:buClrTx/>
-              <a:buSzTx/>
-              <a:buFontTx/>
-              <a:buChar char="•"/>
-              <a:tabLst/>
-            </a:pPr>
-            <a:r>
-              <a:rPr kumimoji="0" lang="ru-RU" altLang="ru-RU" sz="2000" b="1" i="0" u="none" strike="noStrike" normalizeH="0" baseline="0" dirty="0">
-                <a:ln w="0"/>
-                <a:solidFill>
-                  <a:srgbClr val="FF9933"/>
-                </a:solidFill>
-                <a:effectLst>
-                  <a:outerShdw blurRad="38100" dist="38100" dir="2700000" algn="tl">
-                    <a:srgbClr val="000000">
-                      <a:alpha val="43137"/>
-                    </a:srgbClr>
-                  </a:outerShdw>
-                </a:effectLst>
-              </a:rPr>
-              <a:t>Повторяющиеся элементы интерфейса на всех страницах</a:t>
-            </a:r>
-          </a:p>
-          <a:p>
-            <a:pPr marL="457200" marR="0" lvl="1" indent="0" algn="l" defTabSz="914400" rtl="0" eaLnBrk="0" fontAlgn="base" latinLnBrk="0" hangingPunct="0">
-              <a:lnSpc>
-                <a:spcPct val="100000"/>
-              </a:lnSpc>
-              <a:spcBef>
-                <a:spcPct val="0"/>
-              </a:spcBef>
-              <a:spcAft>
-                <a:spcPct val="0"/>
-              </a:spcAft>
-              <a:buClrTx/>
-              <a:buSzTx/>
-              <a:buFontTx/>
-              <a:buChar char="•"/>
-              <a:tabLst/>
-            </a:pPr>
-            <a:r>
-              <a:rPr kumimoji="0" lang="ru-RU" altLang="ru-RU" sz="2000" b="1" i="0" u="none" strike="noStrike" normalizeH="0" baseline="0" dirty="0">
-                <a:ln w="0"/>
-                <a:solidFill>
-                  <a:srgbClr val="FF9933"/>
-                </a:solidFill>
-                <a:effectLst>
-                  <a:outerShdw blurRad="38100" dist="38100" dir="2700000" algn="tl">
-                    <a:srgbClr val="000000">
-                      <a:alpha val="43137"/>
-                    </a:srgbClr>
-                  </a:outerShdw>
-                </a:effectLst>
-              </a:rPr>
-              <a:t>Минимум действий: основные функции выполняются в 1 клик</a:t>
-            </a:r>
-          </a:p>
-          <a:p>
-            <a:pPr marL="0" marR="0" lvl="0" indent="0" algn="l" defTabSz="914400" rtl="0" eaLnBrk="0" fontAlgn="base" latinLnBrk="0" hangingPunct="0">
-              <a:lnSpc>
-                <a:spcPct val="100000"/>
-              </a:lnSpc>
-              <a:spcBef>
-                <a:spcPct val="0"/>
-              </a:spcBef>
-              <a:spcAft>
-                <a:spcPct val="0"/>
-              </a:spcAft>
-              <a:buClrTx/>
-              <a:buSzTx/>
-              <a:buFontTx/>
-              <a:buChar char="•"/>
-              <a:tabLst/>
-            </a:pPr>
-            <a:r>
-              <a:rPr kumimoji="0" lang="ru-RU" altLang="ru-RU" sz="2000" b="1" i="0" u="none" strike="noStrike" normalizeH="0" baseline="0" dirty="0">
-                <a:ln w="0"/>
-                <a:solidFill>
-                  <a:srgbClr val="FF9933"/>
-                </a:solidFill>
-                <a:effectLst>
-                  <a:outerShdw blurRad="38100" dist="38100" dir="2700000" algn="tl">
-                    <a:srgbClr val="000000">
-                      <a:alpha val="43137"/>
-                    </a:srgbClr>
-                  </a:outerShdw>
-                </a:effectLst>
-              </a:rPr>
-              <a:t>Производительность:</a:t>
-            </a:r>
-          </a:p>
-          <a:p>
-            <a:pPr marL="457200" marR="0" lvl="1" indent="0" algn="l" defTabSz="914400" rtl="0" eaLnBrk="0" fontAlgn="base" latinLnBrk="0" hangingPunct="0">
-              <a:lnSpc>
-                <a:spcPct val="100000"/>
-              </a:lnSpc>
-              <a:spcBef>
-                <a:spcPct val="0"/>
-              </a:spcBef>
-              <a:spcAft>
-                <a:spcPct val="0"/>
-              </a:spcAft>
-              <a:buClrTx/>
-              <a:buSzTx/>
-              <a:buFontTx/>
-              <a:buChar char="•"/>
-              <a:tabLst/>
-            </a:pPr>
-            <a:r>
-              <a:rPr kumimoji="0" lang="ru-RU" altLang="ru-RU" sz="2000" b="1" i="0" u="none" strike="noStrike" normalizeH="0" baseline="0" dirty="0">
-                <a:ln w="0"/>
-                <a:solidFill>
-                  <a:srgbClr val="FF9933"/>
-                </a:solidFill>
-                <a:effectLst>
-                  <a:outerShdw blurRad="38100" dist="38100" dir="2700000" algn="tl">
-                    <a:srgbClr val="000000">
-                      <a:alpha val="43137"/>
-                    </a:srgbClr>
-                  </a:outerShdw>
-                </a:effectLst>
-              </a:rPr>
-              <a:t>Использовано до 5 JS-скриптов</a:t>
-            </a:r>
-          </a:p>
-          <a:p>
-            <a:pPr marL="457200" marR="0" lvl="1" indent="0" algn="l" defTabSz="914400" rtl="0" eaLnBrk="0" fontAlgn="base" latinLnBrk="0" hangingPunct="0">
-              <a:lnSpc>
-                <a:spcPct val="100000"/>
-              </a:lnSpc>
-              <a:spcBef>
-                <a:spcPct val="0"/>
-              </a:spcBef>
-              <a:spcAft>
-                <a:spcPct val="0"/>
-              </a:spcAft>
-              <a:buClrTx/>
-              <a:buSzTx/>
-              <a:buFontTx/>
-              <a:buChar char="•"/>
-              <a:tabLst/>
-            </a:pPr>
-            <a:r>
-              <a:rPr kumimoji="0" lang="ru-RU" altLang="ru-RU" sz="2000" b="1" i="0" u="none" strike="noStrike" normalizeH="0" baseline="0" dirty="0">
-                <a:ln w="0"/>
-                <a:solidFill>
-                  <a:srgbClr val="FF9933"/>
-                </a:solidFill>
-                <a:effectLst>
-                  <a:outerShdw blurRad="38100" dist="38100" dir="2700000" algn="tl">
-                    <a:srgbClr val="000000">
-                      <a:alpha val="43137"/>
-                    </a:srgbClr>
-                  </a:outerShdw>
-                </a:effectLst>
-              </a:rPr>
-              <a:t>Использование ресурсов ≤ 50 МБ ОЗУ</a:t>
-            </a:r>
-          </a:p>
-          <a:p>
-            <a:pPr marL="0" marR="0" lvl="0" indent="0" algn="l" defTabSz="914400" rtl="0" eaLnBrk="0" fontAlgn="base" latinLnBrk="0" hangingPunct="0">
-              <a:lnSpc>
-                <a:spcPct val="100000"/>
-              </a:lnSpc>
-              <a:spcBef>
-                <a:spcPct val="0"/>
-              </a:spcBef>
-              <a:spcAft>
-                <a:spcPct val="0"/>
-              </a:spcAft>
-              <a:buClrTx/>
-              <a:buSzTx/>
-              <a:buFontTx/>
-              <a:buChar char="•"/>
-              <a:tabLst/>
-            </a:pPr>
-            <a:r>
-              <a:rPr kumimoji="0" lang="ru-RU" altLang="ru-RU" sz="2000" b="1" i="0" u="none" strike="noStrike" normalizeH="0" baseline="0" dirty="0">
-                <a:ln w="0"/>
-                <a:solidFill>
-                  <a:srgbClr val="FF9933"/>
-                </a:solidFill>
-                <a:effectLst>
-                  <a:outerShdw blurRad="38100" dist="38100" dir="2700000" algn="tl">
-                    <a:srgbClr val="000000">
-                      <a:alpha val="43137"/>
-                    </a:srgbClr>
-                  </a:outerShdw>
-                </a:effectLst>
-              </a:rPr>
-              <a:t>Переносимость:</a:t>
-            </a:r>
-          </a:p>
-          <a:p>
-            <a:pPr marL="457200" marR="0" lvl="1" indent="0" algn="l" defTabSz="914400" rtl="0" eaLnBrk="0" fontAlgn="base" latinLnBrk="0" hangingPunct="0">
-              <a:lnSpc>
-                <a:spcPct val="100000"/>
-              </a:lnSpc>
-              <a:spcBef>
-                <a:spcPct val="0"/>
-              </a:spcBef>
-              <a:spcAft>
-                <a:spcPct val="0"/>
-              </a:spcAft>
-              <a:buClrTx/>
-              <a:buSzTx/>
-              <a:buFontTx/>
-              <a:buChar char="•"/>
-              <a:tabLst/>
-            </a:pPr>
-            <a:r>
-              <a:rPr kumimoji="0" lang="ru-RU" altLang="ru-RU" sz="2000" b="1" i="0" u="none" strike="noStrike" normalizeH="0" baseline="0" dirty="0">
-                <a:ln w="0"/>
-                <a:solidFill>
-                  <a:srgbClr val="FF9933"/>
-                </a:solidFill>
-                <a:effectLst>
-                  <a:outerShdw blurRad="38100" dist="38100" dir="2700000" algn="tl">
-                    <a:srgbClr val="000000">
-                      <a:alpha val="43137"/>
-                    </a:srgbClr>
-                  </a:outerShdw>
-                </a:effectLst>
-              </a:rPr>
-              <a:t>Поддержка мобильных, десктопов и Smart TV</a:t>
-            </a:r>
-          </a:p>
-          <a:p>
-            <a:pPr marL="457200" marR="0" lvl="1" indent="0" algn="l" defTabSz="914400" rtl="0" eaLnBrk="0" fontAlgn="base" latinLnBrk="0" hangingPunct="0">
-              <a:lnSpc>
-                <a:spcPct val="100000"/>
-              </a:lnSpc>
-              <a:spcBef>
-                <a:spcPct val="0"/>
-              </a:spcBef>
-              <a:spcAft>
-                <a:spcPct val="0"/>
-              </a:spcAft>
-              <a:buClrTx/>
-              <a:buSzTx/>
-              <a:buFontTx/>
-              <a:buChar char="•"/>
-              <a:tabLst/>
-            </a:pPr>
-            <a:r>
-              <a:rPr kumimoji="0" lang="ru-RU" altLang="ru-RU" sz="2000" b="1" i="0" u="none" strike="noStrike" normalizeH="0" baseline="0" dirty="0">
-                <a:ln w="0"/>
-                <a:solidFill>
-                  <a:srgbClr val="FF9933"/>
-                </a:solidFill>
-                <a:effectLst>
-                  <a:outerShdw blurRad="38100" dist="38100" dir="2700000" algn="tl">
-                    <a:srgbClr val="000000">
-                      <a:alpha val="43137"/>
-                    </a:srgbClr>
-                  </a:outerShdw>
-                </a:effectLst>
-              </a:rPr>
-              <a:t>Браузеры: </a:t>
-            </a:r>
-            <a:r>
-              <a:rPr kumimoji="0" lang="ru-RU" altLang="ru-RU" sz="2000" b="1" i="0" u="none" strike="noStrike" normalizeH="0" baseline="0" dirty="0" err="1">
-                <a:ln w="0"/>
-                <a:solidFill>
-                  <a:srgbClr val="FF9933"/>
-                </a:solidFill>
-                <a:effectLst>
-                  <a:outerShdw blurRad="38100" dist="38100" dir="2700000" algn="tl">
-                    <a:srgbClr val="000000">
-                      <a:alpha val="43137"/>
-                    </a:srgbClr>
-                  </a:outerShdw>
-                </a:effectLst>
-              </a:rPr>
-              <a:t>Chrome</a:t>
-            </a:r>
-            <a:r>
-              <a:rPr kumimoji="0" lang="ru-RU" altLang="ru-RU" sz="2000" b="1" i="0" u="none" strike="noStrike" normalizeH="0" baseline="0" dirty="0">
-                <a:ln w="0"/>
-                <a:solidFill>
-                  <a:srgbClr val="FF9933"/>
-                </a:solidFill>
-                <a:effectLst>
-                  <a:outerShdw blurRad="38100" dist="38100" dir="2700000" algn="tl">
-                    <a:srgbClr val="000000">
-                      <a:alpha val="43137"/>
-                    </a:srgbClr>
-                  </a:outerShdw>
-                </a:effectLst>
-              </a:rPr>
-              <a:t>, Edge, Opera</a:t>
-            </a:r>
-          </a:p>
-        </p:txBody>
-      </p:sp>
-      <p:sp>
-        <p:nvSpPr>
-          <p:cNvPr id="8" name="TextBox 7">
-            <a:extLst>
-              <a:ext uri="{FF2B5EF4-FFF2-40B4-BE49-F238E27FC236}">
-                <a16:creationId xmlns:a16="http://schemas.microsoft.com/office/drawing/2014/main" id="{671CE8C8-0B13-43CE-B0BC-539CF461FC61}"/>
-              </a:ext>
-            </a:extLst>
-          </p:cNvPr>
-          <p:cNvSpPr txBox="1"/>
-          <p:nvPr/>
-        </p:nvSpPr>
-        <p:spPr>
-          <a:xfrm>
-            <a:off x="164103" y="4582418"/>
-            <a:ext cx="11294471" cy="1938992"/>
-          </a:xfrm>
-          <a:prstGeom prst="rect">
-            <a:avLst/>
-          </a:prstGeom>
-          <a:noFill/>
-        </p:spPr>
-        <p:txBody>
-          <a:bodyPr wrap="square">
-            <a:spAutoFit/>
-          </a:bodyPr>
-          <a:lstStyle/>
-          <a:p>
-            <a:r>
-              <a:rPr lang="ru-RU" sz="2000" b="1" dirty="0">
-                <a:solidFill>
-                  <a:srgbClr val="FF9933"/>
-                </a:solidFill>
-                <a:effectLst>
-                  <a:outerShdw blurRad="38100" dist="38100" dir="2700000" algn="tl">
-                    <a:srgbClr val="000000">
-                      <a:alpha val="43137"/>
-                    </a:srgbClr>
-                  </a:outerShdw>
-                </a:effectLst>
-              </a:rPr>
-              <a:t>Методы тестирования:</a:t>
-            </a:r>
-          </a:p>
-          <a:p>
-            <a:endParaRPr lang="ru-RU" sz="2000" b="1" dirty="0">
+                  <a:outerShdw blurRad="38100" dist="19050" dir="2700000" algn="tl" rotWithShape="0">
+                    <a:schemeClr val="dk1">
+                      <a:alpha val="40000"/>
+                    </a:schemeClr>
+                  </a:outerShdw>
+                </a:effectLst>
+                <a:ea typeface="Times New Roman" panose="02020603050405020304" pitchFamily="18" charset="0"/>
+                <a:cs typeface="Times New Roman" panose="02020603050405020304" pitchFamily="18" charset="0"/>
+              </a:rPr>
+              <a:t>Перейти в личный кабинет</a:t>
+            </a:r>
+            <a:endParaRPr lang="ru-RU" sz="2200" b="1" dirty="0">
+              <a:ln w="0"/>
               <a:solidFill>
                 <a:srgbClr val="FF9933"/>
               </a:solidFill>
               <a:effectLst>
-                <a:outerShdw blurRad="38100" dist="38100" dir="2700000" algn="tl">
-                  <a:srgbClr val="000000">
-                    <a:alpha val="43137"/>
-                  </a:srgbClr>
+                <a:outerShdw blurRad="38100" dist="19050" dir="2700000" algn="tl" rotWithShape="0">
+                  <a:schemeClr val="dk1">
+                    <a:alpha val="40000"/>
+                  </a:schemeClr>
                 </a:outerShdw>
               </a:effectLst>
+              <a:ea typeface="Calibri" panose="020F0502020204030204" pitchFamily="34" charset="0"/>
+              <a:cs typeface="Times New Roman" panose="02020603050405020304" pitchFamily="18" charset="0"/>
             </a:endParaRPr>
           </a:p>
           <a:p>
-            <a:pPr>
-              <a:buFont typeface="Arial" panose="020B0604020202020204" pitchFamily="34" charset="0"/>
-              <a:buChar char="•"/>
+            <a:pPr marL="342900" lvl="0" indent="-342900">
+              <a:lnSpc>
+                <a:spcPct val="115000"/>
+              </a:lnSpc>
+              <a:buFont typeface="+mj-lt"/>
+              <a:buAutoNum type="arabicPeriod"/>
             </a:pPr>
             <a:r>
-              <a:rPr lang="ru-RU" sz="2000" b="1" dirty="0">
+              <a:rPr lang="ru-RU" sz="2200" b="1" dirty="0">
+                <a:ln w="0"/>
                 <a:solidFill>
                   <a:srgbClr val="FF9933"/>
                 </a:solidFill>
                 <a:effectLst>
-                  <a:outerShdw blurRad="38100" dist="38100" dir="2700000" algn="tl">
-                    <a:srgbClr val="000000">
-                      <a:alpha val="43137"/>
-                    </a:srgbClr>
-                  </a:outerShdw>
-                </a:effectLst>
-              </a:rPr>
-              <a:t> </a:t>
-            </a:r>
-            <a:r>
-              <a:rPr lang="ru-RU" sz="2000" b="1" dirty="0" err="1">
+                  <a:outerShdw blurRad="38100" dist="19050" dir="2700000" algn="tl" rotWithShape="0">
+                    <a:schemeClr val="dk1">
+                      <a:alpha val="40000"/>
+                    </a:schemeClr>
+                  </a:outerShdw>
+                </a:effectLst>
+                <a:ea typeface="Times New Roman" panose="02020603050405020304" pitchFamily="18" charset="0"/>
+                <a:cs typeface="Times New Roman" panose="02020603050405020304" pitchFamily="18" charset="0"/>
+              </a:rPr>
+              <a:t>Нажать на кнопку тесты</a:t>
+            </a:r>
+            <a:endParaRPr lang="ru-RU" sz="2200" b="1" dirty="0">
+              <a:ln w="0"/>
+              <a:solidFill>
+                <a:srgbClr val="FF9933"/>
+              </a:solidFill>
+              <a:effectLst>
+                <a:outerShdw blurRad="38100" dist="19050" dir="2700000" algn="tl" rotWithShape="0">
+                  <a:schemeClr val="dk1">
+                    <a:alpha val="40000"/>
+                  </a:schemeClr>
+                </a:outerShdw>
+              </a:effectLst>
+              <a:ea typeface="Calibri" panose="020F0502020204030204" pitchFamily="34" charset="0"/>
+              <a:cs typeface="Times New Roman" panose="02020603050405020304" pitchFamily="18" charset="0"/>
+            </a:endParaRPr>
+          </a:p>
+          <a:p>
+            <a:pPr marL="342900" lvl="0" indent="-342900">
+              <a:lnSpc>
+                <a:spcPct val="115000"/>
+              </a:lnSpc>
+              <a:buFont typeface="+mj-lt"/>
+              <a:buAutoNum type="arabicPeriod"/>
+            </a:pPr>
+            <a:r>
+              <a:rPr lang="ru-RU" sz="2200" b="1" dirty="0">
+                <a:ln w="0"/>
                 <a:solidFill>
                   <a:srgbClr val="FF9933"/>
                 </a:solidFill>
                 <a:effectLst>
-                  <a:outerShdw blurRad="38100" dist="38100" dir="2700000" algn="tl">
-                    <a:srgbClr val="000000">
-                      <a:alpha val="43137"/>
-                    </a:srgbClr>
-                  </a:outerShdw>
-                </a:effectLst>
-              </a:rPr>
-              <a:t>Валидационные</a:t>
-            </a:r>
-            <a:r>
-              <a:rPr lang="ru-RU" sz="2000" b="1" dirty="0">
+                  <a:outerShdw blurRad="38100" dist="19050" dir="2700000" algn="tl" rotWithShape="0">
+                    <a:schemeClr val="dk1">
+                      <a:alpha val="40000"/>
+                    </a:schemeClr>
+                  </a:outerShdw>
+                </a:effectLst>
+                <a:ea typeface="Times New Roman" panose="02020603050405020304" pitchFamily="18" charset="0"/>
+                <a:cs typeface="Times New Roman" panose="02020603050405020304" pitchFamily="18" charset="0"/>
+              </a:rPr>
+              <a:t>Нажать на кнопку «Создание/редактирование тестов»</a:t>
+            </a:r>
+            <a:endParaRPr lang="ru-RU" sz="2200" b="1" dirty="0">
+              <a:ln w="0"/>
+              <a:solidFill>
+                <a:srgbClr val="FF9933"/>
+              </a:solidFill>
+              <a:effectLst>
+                <a:outerShdw blurRad="38100" dist="19050" dir="2700000" algn="tl" rotWithShape="0">
+                  <a:schemeClr val="dk1">
+                    <a:alpha val="40000"/>
+                  </a:schemeClr>
+                </a:outerShdw>
+              </a:effectLst>
+              <a:ea typeface="Calibri" panose="020F0502020204030204" pitchFamily="34" charset="0"/>
+              <a:cs typeface="Times New Roman" panose="02020603050405020304" pitchFamily="18" charset="0"/>
+            </a:endParaRPr>
+          </a:p>
+          <a:p>
+            <a:pPr marL="342900" lvl="0" indent="-342900">
+              <a:lnSpc>
+                <a:spcPct val="115000"/>
+              </a:lnSpc>
+              <a:buFont typeface="+mj-lt"/>
+              <a:buAutoNum type="arabicPeriod"/>
+            </a:pPr>
+            <a:r>
+              <a:rPr lang="ru-RU" sz="2200" b="1" dirty="0">
+                <a:ln w="0"/>
                 <a:solidFill>
                   <a:srgbClr val="FF9933"/>
                 </a:solidFill>
                 <a:effectLst>
-                  <a:outerShdw blurRad="38100" dist="38100" dir="2700000" algn="tl">
-                    <a:srgbClr val="000000">
-                      <a:alpha val="43137"/>
-                    </a:srgbClr>
-                  </a:outerShdw>
-                </a:effectLst>
-              </a:rPr>
-              <a:t> и верификационные испытания</a:t>
-            </a:r>
-          </a:p>
-          <a:p>
-            <a:pPr>
-              <a:buFont typeface="Arial" panose="020B0604020202020204" pitchFamily="34" charset="0"/>
-              <a:buChar char="•"/>
+                  <a:outerShdw blurRad="38100" dist="19050" dir="2700000" algn="tl" rotWithShape="0">
+                    <a:schemeClr val="dk1">
+                      <a:alpha val="40000"/>
+                    </a:schemeClr>
+                  </a:outerShdw>
+                </a:effectLst>
+                <a:ea typeface="Times New Roman" panose="02020603050405020304" pitchFamily="18" charset="0"/>
+                <a:cs typeface="Times New Roman" panose="02020603050405020304" pitchFamily="18" charset="0"/>
+              </a:rPr>
+              <a:t>Переключить </a:t>
+            </a:r>
+            <a:r>
+              <a:rPr lang="en-US" sz="2200" b="1" dirty="0">
+                <a:ln w="0"/>
+                <a:solidFill>
+                  <a:srgbClr val="FF9933"/>
+                </a:solidFill>
+                <a:effectLst>
+                  <a:outerShdw blurRad="38100" dist="19050" dir="2700000" algn="tl" rotWithShape="0">
+                    <a:schemeClr val="dk1">
+                      <a:alpha val="40000"/>
+                    </a:schemeClr>
+                  </a:outerShdw>
+                </a:effectLst>
+                <a:ea typeface="Times New Roman" panose="02020603050405020304" pitchFamily="18" charset="0"/>
+                <a:cs typeface="Times New Roman" panose="02020603050405020304" pitchFamily="18" charset="0"/>
+              </a:rPr>
+              <a:t>switch </a:t>
+            </a:r>
+            <a:r>
+              <a:rPr lang="ru-RU" sz="2200" b="1" dirty="0">
+                <a:ln w="0"/>
+                <a:solidFill>
+                  <a:srgbClr val="FF9933"/>
+                </a:solidFill>
+                <a:effectLst>
+                  <a:outerShdw blurRad="38100" dist="19050" dir="2700000" algn="tl" rotWithShape="0">
+                    <a:schemeClr val="dk1">
+                      <a:alpha val="40000"/>
+                    </a:schemeClr>
+                  </a:outerShdw>
+                </a:effectLst>
+                <a:ea typeface="Times New Roman" panose="02020603050405020304" pitchFamily="18" charset="0"/>
+                <a:cs typeface="Times New Roman" panose="02020603050405020304" pitchFamily="18" charset="0"/>
+              </a:rPr>
+              <a:t>в состояние создание</a:t>
+            </a:r>
+            <a:endParaRPr lang="ru-RU" sz="2200" b="1" dirty="0">
+              <a:ln w="0"/>
+              <a:solidFill>
+                <a:srgbClr val="FF9933"/>
+              </a:solidFill>
+              <a:effectLst>
+                <a:outerShdw blurRad="38100" dist="19050" dir="2700000" algn="tl" rotWithShape="0">
+                  <a:schemeClr val="dk1">
+                    <a:alpha val="40000"/>
+                  </a:schemeClr>
+                </a:outerShdw>
+              </a:effectLst>
+              <a:ea typeface="Calibri" panose="020F0502020204030204" pitchFamily="34" charset="0"/>
+              <a:cs typeface="Times New Roman" panose="02020603050405020304" pitchFamily="18" charset="0"/>
+            </a:endParaRPr>
+          </a:p>
+          <a:p>
+            <a:pPr marL="342900" lvl="0" indent="-342900">
+              <a:lnSpc>
+                <a:spcPct val="115000"/>
+              </a:lnSpc>
+              <a:buFont typeface="+mj-lt"/>
+              <a:buAutoNum type="arabicPeriod"/>
             </a:pPr>
             <a:r>
-              <a:rPr lang="ru-RU" sz="2000" b="1" dirty="0">
+              <a:rPr lang="ru-RU" sz="2200" b="1" dirty="0">
+                <a:ln w="0"/>
                 <a:solidFill>
                   <a:srgbClr val="FF9933"/>
                 </a:solidFill>
                 <a:effectLst>
-                  <a:outerShdw blurRad="38100" dist="38100" dir="2700000" algn="tl">
-                    <a:srgbClr val="000000">
-                      <a:alpha val="43137"/>
-                    </a:srgbClr>
-                  </a:outerShdw>
-                </a:effectLst>
-              </a:rPr>
-              <a:t> Позитивные тесты: корректные данные → успешная отправка заявки</a:t>
-            </a:r>
-          </a:p>
-          <a:p>
-            <a:pPr>
-              <a:buFont typeface="Arial" panose="020B0604020202020204" pitchFamily="34" charset="0"/>
-              <a:buChar char="•"/>
+                  <a:outerShdw blurRad="38100" dist="19050" dir="2700000" algn="tl" rotWithShape="0">
+                    <a:schemeClr val="dk1">
+                      <a:alpha val="40000"/>
+                    </a:schemeClr>
+                  </a:outerShdw>
+                </a:effectLst>
+                <a:ea typeface="Times New Roman" panose="02020603050405020304" pitchFamily="18" charset="0"/>
+                <a:cs typeface="Times New Roman" panose="02020603050405020304" pitchFamily="18" charset="0"/>
+              </a:rPr>
+              <a:t>Заполнить поля «Название теста», «Вопросы», «Ответы». </a:t>
+            </a:r>
+            <a:endParaRPr lang="ru-RU" sz="2200" b="1" dirty="0">
+              <a:ln w="0"/>
+              <a:solidFill>
+                <a:srgbClr val="FF9933"/>
+              </a:solidFill>
+              <a:effectLst>
+                <a:outerShdw blurRad="38100" dist="19050" dir="2700000" algn="tl" rotWithShape="0">
+                  <a:schemeClr val="dk1">
+                    <a:alpha val="40000"/>
+                  </a:schemeClr>
+                </a:outerShdw>
+              </a:effectLst>
+              <a:ea typeface="Calibri" panose="020F0502020204030204" pitchFamily="34" charset="0"/>
+              <a:cs typeface="Times New Roman" panose="02020603050405020304" pitchFamily="18" charset="0"/>
+            </a:endParaRPr>
+          </a:p>
+          <a:p>
+            <a:pPr marL="342900" lvl="0" indent="-342900">
+              <a:lnSpc>
+                <a:spcPct val="115000"/>
+              </a:lnSpc>
+              <a:spcAft>
+                <a:spcPts val="800"/>
+              </a:spcAft>
+              <a:buFont typeface="+mj-lt"/>
+              <a:buAutoNum type="arabicPeriod"/>
             </a:pPr>
             <a:r>
-              <a:rPr lang="ru-RU" sz="2000" b="1" dirty="0">
+              <a:rPr lang="ru-RU" sz="2200" b="1" dirty="0">
+                <a:ln w="0"/>
                 <a:solidFill>
                   <a:srgbClr val="FF9933"/>
                 </a:solidFill>
                 <a:effectLst>
-                  <a:outerShdw blurRad="38100" dist="38100" dir="2700000" algn="tl">
-                    <a:srgbClr val="000000">
-                      <a:alpha val="43137"/>
-                    </a:srgbClr>
-                  </a:outerShdw>
-                </a:effectLst>
-              </a:rPr>
-              <a:t> Негативные тесты: ошибки (например, кириллица в </a:t>
-            </a:r>
-            <a:r>
-              <a:rPr lang="ru-RU" sz="2000" b="1" dirty="0" err="1">
+                  <a:outerShdw blurRad="38100" dist="19050" dir="2700000" algn="tl" rotWithShape="0">
+                    <a:schemeClr val="dk1">
+                      <a:alpha val="40000"/>
+                    </a:schemeClr>
+                  </a:outerShdw>
+                </a:effectLst>
+                <a:ea typeface="Times New Roman" panose="02020603050405020304" pitchFamily="18" charset="0"/>
+                <a:cs typeface="Times New Roman" panose="02020603050405020304" pitchFamily="18" charset="0"/>
+              </a:rPr>
+              <a:t>Нажать кнопку сохранить.</a:t>
+            </a:r>
+            <a:endParaRPr lang="ru-RU" sz="2200" b="1" dirty="0">
+              <a:ln w="0"/>
+              <a:solidFill>
+                <a:srgbClr val="FF9933"/>
+              </a:solidFill>
+              <a:effectLst>
+                <a:outerShdw blurRad="38100" dist="19050" dir="2700000" algn="tl" rotWithShape="0">
+                  <a:schemeClr val="dk1">
+                    <a:alpha val="40000"/>
+                  </a:schemeClr>
+                </a:outerShdw>
+              </a:effectLst>
+              <a:ea typeface="Calibri" panose="020F0502020204030204" pitchFamily="34" charset="0"/>
+              <a:cs typeface="Times New Roman" panose="02020603050405020304" pitchFamily="18" charset="0"/>
+            </a:endParaRPr>
+          </a:p>
+          <a:p>
+            <a:pPr indent="450215">
+              <a:lnSpc>
+                <a:spcPct val="115000"/>
+              </a:lnSpc>
+              <a:spcAft>
+                <a:spcPts val="800"/>
+              </a:spcAft>
+            </a:pPr>
+            <a:r>
+              <a:rPr lang="ru-RU" sz="2200" b="1" dirty="0">
+                <a:ln w="0"/>
                 <a:solidFill>
                   <a:srgbClr val="FF9933"/>
                 </a:solidFill>
                 <a:effectLst>
-                  <a:outerShdw blurRad="38100" dist="38100" dir="2700000" algn="tl">
-                    <a:srgbClr val="000000">
-                      <a:alpha val="43137"/>
-                    </a:srgbClr>
-                  </a:outerShdw>
-                </a:effectLst>
-              </a:rPr>
-              <a:t>email</a:t>
-            </a:r>
-            <a:r>
-              <a:rPr lang="ru-RU" sz="2000" b="1" dirty="0">
+                  <a:outerShdw blurRad="38100" dist="19050" dir="2700000" algn="tl" rotWithShape="0">
+                    <a:schemeClr val="dk1">
+                      <a:alpha val="40000"/>
+                    </a:schemeClr>
+                  </a:outerShdw>
+                </a:effectLst>
+                <a:ea typeface="Times New Roman" panose="02020603050405020304" pitchFamily="18" charset="0"/>
+                <a:cs typeface="Times New Roman" panose="02020603050405020304" pitchFamily="18" charset="0"/>
+              </a:rPr>
+              <a:t>Ожидаемый результат:</a:t>
+            </a:r>
+            <a:endParaRPr lang="ru-RU" sz="2200" b="1" dirty="0">
+              <a:ln w="0"/>
+              <a:solidFill>
+                <a:srgbClr val="FF9933"/>
+              </a:solidFill>
+              <a:effectLst>
+                <a:outerShdw blurRad="38100" dist="19050" dir="2700000" algn="tl" rotWithShape="0">
+                  <a:schemeClr val="dk1">
+                    <a:alpha val="40000"/>
+                  </a:schemeClr>
+                </a:outerShdw>
+              </a:effectLst>
+              <a:ea typeface="Calibri" panose="020F0502020204030204" pitchFamily="34" charset="0"/>
+              <a:cs typeface="Times New Roman" panose="02020603050405020304" pitchFamily="18" charset="0"/>
+            </a:endParaRPr>
+          </a:p>
+          <a:p>
+            <a:pPr marL="342900" lvl="0" indent="-342900">
+              <a:lnSpc>
+                <a:spcPct val="115000"/>
+              </a:lnSpc>
+              <a:buFont typeface="+mj-lt"/>
+              <a:buAutoNum type="arabicPeriod"/>
+            </a:pPr>
+            <a:r>
+              <a:rPr lang="ru-RU" sz="2200" b="1" dirty="0">
+                <a:ln w="0"/>
                 <a:solidFill>
                   <a:srgbClr val="FF9933"/>
                 </a:solidFill>
                 <a:effectLst>
-                  <a:outerShdw blurRad="38100" dist="38100" dir="2700000" algn="tl">
-                    <a:srgbClr val="000000">
-                      <a:alpha val="43137"/>
-                    </a:srgbClr>
-                  </a:outerShdw>
-                </a:effectLst>
-              </a:rPr>
-              <a:t>, будущее в дате рождения) → блокировка формы</a:t>
-            </a:r>
+                  <a:outerShdw blurRad="38100" dist="19050" dir="2700000" algn="tl" rotWithShape="0">
+                    <a:schemeClr val="dk1">
+                      <a:alpha val="40000"/>
+                    </a:schemeClr>
+                  </a:outerShdw>
+                </a:effectLst>
+                <a:ea typeface="Times New Roman" panose="02020603050405020304" pitchFamily="18" charset="0"/>
+                <a:cs typeface="Times New Roman" panose="02020603050405020304" pitchFamily="18" charset="0"/>
+              </a:rPr>
+              <a:t>Тест появится на странице «Тесты».</a:t>
+            </a:r>
+            <a:endParaRPr lang="ru-RU" sz="2200" b="1" dirty="0">
+              <a:ln w="0"/>
+              <a:solidFill>
+                <a:srgbClr val="FF9933"/>
+              </a:solidFill>
+              <a:effectLst>
+                <a:outerShdw blurRad="38100" dist="19050" dir="2700000" algn="tl" rotWithShape="0">
+                  <a:schemeClr val="dk1">
+                    <a:alpha val="40000"/>
+                  </a:schemeClr>
+                </a:outerShdw>
+              </a:effectLst>
+              <a:ea typeface="Calibri" panose="020F0502020204030204" pitchFamily="34" charset="0"/>
+              <a:cs typeface="Times New Roman" panose="02020603050405020304" pitchFamily="18" charset="0"/>
+            </a:endParaRPr>
+          </a:p>
+          <a:p>
+            <a:pPr marL="342900" lvl="0" indent="-342900">
+              <a:lnSpc>
+                <a:spcPct val="115000"/>
+              </a:lnSpc>
+              <a:buFont typeface="+mj-lt"/>
+              <a:buAutoNum type="arabicPeriod"/>
+            </a:pPr>
+            <a:r>
+              <a:rPr lang="ru-RU" sz="2200" b="1" dirty="0">
+                <a:ln w="0"/>
+                <a:solidFill>
+                  <a:srgbClr val="FF9933"/>
+                </a:solidFill>
+                <a:effectLst>
+                  <a:outerShdw blurRad="38100" dist="19050" dir="2700000" algn="tl" rotWithShape="0">
+                    <a:schemeClr val="dk1">
+                      <a:alpha val="40000"/>
+                    </a:schemeClr>
+                  </a:outerShdw>
+                </a:effectLst>
+                <a:ea typeface="Times New Roman" panose="02020603050405020304" pitchFamily="18" charset="0"/>
+                <a:cs typeface="Times New Roman" panose="02020603050405020304" pitchFamily="18" charset="0"/>
+              </a:rPr>
+              <a:t>При запуске теста все вопросы отображаются.</a:t>
+            </a:r>
+            <a:endParaRPr lang="ru-RU" sz="2200" b="1" dirty="0">
+              <a:ln w="0"/>
+              <a:solidFill>
+                <a:srgbClr val="FF9933"/>
+              </a:solidFill>
+              <a:effectLst>
+                <a:outerShdw blurRad="38100" dist="19050" dir="2700000" algn="tl" rotWithShape="0">
+                  <a:schemeClr val="dk1">
+                    <a:alpha val="40000"/>
+                  </a:schemeClr>
+                </a:outerShdw>
+              </a:effectLst>
+              <a:ea typeface="Calibri" panose="020F0502020204030204" pitchFamily="34" charset="0"/>
+              <a:cs typeface="Times New Roman" panose="02020603050405020304" pitchFamily="18" charset="0"/>
+            </a:endParaRPr>
+          </a:p>
+          <a:p>
+            <a:pPr marL="342900" lvl="0" indent="-342900">
+              <a:lnSpc>
+                <a:spcPct val="115000"/>
+              </a:lnSpc>
+              <a:spcAft>
+                <a:spcPts val="800"/>
+              </a:spcAft>
+              <a:buFont typeface="+mj-lt"/>
+              <a:buAutoNum type="arabicPeriod"/>
+            </a:pPr>
+            <a:r>
+              <a:rPr lang="ru-RU" sz="2200" b="1" dirty="0">
+                <a:ln w="0"/>
+                <a:solidFill>
+                  <a:srgbClr val="FF9933"/>
+                </a:solidFill>
+                <a:effectLst>
+                  <a:outerShdw blurRad="38100" dist="19050" dir="2700000" algn="tl" rotWithShape="0">
+                    <a:schemeClr val="dk1">
+                      <a:alpha val="40000"/>
+                    </a:schemeClr>
+                  </a:outerShdw>
+                </a:effectLst>
+                <a:ea typeface="Times New Roman" panose="02020603050405020304" pitchFamily="18" charset="0"/>
+                <a:cs typeface="Times New Roman" panose="02020603050405020304" pitchFamily="18" charset="0"/>
+              </a:rPr>
+              <a:t>При завершении теста появятся правильные ответы – выделяются зеленым цветом.</a:t>
+            </a:r>
+            <a:endParaRPr lang="ru-RU" sz="2200" b="1" dirty="0">
+              <a:ln w="0"/>
+              <a:solidFill>
+                <a:srgbClr val="FF9933"/>
+              </a:solidFill>
+              <a:effectLst>
+                <a:outerShdw blurRad="38100" dist="19050" dir="2700000" algn="tl" rotWithShape="0">
+                  <a:schemeClr val="dk1">
+                    <a:alpha val="40000"/>
+                  </a:schemeClr>
+                </a:outerShdw>
+              </a:effectLst>
+              <a:ea typeface="Calibri" panose="020F0502020204030204" pitchFamily="34" charset="0"/>
+              <a:cs typeface="Times New Roman" panose="02020603050405020304" pitchFamily="18" charset="0"/>
+            </a:endParaRPr>
           </a:p>
         </p:txBody>
       </p:sp>
     </p:spTree>
     <p:extLst>
       <p:ext uri="{BB962C8B-B14F-4D97-AF65-F5344CB8AC3E}">
-        <p14:creationId xmlns:p14="http://schemas.microsoft.com/office/powerpoint/2010/main" val="3336923199"/>
+        <p14:creationId xmlns:p14="http://schemas.microsoft.com/office/powerpoint/2010/main" val="2717703198"/>
       </p:ext>
     </p:extLst>
   </p:cSld>
   <p:clrMapOvr>
     <a:masterClrMapping/>
   </p:clrMapOvr>
-  <p:transition spd="slow">
-    <p:pull dir="lu"/>
+  <p:transition spd="med">
+    <p:pull/>
   </p:transition>
 </p:sld>
 </file>
@@ -9175,10 +11851,10 @@
       </p:grpSpPr>
       <p:sp>
         <p:nvSpPr>
-          <p:cNvPr id="11" name="Прямоугольник 10">
+          <p:cNvPr id="19" name="Прямоугольник 18">
             <a:extLst>
               <a:ext uri="{FF2B5EF4-FFF2-40B4-BE49-F238E27FC236}">
-                <a16:creationId xmlns:a16="http://schemas.microsoft.com/office/drawing/2014/main" id="{FF70FB42-FB7B-468B-B2AD-F1C1C8C9412A}"/>
+                <a16:creationId xmlns:a16="http://schemas.microsoft.com/office/drawing/2014/main" id="{DEA7151A-6810-465B-8ED7-BB1DEF5F4C59}"/>
               </a:ext>
             </a:extLst>
           </p:cNvPr>
@@ -9187,8 +11863,56 @@
         </p:nvSpPr>
         <p:spPr>
           <a:xfrm>
-            <a:off x="259354" y="0"/>
-            <a:ext cx="4224554" cy="923330"/>
+            <a:off x="11724640" y="6334780"/>
+            <a:ext cx="370663" cy="523220"/>
+          </a:xfrm>
+          <a:prstGeom prst="rect">
+            <a:avLst/>
+          </a:prstGeom>
+          <a:noFill/>
+        </p:spPr>
+        <p:txBody>
+          <a:bodyPr wrap="square" lIns="91440" tIns="45720" rIns="91440" bIns="45720">
+            <a:spAutoFit/>
+          </a:bodyPr>
+          <a:lstStyle/>
+          <a:p>
+            <a:pPr algn="ctr"/>
+            <a:r>
+              <a:rPr lang="ru-RU" sz="2800" b="1" cap="none" spc="50" dirty="0">
+                <a:ln w="0"/>
+                <a:solidFill>
+                  <a:schemeClr val="bg2"/>
+                </a:solidFill>
+                <a:effectLst>
+                  <a:innerShdw blurRad="63500" dist="50800" dir="13500000">
+                    <a:srgbClr val="000000">
+                      <a:alpha val="50000"/>
+                    </a:srgbClr>
+                  </a:innerShdw>
+                </a:effectLst>
+              </a:rPr>
+              <a:t>8</a:t>
+            </a:r>
+          </a:p>
+        </p:txBody>
+      </p:sp>
+      <p:sp>
+        <p:nvSpPr>
+          <p:cNvPr id="6" name="Прямоугольник 5">
+            <a:extLst>
+              <a:ext uri="{FF2B5EF4-FFF2-40B4-BE49-F238E27FC236}">
+                <a16:creationId xmlns:a16="http://schemas.microsoft.com/office/drawing/2014/main" id="{A874DB9C-0A48-46A6-B7A1-78890750E622}"/>
+              </a:ext>
+            </a:extLst>
+          </p:cNvPr>
+          <p:cNvSpPr/>
+          <p:nvPr/>
+        </p:nvSpPr>
+        <p:spPr>
+          <a:xfrm>
+            <a:off x="1147593" y="72063"/>
+            <a:ext cx="9896813" cy="923330"/>
           </a:xfrm>
           <a:prstGeom prst="rect">
             <a:avLst/>
@@ -9223,27 +11947,27 @@
                   </a:outerShdw>
                 </a:effectLst>
               </a:rPr>
-              <a:t>Тестирование</a:t>
-            </a:r>
-          </a:p>
-        </p:txBody>
-      </p:sp>
-      <p:sp>
-        <p:nvSpPr>
-          <p:cNvPr id="19" name="Прямоугольник 18">
+              <a:t>Инструкция для администратора</a:t>
+            </a:r>
+          </a:p>
+        </p:txBody>
+      </p:sp>
+      <p:sp>
+        <p:nvSpPr>
+          <p:cNvPr id="5" name="TextBox 4">
             <a:extLst>
               <a:ext uri="{FF2B5EF4-FFF2-40B4-BE49-F238E27FC236}">
-                <a16:creationId xmlns:a16="http://schemas.microsoft.com/office/drawing/2014/main" id="{DEA7151A-6810-465B-8ED7-BB1DEF5F4C59}"/>
+                <a16:creationId xmlns:a16="http://schemas.microsoft.com/office/drawing/2014/main" id="{566B4776-F81A-4BFE-89A8-430419D32775}"/>
               </a:ext>
             </a:extLst>
           </p:cNvPr>
-          <p:cNvSpPr/>
+          <p:cNvSpPr txBox="1"/>
           <p:nvPr/>
         </p:nvSpPr>
         <p:spPr>
           <a:xfrm>
-            <a:off x="11724640" y="6334780"/>
-            <a:ext cx="370663" cy="523220"/>
+            <a:off x="96697" y="995393"/>
+            <a:ext cx="11771453" cy="4291688"/>
           </a:xfrm>
           <a:prstGeom prst="rect">
             <a:avLst/>
@@ -9251,753 +11975,510 @@
           <a:noFill/>
         </p:spPr>
         <p:txBody>
-          <a:bodyPr wrap="square" lIns="91440" tIns="45720" rIns="91440" bIns="45720">
+          <a:bodyPr wrap="square">
             <a:spAutoFit/>
           </a:bodyPr>
           <a:lstStyle/>
           <a:p>
-            <a:pPr algn="ctr"/>
-            <a:r>
-              <a:rPr lang="ru-RU" sz="2800" b="1" cap="none" spc="50" dirty="0">
+            <a:pPr indent="450215">
+              <a:lnSpc>
+                <a:spcPct val="115000"/>
+              </a:lnSpc>
+              <a:spcAft>
+                <a:spcPts val="800"/>
+              </a:spcAft>
+            </a:pPr>
+            <a:r>
+              <a:rPr lang="ru-RU" sz="2200" b="1" dirty="0">
                 <a:ln w="0"/>
                 <a:solidFill>
-                  <a:schemeClr val="bg2"/>
-                </a:solidFill>
-                <a:effectLst>
-                  <a:innerShdw blurRad="63500" dist="50800" dir="13500000">
-                    <a:srgbClr val="000000">
-                      <a:alpha val="50000"/>
-                    </a:srgbClr>
-                  </a:innerShdw>
-                </a:effectLst>
-              </a:rPr>
-              <a:t>8</a:t>
-            </a:r>
-          </a:p>
-        </p:txBody>
-      </p:sp>
-      <p:pic>
-        <p:nvPicPr>
-          <p:cNvPr id="9" name="Рисунок 8">
-            <a:extLst>
-              <a:ext uri="{FF2B5EF4-FFF2-40B4-BE49-F238E27FC236}">
-                <a16:creationId xmlns:a16="http://schemas.microsoft.com/office/drawing/2014/main" id="{4CABC7A5-7F2D-445A-9068-947312EE4E8B}"/>
-              </a:ext>
-            </a:extLst>
-          </p:cNvPr>
-          <p:cNvPicPr/>
-          <p:nvPr/>
-        </p:nvPicPr>
-        <p:blipFill>
-          <a:blip r:embed="rId3">
-            <a:extLst>
-              <a:ext uri="{28A0092B-C50C-407E-A947-70E740481C1C}">
-                <a14:useLocalDpi xmlns:a14="http://schemas.microsoft.com/office/drawing/2010/main" val="0"/>
-              </a:ext>
-            </a:extLst>
-          </a:blip>
-          <a:stretch>
-            <a:fillRect/>
-          </a:stretch>
-        </p:blipFill>
-        <p:spPr>
-          <a:xfrm>
-            <a:off x="9013957" y="1528446"/>
-            <a:ext cx="2710683" cy="4643755"/>
-          </a:xfrm>
-          <a:prstGeom prst="rect">
-            <a:avLst/>
-          </a:prstGeom>
-          <a:ln w="76200">
-            <a:solidFill>
-              <a:srgbClr val="8C3FC5"/>
-            </a:solidFill>
-          </a:ln>
-          <a:effectLst>
-            <a:glow rad="101600">
-              <a:srgbClr val="8C3FC5">
-                <a:alpha val="60000"/>
-              </a:srgbClr>
-            </a:glow>
-          </a:effectLst>
-        </p:spPr>
-      </p:pic>
-      <p:sp>
-        <p:nvSpPr>
-          <p:cNvPr id="7" name="Rectangle 2">
-            <a:extLst>
-              <a:ext uri="{FF2B5EF4-FFF2-40B4-BE49-F238E27FC236}">
-                <a16:creationId xmlns:a16="http://schemas.microsoft.com/office/drawing/2014/main" id="{B93628B3-07F7-4E3C-A767-CE96FB01BFB8}"/>
-              </a:ext>
-            </a:extLst>
-          </p:cNvPr>
-          <p:cNvSpPr>
-            <a:spLocks noChangeArrowheads="1"/>
-          </p:cNvSpPr>
-          <p:nvPr/>
-        </p:nvSpPr>
-        <p:spPr bwMode="auto">
-          <a:xfrm>
-            <a:off x="126002" y="874455"/>
-            <a:ext cx="9153525" cy="2554545"/>
-          </a:xfrm>
-          <a:prstGeom prst="rect">
-            <a:avLst/>
-          </a:prstGeom>
-          <a:noFill/>
-          <a:ln>
-            <a:noFill/>
-          </a:ln>
-          <a:effectLst/>
-          <a:extLst>
-            <a:ext uri="{909E8E84-426E-40DD-AFC4-6F175D3DCCD1}">
-              <a14:hiddenFill xmlns:a14="http://schemas.microsoft.com/office/drawing/2010/main">
-                <a:solidFill>
-                  <a:schemeClr val="accent1"/>
-                </a:solidFill>
-              </a14:hiddenFill>
-            </a:ext>
-            <a:ext uri="{91240B29-F687-4F45-9708-019B960494DF}">
-              <a14:hiddenLine xmlns:a14="http://schemas.microsoft.com/office/drawing/2010/main" w="9525">
-                <a:solidFill>
-                  <a:schemeClr val="tx1"/>
-                </a:solidFill>
-                <a:miter lim="800000"/>
-                <a:headEnd/>
-                <a:tailEnd/>
-              </a14:hiddenLine>
-            </a:ext>
-            <a:ext uri="{AF507438-7753-43E0-B8FC-AC1667EBCBE1}">
-              <a14:hiddenEffects xmlns:a14="http://schemas.microsoft.com/office/drawing/2010/main">
-                <a:effectLst>
-                  <a:outerShdw dist="35921" dir="2700000" algn="ctr" rotWithShape="0">
-                    <a:schemeClr val="bg2"/>
-                  </a:outerShdw>
-                </a:effectLst>
-              </a14:hiddenEffects>
-            </a:ext>
-          </a:extLst>
-        </p:spPr>
-        <p:txBody>
-          <a:bodyPr vert="horz" wrap="square" lIns="91440" tIns="45720" rIns="91440" bIns="45720" numCol="1" anchor="ctr" anchorCtr="0" compatLnSpc="1">
-            <a:prstTxWarp prst="textNoShape">
-              <a:avLst/>
-            </a:prstTxWarp>
-            <a:spAutoFit/>
-          </a:bodyPr>
-          <a:lstStyle/>
-          <a:p>
-            <a:pPr marL="0" marR="0" lvl="0" indent="0" algn="l" defTabSz="914400" rtl="0" eaLnBrk="0" fontAlgn="base" latinLnBrk="0" hangingPunct="0">
+                  <a:srgbClr val="FFFF00"/>
+                </a:solidFill>
+                <a:effectLst>
+                  <a:outerShdw blurRad="38100" dist="19050" dir="2700000" algn="tl" rotWithShape="0">
+                    <a:schemeClr val="dk1">
+                      <a:alpha val="40000"/>
+                    </a:schemeClr>
+                  </a:outerShdw>
+                </a:effectLst>
+                <a:ea typeface="Times New Roman" panose="02020603050405020304" pitchFamily="18" charset="0"/>
+                <a:cs typeface="Times New Roman" panose="02020603050405020304" pitchFamily="18" charset="0"/>
+              </a:rPr>
+              <a:t>Функция: Изменение всплывающего </a:t>
+            </a:r>
+            <a:r>
+              <a:rPr lang="ru-RU" sz="2200" b="1" dirty="0" err="1">
+                <a:ln w="0"/>
+                <a:solidFill>
+                  <a:srgbClr val="FFFF00"/>
+                </a:solidFill>
+                <a:effectLst>
+                  <a:outerShdw blurRad="38100" dist="19050" dir="2700000" algn="tl" rotWithShape="0">
+                    <a:schemeClr val="dk1">
+                      <a:alpha val="40000"/>
+                    </a:schemeClr>
+                  </a:outerShdw>
+                </a:effectLst>
+                <a:ea typeface="Times New Roman" panose="02020603050405020304" pitchFamily="18" charset="0"/>
+                <a:cs typeface="Times New Roman" panose="02020603050405020304" pitchFamily="18" charset="0"/>
+              </a:rPr>
+              <a:t>видеобучения</a:t>
+            </a:r>
+            <a:r>
+              <a:rPr lang="ru-RU" sz="2200" b="1" dirty="0">
+                <a:ln w="0"/>
+                <a:solidFill>
+                  <a:srgbClr val="FFFF00"/>
+                </a:solidFill>
+                <a:effectLst>
+                  <a:outerShdw blurRad="38100" dist="19050" dir="2700000" algn="tl" rotWithShape="0">
+                    <a:schemeClr val="dk1">
+                      <a:alpha val="40000"/>
+                    </a:schemeClr>
+                  </a:outerShdw>
+                </a:effectLst>
+                <a:ea typeface="Times New Roman" panose="02020603050405020304" pitchFamily="18" charset="0"/>
+                <a:cs typeface="Times New Roman" panose="02020603050405020304" pitchFamily="18" charset="0"/>
+              </a:rPr>
+              <a:t> по горячим клавишам</a:t>
+            </a:r>
+            <a:endParaRPr lang="ru-RU" sz="2200" b="1" dirty="0">
+              <a:ln w="0"/>
+              <a:solidFill>
+                <a:srgbClr val="FFFF00"/>
+              </a:solidFill>
+              <a:effectLst>
+                <a:outerShdw blurRad="38100" dist="19050" dir="2700000" algn="tl" rotWithShape="0">
+                  <a:schemeClr val="dk1">
+                    <a:alpha val="40000"/>
+                  </a:schemeClr>
+                </a:outerShdw>
+              </a:effectLst>
+              <a:ea typeface="Calibri" panose="020F0502020204030204" pitchFamily="34" charset="0"/>
+              <a:cs typeface="Times New Roman" panose="02020603050405020304" pitchFamily="18" charset="0"/>
+            </a:endParaRPr>
+          </a:p>
+          <a:p>
+            <a:pPr>
               <a:lnSpc>
-                <a:spcPct val="100000"/>
+                <a:spcPct val="115000"/>
               </a:lnSpc>
-              <a:spcBef>
-                <a:spcPct val="0"/>
-              </a:spcBef>
               <a:spcAft>
-                <a:spcPct val="0"/>
+                <a:spcPts val="800"/>
               </a:spcAft>
-              <a:buClrTx/>
-              <a:buSzTx/>
-              <a:buFontTx/>
-              <a:buNone/>
-              <a:tabLst/>
             </a:pPr>
             <a:r>
-              <a:rPr kumimoji="0" lang="ru-RU" altLang="ru-RU" sz="2000" b="1" i="0" u="none" strike="noStrike" cap="none" normalizeH="0" baseline="0" dirty="0">
-                <a:ln>
-                  <a:noFill/>
-                </a:ln>
+              <a:rPr lang="ru-RU" sz="2200" b="1" dirty="0">
+                <a:ln w="0"/>
                 <a:solidFill>
                   <a:srgbClr val="FF9933"/>
                 </a:solidFill>
                 <a:effectLst>
-                  <a:outerShdw blurRad="38100" dist="38100" dir="2700000" algn="tl">
-                    <a:srgbClr val="000000">
-                      <a:alpha val="43137"/>
-                    </a:srgbClr>
-                  </a:outerShdw>
-                </a:effectLst>
-              </a:rPr>
-              <a:t>Форма тест-кейсов:</a:t>
-            </a:r>
-          </a:p>
-          <a:p>
-            <a:pPr marL="0" marR="0" lvl="0" indent="0" algn="l" defTabSz="914400" rtl="0" eaLnBrk="0" fontAlgn="base" latinLnBrk="0" hangingPunct="0">
-              <a:lnSpc>
-                <a:spcPct val="100000"/>
-              </a:lnSpc>
-              <a:spcBef>
-                <a:spcPct val="0"/>
-              </a:spcBef>
-              <a:spcAft>
-                <a:spcPct val="0"/>
-              </a:spcAft>
-              <a:buClrTx/>
-              <a:buSzTx/>
-              <a:buFontTx/>
-              <a:buChar char="•"/>
-              <a:tabLst/>
-            </a:pPr>
-            <a:r>
-              <a:rPr kumimoji="0" lang="ru-RU" altLang="ru-RU" sz="2000" b="1" i="0" u="none" strike="noStrike" cap="none" normalizeH="0" baseline="0" dirty="0">
-                <a:ln>
-                  <a:noFill/>
-                </a:ln>
-                <a:solidFill>
-                  <a:srgbClr val="FF9933"/>
-                </a:solidFill>
-                <a:effectLst>
-                  <a:outerShdw blurRad="38100" dist="38100" dir="2700000" algn="tl">
-                    <a:srgbClr val="000000">
-                      <a:alpha val="43137"/>
-                    </a:srgbClr>
-                  </a:outerShdw>
-                </a:effectLst>
-              </a:rPr>
-              <a:t>Представлена в виде таблиц с полями: элемент, тип, требования (валидация, формат, длина, допустимые символы и т.д.)</a:t>
-            </a:r>
-          </a:p>
-          <a:p>
-            <a:pPr marL="0" marR="0" lvl="0" indent="0" algn="l" defTabSz="914400" rtl="0" eaLnBrk="0" fontAlgn="base" latinLnBrk="0" hangingPunct="0">
-              <a:lnSpc>
-                <a:spcPct val="100000"/>
-              </a:lnSpc>
-              <a:spcBef>
-                <a:spcPct val="0"/>
-              </a:spcBef>
-              <a:spcAft>
-                <a:spcPct val="0"/>
-              </a:spcAft>
-              <a:buClrTx/>
-              <a:buSzTx/>
-              <a:tabLst/>
-            </a:pPr>
-            <a:r>
-              <a:rPr kumimoji="0" lang="ru-RU" altLang="ru-RU" sz="2000" b="1" i="0" u="none" strike="noStrike" cap="none" normalizeH="0" baseline="0" dirty="0">
-                <a:ln>
-                  <a:noFill/>
-                </a:ln>
-                <a:solidFill>
-                  <a:srgbClr val="FF9933"/>
-                </a:solidFill>
-                <a:effectLst>
-                  <a:outerShdw blurRad="38100" dist="38100" dir="2700000" algn="tl">
-                    <a:srgbClr val="000000">
-                      <a:alpha val="43137"/>
-                    </a:srgbClr>
-                  </a:outerShdw>
-                </a:effectLst>
-              </a:rPr>
-              <a:t>Примеры требований полей:</a:t>
-            </a:r>
-          </a:p>
-          <a:p>
-            <a:pPr marL="457200" marR="0" lvl="1" indent="0" algn="l" defTabSz="914400" rtl="0" eaLnBrk="0" fontAlgn="base" latinLnBrk="0" hangingPunct="0">
-              <a:lnSpc>
-                <a:spcPct val="100000"/>
-              </a:lnSpc>
-              <a:spcBef>
-                <a:spcPct val="0"/>
-              </a:spcBef>
-              <a:spcAft>
-                <a:spcPct val="0"/>
-              </a:spcAft>
-              <a:buClrTx/>
-              <a:buSzTx/>
-              <a:buFontTx/>
-              <a:buChar char="•"/>
-              <a:tabLst/>
-            </a:pPr>
-            <a:r>
-              <a:rPr kumimoji="0" lang="ru-RU" altLang="ru-RU" sz="2000" b="1" i="0" u="none" strike="noStrike" cap="none" normalizeH="0" baseline="0" dirty="0">
-                <a:ln>
-                  <a:noFill/>
-                </a:ln>
-                <a:solidFill>
-                  <a:srgbClr val="FF9933"/>
-                </a:solidFill>
-                <a:effectLst>
-                  <a:outerShdw blurRad="38100" dist="38100" dir="2700000" algn="tl">
-                    <a:srgbClr val="000000">
-                      <a:alpha val="43137"/>
-                    </a:srgbClr>
-                  </a:outerShdw>
-                </a:effectLst>
-              </a:rPr>
-              <a:t>Имя, Фамилия, Отчество — только кириллица, от 2 до 25 символов</a:t>
-            </a:r>
-          </a:p>
-          <a:p>
-            <a:pPr marL="457200" marR="0" lvl="1" indent="0" algn="l" defTabSz="914400" rtl="0" eaLnBrk="0" fontAlgn="base" latinLnBrk="0" hangingPunct="0">
-              <a:lnSpc>
-                <a:spcPct val="100000"/>
-              </a:lnSpc>
-              <a:spcBef>
-                <a:spcPct val="0"/>
-              </a:spcBef>
-              <a:spcAft>
-                <a:spcPct val="0"/>
-              </a:spcAft>
-              <a:buClrTx/>
-              <a:buSzTx/>
-              <a:buFontTx/>
-              <a:buChar char="•"/>
-              <a:tabLst/>
-            </a:pPr>
-            <a:r>
-              <a:rPr kumimoji="0" lang="ru-RU" altLang="ru-RU" sz="2000" b="1" i="0" u="none" strike="noStrike" cap="none" normalizeH="0" baseline="0" dirty="0" err="1">
-                <a:ln>
-                  <a:noFill/>
-                </a:ln>
-                <a:solidFill>
-                  <a:srgbClr val="FF9933"/>
-                </a:solidFill>
-                <a:effectLst>
-                  <a:outerShdw blurRad="38100" dist="38100" dir="2700000" algn="tl">
-                    <a:srgbClr val="000000">
-                      <a:alpha val="43137"/>
-                    </a:srgbClr>
-                  </a:outerShdw>
-                </a:effectLst>
-              </a:rPr>
-              <a:t>Email</a:t>
-            </a:r>
-            <a:r>
-              <a:rPr kumimoji="0" lang="ru-RU" altLang="ru-RU" sz="2000" b="1" i="0" u="none" strike="noStrike" cap="none" normalizeH="0" baseline="0" dirty="0">
-                <a:ln>
-                  <a:noFill/>
-                </a:ln>
-                <a:solidFill>
-                  <a:srgbClr val="FF9933"/>
-                </a:solidFill>
-                <a:effectLst>
-                  <a:outerShdw blurRad="38100" dist="38100" dir="2700000" algn="tl">
-                    <a:srgbClr val="000000">
-                      <a:alpha val="43137"/>
-                    </a:srgbClr>
-                  </a:outerShdw>
-                </a:effectLst>
-              </a:rPr>
-              <a:t> — только латиница, шаблон </a:t>
-            </a:r>
-            <a:r>
-              <a:rPr kumimoji="0" lang="ru-RU" altLang="ru-RU" sz="2000" b="1" i="1" u="none" strike="noStrike" cap="none" normalizeH="0" baseline="0" dirty="0">
-                <a:ln>
-                  <a:noFill/>
-                </a:ln>
-                <a:solidFill>
-                  <a:srgbClr val="FF9933"/>
-                </a:solidFill>
-                <a:effectLst>
-                  <a:outerShdw blurRad="38100" dist="38100" dir="2700000" algn="tl">
-                    <a:srgbClr val="000000">
-                      <a:alpha val="43137"/>
-                    </a:srgbClr>
-                  </a:outerShdw>
-                </a:effectLst>
-              </a:rPr>
-              <a:t>@</a:t>
-            </a:r>
-            <a:r>
-              <a:rPr kumimoji="0" lang="ru-RU" altLang="ru-RU" sz="2000" b="1" i="0" u="none" strike="noStrike" cap="none" normalizeH="0" baseline="0" dirty="0">
-                <a:ln>
-                  <a:noFill/>
-                </a:ln>
-                <a:solidFill>
-                  <a:srgbClr val="FF9933"/>
-                </a:solidFill>
-                <a:effectLst>
-                  <a:outerShdw blurRad="38100" dist="38100" dir="2700000" algn="tl">
-                    <a:srgbClr val="000000">
-                      <a:alpha val="43137"/>
-                    </a:srgbClr>
-                  </a:outerShdw>
-                </a:effectLst>
-              </a:rPr>
-              <a:t>.*, не более 20 символов</a:t>
-            </a:r>
-          </a:p>
-          <a:p>
-            <a:pPr marL="457200" marR="0" lvl="1" indent="0" algn="l" defTabSz="914400" rtl="0" eaLnBrk="0" fontAlgn="base" latinLnBrk="0" hangingPunct="0">
-              <a:lnSpc>
-                <a:spcPct val="100000"/>
-              </a:lnSpc>
-              <a:spcBef>
-                <a:spcPct val="0"/>
-              </a:spcBef>
-              <a:spcAft>
-                <a:spcPct val="0"/>
-              </a:spcAft>
-              <a:buClrTx/>
-              <a:buSzTx/>
-              <a:buFontTx/>
-              <a:buChar char="•"/>
-              <a:tabLst/>
-            </a:pPr>
-            <a:r>
-              <a:rPr kumimoji="0" lang="ru-RU" altLang="ru-RU" sz="2000" b="1" i="0" u="none" strike="noStrike" cap="none" normalizeH="0" baseline="0" dirty="0">
-                <a:ln>
-                  <a:noFill/>
-                </a:ln>
-                <a:solidFill>
-                  <a:srgbClr val="FF9933"/>
-                </a:solidFill>
-                <a:effectLst>
-                  <a:outerShdw blurRad="38100" dist="38100" dir="2700000" algn="tl">
-                    <a:srgbClr val="000000">
-                      <a:alpha val="43137"/>
-                    </a:srgbClr>
-                  </a:outerShdw>
-                </a:effectLst>
-              </a:rPr>
-              <a:t>Дата рождения — только календарный выбор, без будущих дат</a:t>
-            </a:r>
-          </a:p>
-          <a:p>
-            <a:pPr marL="0" marR="0" lvl="0" indent="0" algn="l" defTabSz="914400" rtl="0" eaLnBrk="0" fontAlgn="base" latinLnBrk="0" hangingPunct="0">
-              <a:lnSpc>
-                <a:spcPct val="100000"/>
-              </a:lnSpc>
-              <a:spcBef>
-                <a:spcPct val="0"/>
-              </a:spcBef>
-              <a:spcAft>
-                <a:spcPct val="0"/>
-              </a:spcAft>
-              <a:buClrTx/>
-              <a:buSzTx/>
-              <a:buFontTx/>
-              <a:buNone/>
-              <a:tabLst/>
-            </a:pPr>
-            <a:endParaRPr kumimoji="0" lang="ru-RU" altLang="ru-RU" sz="2000" b="1" i="0" u="none" strike="noStrike" cap="none" normalizeH="0" baseline="0" dirty="0">
-              <a:ln>
-                <a:noFill/>
-              </a:ln>
+                  <a:outerShdw blurRad="38100" dist="19050" dir="2700000" algn="tl" rotWithShape="0">
+                    <a:schemeClr val="dk1">
+                      <a:alpha val="40000"/>
+                    </a:schemeClr>
+                  </a:outerShdw>
+                </a:effectLst>
+                <a:ea typeface="Times New Roman" panose="02020603050405020304" pitchFamily="18" charset="0"/>
+                <a:cs typeface="Times New Roman" panose="02020603050405020304" pitchFamily="18" charset="0"/>
+              </a:rPr>
+              <a:t>Действия администратора:</a:t>
+            </a:r>
+            <a:endParaRPr lang="en-US" sz="2200" b="1" dirty="0">
+              <a:ln w="0"/>
               <a:solidFill>
                 <a:srgbClr val="FF9933"/>
               </a:solidFill>
               <a:effectLst>
-                <a:outerShdw blurRad="38100" dist="38100" dir="2700000" algn="tl">
-                  <a:srgbClr val="000000">
-                    <a:alpha val="43137"/>
-                  </a:srgbClr>
+                <a:outerShdw blurRad="38100" dist="19050" dir="2700000" algn="tl" rotWithShape="0">
+                  <a:schemeClr val="dk1">
+                    <a:alpha val="40000"/>
+                  </a:schemeClr>
                 </a:outerShdw>
               </a:effectLst>
+              <a:ea typeface="Times New Roman" panose="02020603050405020304" pitchFamily="18" charset="0"/>
+              <a:cs typeface="Times New Roman" panose="02020603050405020304" pitchFamily="18" charset="0"/>
             </a:endParaRPr>
           </a:p>
-        </p:txBody>
-      </p:sp>
-      <p:sp>
-        <p:nvSpPr>
-          <p:cNvPr id="12" name="Rectangle 2">
-            <a:extLst>
-              <a:ext uri="{FF2B5EF4-FFF2-40B4-BE49-F238E27FC236}">
-                <a16:creationId xmlns:a16="http://schemas.microsoft.com/office/drawing/2014/main" id="{1C98EB8B-CA0B-4237-99C2-821D3F000996}"/>
-              </a:ext>
-            </a:extLst>
-          </p:cNvPr>
-          <p:cNvSpPr>
-            <a:spLocks noChangeArrowheads="1"/>
-          </p:cNvSpPr>
-          <p:nvPr/>
-        </p:nvSpPr>
-        <p:spPr bwMode="auto">
-          <a:xfrm>
-            <a:off x="126002" y="3146980"/>
-            <a:ext cx="9153525" cy="1631216"/>
-          </a:xfrm>
-          <a:prstGeom prst="rect">
-            <a:avLst/>
-          </a:prstGeom>
-          <a:noFill/>
-          <a:ln>
-            <a:noFill/>
-          </a:ln>
-          <a:effectLst/>
-          <a:extLst>
-            <a:ext uri="{909E8E84-426E-40DD-AFC4-6F175D3DCCD1}">
-              <a14:hiddenFill xmlns:a14="http://schemas.microsoft.com/office/drawing/2010/main">
-                <a:solidFill>
-                  <a:schemeClr val="accent1"/>
-                </a:solidFill>
-              </a14:hiddenFill>
-            </a:ext>
-            <a:ext uri="{91240B29-F687-4F45-9708-019B960494DF}">
-              <a14:hiddenLine xmlns:a14="http://schemas.microsoft.com/office/drawing/2010/main" w="9525">
-                <a:solidFill>
-                  <a:schemeClr val="tx1"/>
-                </a:solidFill>
-                <a:miter lim="800000"/>
-                <a:headEnd/>
-                <a:tailEnd/>
-              </a14:hiddenLine>
-            </a:ext>
-            <a:ext uri="{AF507438-7753-43E0-B8FC-AC1667EBCBE1}">
-              <a14:hiddenEffects xmlns:a14="http://schemas.microsoft.com/office/drawing/2010/main">
-                <a:effectLst>
-                  <a:outerShdw dist="35921" dir="2700000" algn="ctr" rotWithShape="0">
-                    <a:schemeClr val="bg2"/>
-                  </a:outerShdw>
-                </a:effectLst>
-              </a14:hiddenEffects>
-            </a:ext>
-          </a:extLst>
-        </p:spPr>
-        <p:txBody>
-          <a:bodyPr vert="horz" wrap="square" lIns="91440" tIns="45720" rIns="91440" bIns="45720" numCol="1" anchor="ctr" anchorCtr="0" compatLnSpc="1">
-            <a:prstTxWarp prst="textNoShape">
-              <a:avLst/>
-            </a:prstTxWarp>
-            <a:spAutoFit/>
-          </a:bodyPr>
-          <a:lstStyle/>
-          <a:p>
-            <a:pPr marL="0" marR="0" lvl="0" indent="0" algn="l" defTabSz="914400" rtl="0" eaLnBrk="0" fontAlgn="base" latinLnBrk="0" hangingPunct="0">
+          <a:p>
+            <a:pPr marL="342900" indent="-342900">
               <a:lnSpc>
-                <a:spcPct val="100000"/>
+                <a:spcPct val="115000"/>
               </a:lnSpc>
-              <a:spcBef>
-                <a:spcPct val="0"/>
-              </a:spcBef>
               <a:spcAft>
-                <a:spcPct val="0"/>
+                <a:spcPts val="800"/>
               </a:spcAft>
-              <a:buClrTx/>
-              <a:buSzTx/>
-              <a:buFontTx/>
-              <a:buNone/>
-              <a:tabLst/>
+              <a:buFont typeface="+mj-lt"/>
+              <a:buAutoNum type="arabicPeriod"/>
             </a:pPr>
             <a:r>
-              <a:rPr lang="ru-RU" altLang="ru-RU" sz="2000" b="1" dirty="0">
+              <a:rPr lang="ru-RU" sz="2200" b="1" dirty="0">
+                <a:ln w="0"/>
                 <a:solidFill>
                   <a:srgbClr val="FF9933"/>
                 </a:solidFill>
                 <a:effectLst>
-                  <a:outerShdw blurRad="38100" dist="38100" dir="2700000" algn="tl">
-                    <a:srgbClr val="000000">
-                      <a:alpha val="43137"/>
-                    </a:srgbClr>
-                  </a:outerShdw>
-                </a:effectLst>
-              </a:rPr>
-              <a:t>Используемые техники подбора тестовых значений</a:t>
-            </a:r>
-            <a:r>
-              <a:rPr lang="en-US" altLang="ru-RU" sz="2000" b="1" dirty="0">
-                <a:solidFill>
-                  <a:srgbClr val="FF9933"/>
-                </a:solidFill>
-                <a:effectLst>
-                  <a:outerShdw blurRad="38100" dist="38100" dir="2700000" algn="tl">
-                    <a:srgbClr val="000000">
-                      <a:alpha val="43137"/>
-                    </a:srgbClr>
-                  </a:outerShdw>
-                </a:effectLst>
-              </a:rPr>
-              <a:t>:</a:t>
-            </a:r>
-          </a:p>
-          <a:p>
-            <a:pPr marL="342900" marR="0" lvl="0" indent="-342900" algn="l" defTabSz="914400" rtl="0" eaLnBrk="0" fontAlgn="base" latinLnBrk="0" hangingPunct="0">
-              <a:lnSpc>
-                <a:spcPct val="100000"/>
-              </a:lnSpc>
-              <a:spcBef>
-                <a:spcPct val="0"/>
-              </a:spcBef>
-              <a:spcAft>
-                <a:spcPct val="0"/>
-              </a:spcAft>
-              <a:buClrTx/>
-              <a:buSzTx/>
-              <a:buFont typeface="Arial" panose="020B0604020202020204" pitchFamily="34" charset="0"/>
-              <a:buChar char="•"/>
-              <a:tabLst/>
-            </a:pPr>
-            <a:r>
-              <a:rPr lang="ru-RU" altLang="ru-RU" sz="2000" b="1" dirty="0">
-                <a:solidFill>
-                  <a:srgbClr val="FF9933"/>
-                </a:solidFill>
-                <a:effectLst>
-                  <a:outerShdw blurRad="38100" dist="38100" dir="2700000" algn="tl">
-                    <a:srgbClr val="000000">
-                      <a:alpha val="43137"/>
-                    </a:srgbClr>
-                  </a:outerShdw>
-                </a:effectLst>
-              </a:rPr>
-              <a:t>Эквивалентное разделение</a:t>
-            </a:r>
-          </a:p>
-          <a:p>
-            <a:pPr marL="342900" marR="0" lvl="0" indent="-342900" algn="l" defTabSz="914400" rtl="0" eaLnBrk="0" fontAlgn="base" latinLnBrk="0" hangingPunct="0">
-              <a:lnSpc>
-                <a:spcPct val="100000"/>
-              </a:lnSpc>
-              <a:spcBef>
-                <a:spcPct val="0"/>
-              </a:spcBef>
-              <a:spcAft>
-                <a:spcPct val="0"/>
-              </a:spcAft>
-              <a:buClrTx/>
-              <a:buSzTx/>
-              <a:buFont typeface="Arial" panose="020B0604020202020204" pitchFamily="34" charset="0"/>
-              <a:buChar char="•"/>
-              <a:tabLst/>
-            </a:pPr>
-            <a:r>
-              <a:rPr lang="ru-RU" altLang="ru-RU" sz="2000" b="1" dirty="0">
-                <a:solidFill>
-                  <a:srgbClr val="FF9933"/>
-                </a:solidFill>
-                <a:effectLst>
-                  <a:outerShdw blurRad="38100" dist="38100" dir="2700000" algn="tl">
-                    <a:srgbClr val="000000">
-                      <a:alpha val="43137"/>
-                    </a:srgbClr>
-                  </a:outerShdw>
-                </a:effectLst>
-              </a:rPr>
-              <a:t>Анализ граничных значений</a:t>
-            </a:r>
-            <a:endParaRPr lang="en-US" altLang="ru-RU" sz="2000" b="1" dirty="0">
+                  <a:outerShdw blurRad="38100" dist="19050" dir="2700000" algn="tl" rotWithShape="0">
+                    <a:schemeClr val="dk1">
+                      <a:alpha val="40000"/>
+                    </a:schemeClr>
+                  </a:outerShdw>
+                </a:effectLst>
+                <a:ea typeface="Times New Roman" panose="02020603050405020304" pitchFamily="18" charset="0"/>
+                <a:cs typeface="Times New Roman" panose="02020603050405020304" pitchFamily="18" charset="0"/>
+              </a:rPr>
+              <a:t>Перейти в личный кабинет</a:t>
+            </a:r>
+            <a:endParaRPr lang="ru-RU" sz="2200" b="1" dirty="0">
+              <a:ln w="0"/>
               <a:solidFill>
                 <a:srgbClr val="FF9933"/>
               </a:solidFill>
               <a:effectLst>
-                <a:outerShdw blurRad="38100" dist="38100" dir="2700000" algn="tl">
-                  <a:srgbClr val="000000">
-                    <a:alpha val="43137"/>
-                  </a:srgbClr>
+                <a:outerShdw blurRad="38100" dist="19050" dir="2700000" algn="tl" rotWithShape="0">
+                  <a:schemeClr val="dk1">
+                    <a:alpha val="40000"/>
+                  </a:schemeClr>
                 </a:outerShdw>
               </a:effectLst>
+              <a:ea typeface="Calibri" panose="020F0502020204030204" pitchFamily="34" charset="0"/>
+              <a:cs typeface="Times New Roman" panose="02020603050405020304" pitchFamily="18" charset="0"/>
             </a:endParaRPr>
           </a:p>
           <a:p>
-            <a:pPr marL="0" marR="0" lvl="0" indent="0" algn="l" defTabSz="914400" rtl="0" eaLnBrk="0" fontAlgn="base" latinLnBrk="0" hangingPunct="0">
+            <a:pPr marL="342900" indent="-342900">
               <a:lnSpc>
-                <a:spcPct val="100000"/>
+                <a:spcPct val="115000"/>
               </a:lnSpc>
-              <a:spcBef>
-                <a:spcPct val="0"/>
-              </a:spcBef>
               <a:spcAft>
-                <a:spcPct val="0"/>
+                <a:spcPts val="800"/>
               </a:spcAft>
-              <a:buClrTx/>
-              <a:buSzTx/>
-              <a:buFontTx/>
-              <a:buNone/>
-              <a:tabLst/>
+              <a:buFont typeface="+mj-lt"/>
+              <a:buAutoNum type="arabicPeriod"/>
             </a:pPr>
-            <a:endParaRPr lang="en-US" altLang="ru-RU" sz="2000" b="1" dirty="0">
+            <a:r>
+              <a:rPr lang="ru-RU" sz="2200" b="1" dirty="0">
+                <a:ln w="0"/>
+                <a:solidFill>
+                  <a:srgbClr val="FF9933"/>
+                </a:solidFill>
+                <a:effectLst>
+                  <a:outerShdw blurRad="38100" dist="19050" dir="2700000" algn="tl" rotWithShape="0">
+                    <a:schemeClr val="dk1">
+                      <a:alpha val="40000"/>
+                    </a:schemeClr>
+                  </a:outerShdw>
+                </a:effectLst>
+                <a:ea typeface="Times New Roman" panose="02020603050405020304" pitchFamily="18" charset="0"/>
+                <a:cs typeface="Times New Roman" panose="02020603050405020304" pitchFamily="18" charset="0"/>
+              </a:rPr>
+              <a:t>Нажать «Администрирование»</a:t>
+            </a:r>
+            <a:endParaRPr lang="ru-RU" sz="2200" b="1" dirty="0">
+              <a:ln w="0"/>
               <a:solidFill>
                 <a:srgbClr val="FF9933"/>
               </a:solidFill>
               <a:effectLst>
-                <a:outerShdw blurRad="38100" dist="38100" dir="2700000" algn="tl">
-                  <a:srgbClr val="000000">
-                    <a:alpha val="43137"/>
-                  </a:srgbClr>
+                <a:outerShdw blurRad="38100" dist="19050" dir="2700000" algn="tl" rotWithShape="0">
+                  <a:schemeClr val="dk1">
+                    <a:alpha val="40000"/>
+                  </a:schemeClr>
                 </a:outerShdw>
               </a:effectLst>
+              <a:ea typeface="Calibri" panose="020F0502020204030204" pitchFamily="34" charset="0"/>
+              <a:cs typeface="Times New Roman" panose="02020603050405020304" pitchFamily="18" charset="0"/>
             </a:endParaRPr>
           </a:p>
           <a:p>
-            <a:pPr marL="0" marR="0" lvl="0" indent="0" algn="l" defTabSz="914400" rtl="0" eaLnBrk="0" fontAlgn="base" latinLnBrk="0" hangingPunct="0">
+            <a:pPr marL="342900" indent="-342900">
               <a:lnSpc>
-                <a:spcPct val="100000"/>
+                <a:spcPct val="115000"/>
               </a:lnSpc>
-              <a:spcBef>
-                <a:spcPct val="0"/>
-              </a:spcBef>
               <a:spcAft>
-                <a:spcPct val="0"/>
+                <a:spcPts val="800"/>
               </a:spcAft>
-              <a:buClrTx/>
-              <a:buSzTx/>
-              <a:buFontTx/>
-              <a:buNone/>
-              <a:tabLst/>
+              <a:buFont typeface="+mj-lt"/>
+              <a:buAutoNum type="arabicPeriod"/>
             </a:pPr>
-            <a:endParaRPr kumimoji="0" lang="ru-RU" altLang="ru-RU" sz="2000" b="1" i="0" u="none" strike="noStrike" cap="none" normalizeH="0" baseline="0" dirty="0">
-              <a:ln>
-                <a:noFill/>
-              </a:ln>
+            <a:r>
+              <a:rPr lang="ru-RU" sz="2200" b="1" dirty="0">
+                <a:ln w="0"/>
+                <a:solidFill>
+                  <a:srgbClr val="FF9933"/>
+                </a:solidFill>
+                <a:effectLst>
+                  <a:outerShdw blurRad="38100" dist="19050" dir="2700000" algn="tl" rotWithShape="0">
+                    <a:schemeClr val="dk1">
+                      <a:alpha val="40000"/>
+                    </a:schemeClr>
+                  </a:outerShdw>
+                </a:effectLst>
+                <a:ea typeface="Times New Roman" panose="02020603050405020304" pitchFamily="18" charset="0"/>
+                <a:cs typeface="Times New Roman" panose="02020603050405020304" pitchFamily="18" charset="0"/>
+              </a:rPr>
+              <a:t>В окне нажать на «Изменение </a:t>
+            </a:r>
+            <a:r>
+              <a:rPr lang="ru-RU" sz="2200" b="1" dirty="0" err="1">
+                <a:ln w="0"/>
+                <a:solidFill>
+                  <a:srgbClr val="FF9933"/>
+                </a:solidFill>
+                <a:effectLst>
+                  <a:outerShdw blurRad="38100" dist="19050" dir="2700000" algn="tl" rotWithShape="0">
+                    <a:schemeClr val="dk1">
+                      <a:alpha val="40000"/>
+                    </a:schemeClr>
+                  </a:outerShdw>
+                </a:effectLst>
+                <a:ea typeface="Times New Roman" panose="02020603050405020304" pitchFamily="18" charset="0"/>
+                <a:cs typeface="Times New Roman" panose="02020603050405020304" pitchFamily="18" charset="0"/>
+              </a:rPr>
+              <a:t>видеобучения</a:t>
+            </a:r>
+            <a:r>
+              <a:rPr lang="ru-RU" sz="2200" b="1" dirty="0">
+                <a:ln w="0"/>
+                <a:solidFill>
+                  <a:srgbClr val="FF9933"/>
+                </a:solidFill>
+                <a:effectLst>
+                  <a:outerShdw blurRad="38100" dist="19050" dir="2700000" algn="tl" rotWithShape="0">
+                    <a:schemeClr val="dk1">
+                      <a:alpha val="40000"/>
+                    </a:schemeClr>
+                  </a:outerShdw>
+                </a:effectLst>
+                <a:ea typeface="Times New Roman" panose="02020603050405020304" pitchFamily="18" charset="0"/>
+                <a:cs typeface="Times New Roman" panose="02020603050405020304" pitchFamily="18" charset="0"/>
+              </a:rPr>
+              <a:t>»</a:t>
+            </a:r>
+            <a:endParaRPr lang="ru-RU" sz="2200" b="1" dirty="0">
+              <a:ln w="0"/>
               <a:solidFill>
                 <a:srgbClr val="FF9933"/>
               </a:solidFill>
               <a:effectLst>
-                <a:outerShdw blurRad="38100" dist="38100" dir="2700000" algn="tl">
-                  <a:srgbClr val="000000">
-                    <a:alpha val="43137"/>
-                  </a:srgbClr>
+                <a:outerShdw blurRad="38100" dist="19050" dir="2700000" algn="tl" rotWithShape="0">
+                  <a:schemeClr val="dk1">
+                    <a:alpha val="40000"/>
+                  </a:schemeClr>
                 </a:outerShdw>
               </a:effectLst>
+              <a:ea typeface="Calibri" panose="020F0502020204030204" pitchFamily="34" charset="0"/>
+              <a:cs typeface="Times New Roman" panose="02020603050405020304" pitchFamily="18" charset="0"/>
             </a:endParaRPr>
           </a:p>
-        </p:txBody>
-      </p:sp>
-      <p:pic>
-        <p:nvPicPr>
-          <p:cNvPr id="4" name="Рисунок 3">
-            <a:extLst>
-              <a:ext uri="{FF2B5EF4-FFF2-40B4-BE49-F238E27FC236}">
-                <a16:creationId xmlns:a16="http://schemas.microsoft.com/office/drawing/2014/main" id="{AA8EEC04-7848-43DC-9893-33D32322F49D}"/>
-              </a:ext>
-            </a:extLst>
-          </p:cNvPr>
-          <p:cNvPicPr>
-            <a:picLocks noChangeAspect="1"/>
-          </p:cNvPicPr>
-          <p:nvPr/>
-        </p:nvPicPr>
-        <p:blipFill>
-          <a:blip r:embed="rId4"/>
-          <a:stretch>
-            <a:fillRect/>
-          </a:stretch>
-        </p:blipFill>
-        <p:spPr>
-          <a:xfrm>
-            <a:off x="259355" y="4427715"/>
-            <a:ext cx="8592138" cy="1744486"/>
-          </a:xfrm>
-          <a:prstGeom prst="rect">
-            <a:avLst/>
-          </a:prstGeom>
-          <a:ln w="3175">
-            <a:solidFill>
-              <a:srgbClr val="8C3FC5"/>
-            </a:solidFill>
-          </a:ln>
-          <a:effectLst>
-            <a:glow rad="101600">
-              <a:srgbClr val="8C3FC5">
-                <a:alpha val="60000"/>
-              </a:srgbClr>
-            </a:glow>
-          </a:effectLst>
-        </p:spPr>
-      </p:pic>
+          <a:p>
+            <a:pPr marL="342900" indent="-342900">
+              <a:lnSpc>
+                <a:spcPct val="115000"/>
+              </a:lnSpc>
+              <a:spcAft>
+                <a:spcPts val="800"/>
+              </a:spcAft>
+              <a:buFont typeface="+mj-lt"/>
+              <a:buAutoNum type="arabicPeriod"/>
+            </a:pPr>
+            <a:r>
+              <a:rPr lang="ru-RU" sz="2200" b="1" dirty="0">
+                <a:ln w="0"/>
+                <a:solidFill>
+                  <a:srgbClr val="FF9933"/>
+                </a:solidFill>
+                <a:effectLst>
+                  <a:outerShdw blurRad="38100" dist="19050" dir="2700000" algn="tl" rotWithShape="0">
+                    <a:schemeClr val="dk1">
+                      <a:alpha val="40000"/>
+                    </a:schemeClr>
+                  </a:outerShdw>
+                </a:effectLst>
+                <a:ea typeface="Times New Roman" panose="02020603050405020304" pitchFamily="18" charset="0"/>
+                <a:cs typeface="Times New Roman" panose="02020603050405020304" pitchFamily="18" charset="0"/>
+              </a:rPr>
+              <a:t>Нажать на кнопку сохранить</a:t>
+            </a:r>
+            <a:endParaRPr lang="ru-RU" sz="2200" b="1" dirty="0">
+              <a:ln w="0"/>
+              <a:solidFill>
+                <a:srgbClr val="FF9933"/>
+              </a:solidFill>
+              <a:effectLst>
+                <a:outerShdw blurRad="38100" dist="19050" dir="2700000" algn="tl" rotWithShape="0">
+                  <a:schemeClr val="dk1">
+                    <a:alpha val="40000"/>
+                  </a:schemeClr>
+                </a:outerShdw>
+              </a:effectLst>
+              <a:ea typeface="Calibri" panose="020F0502020204030204" pitchFamily="34" charset="0"/>
+              <a:cs typeface="Times New Roman" panose="02020603050405020304" pitchFamily="18" charset="0"/>
+            </a:endParaRPr>
+          </a:p>
+          <a:p>
+            <a:pPr indent="450215">
+              <a:lnSpc>
+                <a:spcPct val="115000"/>
+              </a:lnSpc>
+              <a:spcAft>
+                <a:spcPts val="800"/>
+              </a:spcAft>
+            </a:pPr>
+            <a:r>
+              <a:rPr lang="ru-RU" sz="2200" b="1" dirty="0">
+                <a:ln w="0"/>
+                <a:solidFill>
+                  <a:srgbClr val="FF9933"/>
+                </a:solidFill>
+                <a:effectLst>
+                  <a:outerShdw blurRad="38100" dist="19050" dir="2700000" algn="tl" rotWithShape="0">
+                    <a:schemeClr val="dk1">
+                      <a:alpha val="40000"/>
+                    </a:schemeClr>
+                  </a:outerShdw>
+                </a:effectLst>
+                <a:ea typeface="Times New Roman" panose="02020603050405020304" pitchFamily="18" charset="0"/>
+                <a:cs typeface="Times New Roman" panose="02020603050405020304" pitchFamily="18" charset="0"/>
+              </a:rPr>
+              <a:t>Ожидаемый результат:</a:t>
+            </a:r>
+            <a:endParaRPr lang="ru-RU" sz="2200" b="1" dirty="0">
+              <a:ln w="0"/>
+              <a:solidFill>
+                <a:srgbClr val="FF9933"/>
+              </a:solidFill>
+              <a:effectLst>
+                <a:outerShdw blurRad="38100" dist="19050" dir="2700000" algn="tl" rotWithShape="0">
+                  <a:schemeClr val="dk1">
+                    <a:alpha val="40000"/>
+                  </a:schemeClr>
+                </a:outerShdw>
+              </a:effectLst>
+              <a:ea typeface="Calibri" panose="020F0502020204030204" pitchFamily="34" charset="0"/>
+              <a:cs typeface="Times New Roman" panose="02020603050405020304" pitchFamily="18" charset="0"/>
+            </a:endParaRPr>
+          </a:p>
+          <a:p>
+            <a:pPr marL="342900" lvl="0" indent="-342900">
+              <a:lnSpc>
+                <a:spcPct val="115000"/>
+              </a:lnSpc>
+              <a:buFont typeface="+mj-lt"/>
+              <a:buAutoNum type="arabicPeriod"/>
+            </a:pPr>
+            <a:r>
+              <a:rPr lang="ru-RU" sz="2200" b="1" dirty="0" err="1">
+                <a:ln w="0"/>
+                <a:solidFill>
+                  <a:srgbClr val="FF9933"/>
+                </a:solidFill>
+                <a:effectLst>
+                  <a:outerShdw blurRad="38100" dist="19050" dir="2700000" algn="tl" rotWithShape="0">
+                    <a:schemeClr val="dk1">
+                      <a:alpha val="40000"/>
+                    </a:schemeClr>
+                  </a:outerShdw>
+                </a:effectLst>
+                <a:ea typeface="Times New Roman" panose="02020603050405020304" pitchFamily="18" charset="0"/>
+                <a:cs typeface="Times New Roman" panose="02020603050405020304" pitchFamily="18" charset="0"/>
+              </a:rPr>
+              <a:t>Видеобучение</a:t>
+            </a:r>
+            <a:r>
+              <a:rPr lang="ru-RU" sz="2200" b="1" dirty="0">
+                <a:ln w="0"/>
+                <a:solidFill>
+                  <a:srgbClr val="FF9933"/>
+                </a:solidFill>
+                <a:effectLst>
+                  <a:outerShdw blurRad="38100" dist="19050" dir="2700000" algn="tl" rotWithShape="0">
+                    <a:schemeClr val="dk1">
+                      <a:alpha val="40000"/>
+                    </a:schemeClr>
+                  </a:outerShdw>
+                </a:effectLst>
+                <a:ea typeface="Times New Roman" panose="02020603050405020304" pitchFamily="18" charset="0"/>
+                <a:cs typeface="Times New Roman" panose="02020603050405020304" pitchFamily="18" charset="0"/>
+              </a:rPr>
+              <a:t> обновлено</a:t>
+            </a:r>
+            <a:endParaRPr lang="ru-RU" sz="2200" b="1" dirty="0">
+              <a:ln w="0"/>
+              <a:solidFill>
+                <a:srgbClr val="FF9933"/>
+              </a:solidFill>
+              <a:effectLst>
+                <a:outerShdw blurRad="38100" dist="19050" dir="2700000" algn="tl" rotWithShape="0">
+                  <a:schemeClr val="dk1">
+                    <a:alpha val="40000"/>
+                  </a:schemeClr>
+                </a:outerShdw>
+              </a:effectLst>
+              <a:ea typeface="Calibri" panose="020F0502020204030204" pitchFamily="34" charset="0"/>
+              <a:cs typeface="Times New Roman" panose="02020603050405020304" pitchFamily="18" charset="0"/>
+            </a:endParaRPr>
+          </a:p>
+          <a:p>
+            <a:pPr marL="342900" lvl="0" indent="-342900">
+              <a:lnSpc>
+                <a:spcPct val="115000"/>
+              </a:lnSpc>
+              <a:spcAft>
+                <a:spcPts val="800"/>
+              </a:spcAft>
+              <a:buFont typeface="+mj-lt"/>
+              <a:buAutoNum type="arabicPeriod"/>
+            </a:pPr>
+            <a:r>
+              <a:rPr lang="ru-RU" sz="2200" b="1" dirty="0">
+                <a:ln w="0"/>
+                <a:solidFill>
+                  <a:srgbClr val="FF9933"/>
+                </a:solidFill>
+                <a:effectLst>
+                  <a:outerShdw blurRad="38100" dist="19050" dir="2700000" algn="tl" rotWithShape="0">
+                    <a:schemeClr val="dk1">
+                      <a:alpha val="40000"/>
+                    </a:schemeClr>
+                  </a:outerShdw>
+                </a:effectLst>
+                <a:ea typeface="Times New Roman" panose="02020603050405020304" pitchFamily="18" charset="0"/>
+                <a:cs typeface="Times New Roman" panose="02020603050405020304" pitchFamily="18" charset="0"/>
+              </a:rPr>
+              <a:t>Пользователи увидят на странице горячие клавиши новое видео</a:t>
+            </a:r>
+            <a:endParaRPr lang="ru-RU" sz="2200" b="1" dirty="0">
+              <a:ln w="0"/>
+              <a:solidFill>
+                <a:srgbClr val="FF9933"/>
+              </a:solidFill>
+              <a:effectLst>
+                <a:outerShdw blurRad="38100" dist="19050" dir="2700000" algn="tl" rotWithShape="0">
+                  <a:schemeClr val="dk1">
+                    <a:alpha val="40000"/>
+                  </a:schemeClr>
+                </a:outerShdw>
+              </a:effectLst>
+              <a:ea typeface="Calibri" panose="020F0502020204030204" pitchFamily="34" charset="0"/>
+              <a:cs typeface="Times New Roman" panose="02020603050405020304" pitchFamily="18" charset="0"/>
+            </a:endParaRPr>
+          </a:p>
+        </p:txBody>
+      </p:sp>
     </p:spTree>
     <p:extLst>
       <p:ext uri="{BB962C8B-B14F-4D97-AF65-F5344CB8AC3E}">
-        <p14:creationId xmlns:p14="http://schemas.microsoft.com/office/powerpoint/2010/main" val="963666440"/>
+        <p14:creationId xmlns:p14="http://schemas.microsoft.com/office/powerpoint/2010/main" val="1293350423"/>
       </p:ext>
     </p:extLst>
   </p:cSld>
   <p:clrMapOvr>
     <a:masterClrMapping/>
   </p:clrMapOvr>
-  <p:transition spd="slow">
-    <p:pull dir="ld"/>
+  <p:transition spd="med">
+    <p:pull/>
   </p:transition>
 </p:sld>
 </file>
@@ -10021,10 +12502,10 @@
       </p:grpSpPr>
       <p:sp>
         <p:nvSpPr>
-          <p:cNvPr id="11" name="Прямоугольник 10">
+          <p:cNvPr id="19" name="Прямоугольник 18">
             <a:extLst>
               <a:ext uri="{FF2B5EF4-FFF2-40B4-BE49-F238E27FC236}">
-                <a16:creationId xmlns:a16="http://schemas.microsoft.com/office/drawing/2014/main" id="{FF70FB42-FB7B-468B-B2AD-F1C1C8C9412A}"/>
+                <a16:creationId xmlns:a16="http://schemas.microsoft.com/office/drawing/2014/main" id="{DEA7151A-6810-465B-8ED7-BB1DEF5F4C59}"/>
               </a:ext>
             </a:extLst>
           </p:cNvPr>
@@ -10033,8 +12514,56 @@
         </p:nvSpPr>
         <p:spPr>
           <a:xfrm>
-            <a:off x="80173" y="-152400"/>
-            <a:ext cx="2087367" cy="923330"/>
+            <a:off x="11506200" y="6334780"/>
+            <a:ext cx="485775" cy="523220"/>
+          </a:xfrm>
+          <a:prstGeom prst="rect">
+            <a:avLst/>
+          </a:prstGeom>
+          <a:noFill/>
+        </p:spPr>
+        <p:txBody>
+          <a:bodyPr wrap="square" lIns="91440" tIns="45720" rIns="91440" bIns="45720">
+            <a:spAutoFit/>
+          </a:bodyPr>
+          <a:lstStyle/>
+          <a:p>
+            <a:pPr algn="ctr"/>
+            <a:r>
+              <a:rPr lang="ru-RU" sz="2800" b="1" cap="none" spc="50" dirty="0">
+                <a:ln w="0"/>
+                <a:solidFill>
+                  <a:schemeClr val="bg2"/>
+                </a:solidFill>
+                <a:effectLst>
+                  <a:innerShdw blurRad="63500" dist="50800" dir="13500000">
+                    <a:srgbClr val="000000">
+                      <a:alpha val="50000"/>
+                    </a:srgbClr>
+                  </a:innerShdw>
+                </a:effectLst>
+              </a:rPr>
+              <a:t>9</a:t>
+            </a:r>
+          </a:p>
+        </p:txBody>
+      </p:sp>
+      <p:sp>
+        <p:nvSpPr>
+          <p:cNvPr id="6" name="Прямоугольник 5">
+            <a:extLst>
+              <a:ext uri="{FF2B5EF4-FFF2-40B4-BE49-F238E27FC236}">
+                <a16:creationId xmlns:a16="http://schemas.microsoft.com/office/drawing/2014/main" id="{A874DB9C-0A48-46A6-B7A1-78890750E622}"/>
+              </a:ext>
+            </a:extLst>
+          </p:cNvPr>
+          <p:cNvSpPr/>
+          <p:nvPr/>
+        </p:nvSpPr>
+        <p:spPr>
+          <a:xfrm>
+            <a:off x="1147593" y="72063"/>
+            <a:ext cx="9896813" cy="923330"/>
           </a:xfrm>
           <a:prstGeom prst="rect">
             <a:avLst/>
@@ -10069,27 +12598,27 @@
                   </a:outerShdw>
                 </a:effectLst>
               </a:rPr>
-              <a:t>Вывод</a:t>
-            </a:r>
-          </a:p>
-        </p:txBody>
-      </p:sp>
-      <p:sp>
-        <p:nvSpPr>
-          <p:cNvPr id="19" name="Прямоугольник 18">
+              <a:t>Инструкция для администратора</a:t>
+            </a:r>
+          </a:p>
+        </p:txBody>
+      </p:sp>
+      <p:sp>
+        <p:nvSpPr>
+          <p:cNvPr id="5" name="TextBox 4">
             <a:extLst>
               <a:ext uri="{FF2B5EF4-FFF2-40B4-BE49-F238E27FC236}">
-                <a16:creationId xmlns:a16="http://schemas.microsoft.com/office/drawing/2014/main" id="{DEA7151A-6810-465B-8ED7-BB1DEF5F4C59}"/>
+                <a16:creationId xmlns:a16="http://schemas.microsoft.com/office/drawing/2014/main" id="{566B4776-F81A-4BFE-89A8-430419D32775}"/>
               </a:ext>
             </a:extLst>
           </p:cNvPr>
-          <p:cNvSpPr/>
+          <p:cNvSpPr txBox="1"/>
           <p:nvPr/>
         </p:nvSpPr>
         <p:spPr>
           <a:xfrm>
-            <a:off x="11724640" y="6334780"/>
-            <a:ext cx="370663" cy="523220"/>
+            <a:off x="96697" y="995393"/>
+            <a:ext cx="11771453" cy="4373248"/>
           </a:xfrm>
           <a:prstGeom prst="rect">
             <a:avLst/>
@@ -10097,115 +12626,52 @@
           <a:noFill/>
         </p:spPr>
         <p:txBody>
-          <a:bodyPr wrap="square" lIns="91440" tIns="45720" rIns="91440" bIns="45720">
+          <a:bodyPr wrap="square">
             <a:spAutoFit/>
           </a:bodyPr>
           <a:lstStyle/>
           <a:p>
-            <a:pPr algn="ctr"/>
-            <a:r>
-              <a:rPr lang="ru-RU" sz="2800" b="1" cap="none" spc="50" dirty="0">
-                <a:ln w="0"/>
-                <a:solidFill>
-                  <a:schemeClr val="bg2"/>
-                </a:solidFill>
-                <a:effectLst>
-                  <a:innerShdw blurRad="63500" dist="50800" dir="13500000">
-                    <a:srgbClr val="000000">
-                      <a:alpha val="50000"/>
-                    </a:srgbClr>
-                  </a:innerShdw>
-                </a:effectLst>
-              </a:rPr>
-              <a:t>9</a:t>
-            </a:r>
-          </a:p>
-        </p:txBody>
-      </p:sp>
-      <p:sp>
-        <p:nvSpPr>
-          <p:cNvPr id="4" name="Rectangle 1">
-            <a:extLst>
-              <a:ext uri="{FF2B5EF4-FFF2-40B4-BE49-F238E27FC236}">
-                <a16:creationId xmlns:a16="http://schemas.microsoft.com/office/drawing/2014/main" id="{ACA610D8-C3DA-4777-9EF1-D6566E2B49F2}"/>
-              </a:ext>
-            </a:extLst>
-          </p:cNvPr>
-          <p:cNvSpPr>
-            <a:spLocks noChangeArrowheads="1"/>
-          </p:cNvSpPr>
-          <p:nvPr/>
-        </p:nvSpPr>
-        <p:spPr bwMode="auto">
-          <a:xfrm>
-            <a:off x="80173" y="709936"/>
-            <a:ext cx="12104097" cy="4154984"/>
-          </a:xfrm>
-          <a:prstGeom prst="rect">
-            <a:avLst/>
-          </a:prstGeom>
-          <a:noFill/>
-          <a:ln>
-            <a:noFill/>
-          </a:ln>
-          <a:effectLst/>
-          <a:extLst>
-            <a:ext uri="{909E8E84-426E-40DD-AFC4-6F175D3DCCD1}">
-              <a14:hiddenFill xmlns:a14="http://schemas.microsoft.com/office/drawing/2010/main">
-                <a:solidFill>
-                  <a:schemeClr val="accent1"/>
-                </a:solidFill>
-              </a14:hiddenFill>
-            </a:ext>
-            <a:ext uri="{91240B29-F687-4F45-9708-019B960494DF}">
-              <a14:hiddenLine xmlns:a14="http://schemas.microsoft.com/office/drawing/2010/main" w="9525">
-                <a:solidFill>
-                  <a:schemeClr val="tx1"/>
-                </a:solidFill>
-                <a:miter lim="800000"/>
-                <a:headEnd/>
-                <a:tailEnd/>
-              </a14:hiddenLine>
-            </a:ext>
-            <a:ext uri="{AF507438-7753-43E0-B8FC-AC1667EBCBE1}">
-              <a14:hiddenEffects xmlns:a14="http://schemas.microsoft.com/office/drawing/2010/main">
-                <a:effectLst>
-                  <a:outerShdw dist="35921" dir="2700000" algn="ctr" rotWithShape="0">
-                    <a:schemeClr val="bg2"/>
-                  </a:outerShdw>
-                </a:effectLst>
-              </a14:hiddenEffects>
-            </a:ext>
-          </a:extLst>
-        </p:spPr>
-        <p:txBody>
-          <a:bodyPr vert="horz" wrap="square" lIns="91440" tIns="45720" rIns="91440" bIns="45720" numCol="1" anchor="ctr" anchorCtr="0" compatLnSpc="1">
-            <a:prstTxWarp prst="textNoShape">
-              <a:avLst/>
-            </a:prstTxWarp>
-            <a:spAutoFit/>
-          </a:bodyPr>
-          <a:lstStyle/>
-          <a:p>
-            <a:pPr marL="342900" marR="0" lvl="0" indent="-342900" algn="l" defTabSz="914400" rtl="0" eaLnBrk="0" fontAlgn="base" latinLnBrk="0" hangingPunct="0">
+            <a:pPr indent="450215">
               <a:lnSpc>
-                <a:spcPct val="100000"/>
+                <a:spcPct val="115000"/>
               </a:lnSpc>
-              <a:spcBef>
-                <a:spcPct val="0"/>
-              </a:spcBef>
               <a:spcAft>
-                <a:spcPct val="0"/>
+                <a:spcPts val="800"/>
               </a:spcAft>
-              <a:buClrTx/>
-              <a:buSzTx/>
-              <a:buFont typeface="Arial" panose="020B0604020202020204" pitchFamily="34" charset="0"/>
-              <a:buChar char="•"/>
-              <a:tabLst/>
             </a:pPr>
             <a:r>
-              <a:rPr lang="ru-RU" altLang="ru-RU" sz="2400" b="1" dirty="0">
-                <a:ln w="0"/>
+              <a:rPr lang="ru-RU" sz="2200" b="1" dirty="0">
+                <a:solidFill>
+                  <a:srgbClr val="FFFF00"/>
+                </a:solidFill>
+                <a:effectLst/>
+                <a:latin typeface="Times New Roman" panose="02020603050405020304" pitchFamily="18" charset="0"/>
+                <a:ea typeface="Times New Roman" panose="02020603050405020304" pitchFamily="18" charset="0"/>
+                <a:cs typeface="Times New Roman" panose="02020603050405020304" pitchFamily="18" charset="0"/>
+              </a:rPr>
+              <a:t>Функция: Просмотр результатов обучения</a:t>
+            </a:r>
+            <a:endParaRPr lang="ru-RU" sz="2200" dirty="0">
+              <a:solidFill>
+                <a:srgbClr val="FFFF00"/>
+              </a:solidFill>
+              <a:effectLst/>
+              <a:latin typeface="Calibri" panose="020F0502020204030204" pitchFamily="34" charset="0"/>
+              <a:ea typeface="Calibri" panose="020F0502020204030204" pitchFamily="34" charset="0"/>
+              <a:cs typeface="Times New Roman" panose="02020603050405020304" pitchFamily="18" charset="0"/>
+            </a:endParaRPr>
+          </a:p>
+          <a:p>
+            <a:pPr indent="450215">
+              <a:lnSpc>
+                <a:spcPct val="115000"/>
+              </a:lnSpc>
+              <a:spcAft>
+                <a:spcPts val="800"/>
+              </a:spcAft>
+            </a:pPr>
+            <a:r>
+              <a:rPr lang="ru-RU" sz="2200" b="1" dirty="0">
                 <a:solidFill>
                   <a:srgbClr val="FF9933"/>
                 </a:solidFill>
@@ -10216,241 +12682,12 @@
                     </a:srgbClr>
                   </a:outerShdw>
                 </a:effectLst>
-              </a:rPr>
-              <a:t>Работа по предметной области выполнена на 60%</a:t>
-            </a:r>
-          </a:p>
-          <a:p>
-            <a:pPr marL="342900" marR="0" lvl="0" indent="-342900" algn="l" defTabSz="914400" rtl="0" eaLnBrk="0" fontAlgn="base" latinLnBrk="0" hangingPunct="0">
-              <a:lnSpc>
-                <a:spcPct val="100000"/>
-              </a:lnSpc>
-              <a:spcBef>
-                <a:spcPct val="0"/>
-              </a:spcBef>
-              <a:spcAft>
-                <a:spcPct val="0"/>
-              </a:spcAft>
-              <a:buClrTx/>
-              <a:buSzTx/>
-              <a:buFont typeface="Arial" panose="020B0604020202020204" pitchFamily="34" charset="0"/>
-              <a:buChar char="•"/>
-              <a:tabLst/>
-            </a:pPr>
-            <a:r>
-              <a:rPr kumimoji="0" lang="ru-RU" altLang="ru-RU" sz="2400" b="1" i="0" u="none" strike="noStrike" normalizeH="0" baseline="0" dirty="0">
-                <a:ln w="0"/>
-                <a:solidFill>
-                  <a:srgbClr val="FF9933"/>
-                </a:solidFill>
-                <a:effectLst>
-                  <a:outerShdw blurRad="38100" dist="38100" dir="2700000" algn="tl">
-                    <a:srgbClr val="000000">
-                      <a:alpha val="43137"/>
-                    </a:srgbClr>
-                  </a:outerShdw>
-                </a:effectLst>
-              </a:rPr>
-              <a:t>В дальнейшем планируется реализова</a:t>
-            </a:r>
-            <a:r>
-              <a:rPr lang="ru-RU" altLang="ru-RU" sz="2400" b="1" dirty="0">
-                <a:ln w="0"/>
-                <a:solidFill>
-                  <a:srgbClr val="FF9933"/>
-                </a:solidFill>
-                <a:effectLst>
-                  <a:outerShdw blurRad="38100" dist="38100" dir="2700000" algn="tl">
-                    <a:srgbClr val="000000">
-                      <a:alpha val="43137"/>
-                    </a:srgbClr>
-                  </a:outerShdw>
-                </a:effectLst>
-              </a:rPr>
-              <a:t>ть</a:t>
-            </a:r>
-            <a:r>
-              <a:rPr lang="en-US" altLang="ru-RU" sz="2400" b="1" dirty="0">
-                <a:ln w="0"/>
-                <a:solidFill>
-                  <a:srgbClr val="FF9933"/>
-                </a:solidFill>
-                <a:effectLst>
-                  <a:outerShdw blurRad="38100" dist="38100" dir="2700000" algn="tl">
-                    <a:srgbClr val="000000">
-                      <a:alpha val="43137"/>
-                    </a:srgbClr>
-                  </a:outerShdw>
-                </a:effectLst>
-              </a:rPr>
-              <a:t>: </a:t>
-            </a:r>
-            <a:r>
-              <a:rPr lang="ru-RU" altLang="ru-RU" sz="2400" b="1" dirty="0">
-                <a:ln w="0"/>
-                <a:solidFill>
-                  <a:srgbClr val="FF9933"/>
-                </a:solidFill>
-                <a:effectLst>
-                  <a:outerShdw blurRad="38100" dist="38100" dir="2700000" algn="tl">
-                    <a:srgbClr val="000000">
-                      <a:alpha val="43137"/>
-                    </a:srgbClr>
-                  </a:outerShdw>
-                </a:effectLst>
-              </a:rPr>
-              <a:t>обновленную интерактивную клавиатуру для изучения горячих клавиш (был создан не полностью рабочий макет), полностью автоматический учет статистики, перевод всех данных в БД, реализовать «Скорость печати с использованием текста от нейросети».</a:t>
-            </a:r>
-          </a:p>
-          <a:p>
-            <a:pPr marL="342900" marR="0" lvl="0" indent="-342900" algn="l" defTabSz="914400" rtl="0" eaLnBrk="0" fontAlgn="base" latinLnBrk="0" hangingPunct="0">
-              <a:lnSpc>
-                <a:spcPct val="100000"/>
-              </a:lnSpc>
-              <a:spcBef>
-                <a:spcPct val="0"/>
-              </a:spcBef>
-              <a:spcAft>
-                <a:spcPct val="0"/>
-              </a:spcAft>
-              <a:buClrTx/>
-              <a:buSzTx/>
-              <a:buFont typeface="Arial" panose="020B0604020202020204" pitchFamily="34" charset="0"/>
-              <a:buChar char="•"/>
-              <a:tabLst/>
-            </a:pPr>
-            <a:r>
-              <a:rPr lang="ru-RU" altLang="ru-RU" sz="2400" b="1" dirty="0">
-                <a:ln w="0"/>
-                <a:solidFill>
-                  <a:srgbClr val="FF9933"/>
-                </a:solidFill>
-                <a:effectLst>
-                  <a:outerShdw blurRad="38100" dist="38100" dir="2700000" algn="tl">
-                    <a:srgbClr val="000000">
-                      <a:alpha val="43137"/>
-                    </a:srgbClr>
-                  </a:outerShdw>
-                </a:effectLst>
-              </a:rPr>
-              <a:t>В следующий раз нужно будет сделать по-другому</a:t>
-            </a:r>
-            <a:r>
-              <a:rPr lang="en-US" altLang="ru-RU" sz="2400" b="1" dirty="0">
-                <a:ln w="0"/>
-                <a:solidFill>
-                  <a:srgbClr val="FF9933"/>
-                </a:solidFill>
-                <a:effectLst>
-                  <a:outerShdw blurRad="38100" dist="38100" dir="2700000" algn="tl">
-                    <a:srgbClr val="000000">
-                      <a:alpha val="43137"/>
-                    </a:srgbClr>
-                  </a:outerShdw>
-                </a:effectLst>
-              </a:rPr>
-              <a:t>: </a:t>
-            </a:r>
-            <a:r>
-              <a:rPr lang="ru-RU" altLang="ru-RU" sz="2400" b="1" dirty="0">
-                <a:ln w="0"/>
-                <a:solidFill>
-                  <a:srgbClr val="FF9933"/>
-                </a:solidFill>
-                <a:effectLst>
-                  <a:outerShdw blurRad="38100" dist="38100" dir="2700000" algn="tl">
-                    <a:srgbClr val="000000">
-                      <a:alpha val="43137"/>
-                    </a:srgbClr>
-                  </a:outerShdw>
-                </a:effectLst>
-              </a:rPr>
-              <a:t>интерактивную клавиатуру, возникли проблемы с захватом клавиатуры, некоторые функциональные клавиши нельзя захватить с помощью сайта, возможно для реализации клавиатуры потребуется создавать отдельное ПО.</a:t>
-            </a:r>
-          </a:p>
-          <a:p>
-            <a:pPr marL="342900" marR="0" lvl="0" indent="-342900" algn="l" defTabSz="914400" rtl="0" eaLnBrk="0" fontAlgn="base" latinLnBrk="0" hangingPunct="0">
-              <a:lnSpc>
-                <a:spcPct val="100000"/>
-              </a:lnSpc>
-              <a:spcBef>
-                <a:spcPct val="0"/>
-              </a:spcBef>
-              <a:spcAft>
-                <a:spcPct val="0"/>
-              </a:spcAft>
-              <a:buClrTx/>
-              <a:buSzTx/>
-              <a:buFont typeface="Arial" panose="020B0604020202020204" pitchFamily="34" charset="0"/>
-              <a:buChar char="•"/>
-              <a:tabLst/>
-            </a:pPr>
-            <a:r>
-              <a:rPr kumimoji="0" lang="ru-RU" altLang="ru-RU" sz="2400" b="1" i="0" u="none" strike="noStrike" normalizeH="0" baseline="0" dirty="0">
-                <a:ln w="0"/>
-                <a:solidFill>
-                  <a:srgbClr val="FF9933"/>
-                </a:solidFill>
-                <a:effectLst>
-                  <a:outerShdw blurRad="38100" dist="38100" dir="2700000" algn="tl">
-                    <a:srgbClr val="000000">
-                      <a:alpha val="43137"/>
-                    </a:srgbClr>
-                  </a:outerShdw>
-                </a:effectLst>
-              </a:rPr>
-              <a:t>Особенно мне удал</a:t>
-            </a:r>
-            <a:r>
-              <a:rPr lang="ru-RU" altLang="ru-RU" sz="2400" b="1" dirty="0">
-                <a:ln w="0"/>
-                <a:solidFill>
-                  <a:srgbClr val="FF9933"/>
-                </a:solidFill>
-                <a:effectLst>
-                  <a:outerShdw blurRad="38100" dist="38100" dir="2700000" algn="tl">
-                    <a:srgbClr val="000000">
-                      <a:alpha val="43137"/>
-                    </a:srgbClr>
-                  </a:outerShdw>
-                </a:effectLst>
-              </a:rPr>
-              <a:t>ось сделать следующие функции</a:t>
-            </a:r>
-            <a:r>
-              <a:rPr lang="en-US" altLang="ru-RU" sz="2400" b="1" dirty="0">
-                <a:ln w="0"/>
-                <a:solidFill>
-                  <a:srgbClr val="FF9933"/>
-                </a:solidFill>
-                <a:effectLst>
-                  <a:outerShdw blurRad="38100" dist="38100" dir="2700000" algn="tl">
-                    <a:srgbClr val="000000">
-                      <a:alpha val="43137"/>
-                    </a:srgbClr>
-                  </a:outerShdw>
-                </a:effectLst>
-              </a:rPr>
-              <a:t>: </a:t>
-            </a:r>
-            <a:r>
-              <a:rPr lang="ru-RU" altLang="ru-RU" sz="2400" b="1" dirty="0">
-                <a:ln w="0"/>
-                <a:solidFill>
-                  <a:srgbClr val="FF9933"/>
-                </a:solidFill>
-                <a:effectLst>
-                  <a:outerShdw blurRad="38100" dist="38100" dir="2700000" algn="tl">
-                    <a:srgbClr val="000000">
-                      <a:alpha val="43137"/>
-                    </a:srgbClr>
-                  </a:outerShdw>
-                </a:effectLst>
-              </a:rPr>
-              <a:t>«Статьи», «Личный кабинет», «Скорость печати» и темную тему для сайта</a:t>
-            </a:r>
-            <a:endParaRPr kumimoji="0" lang="ru-RU" altLang="ru-RU" sz="2400" b="1" i="0" u="none" strike="noStrike" normalizeH="0" baseline="0" dirty="0">
-              <a:ln w="0"/>
+                <a:ea typeface="Times New Roman" panose="02020603050405020304" pitchFamily="18" charset="0"/>
+                <a:cs typeface="Times New Roman" panose="02020603050405020304" pitchFamily="18" charset="0"/>
+              </a:rPr>
+              <a:t>Действия администратора:</a:t>
+            </a:r>
+            <a:endParaRPr lang="ru-RU" sz="2200" b="1" dirty="0">
               <a:solidFill>
                 <a:srgbClr val="FF9933"/>
               </a:solidFill>
@@ -10461,74 +12698,343 @@
                   </a:srgbClr>
                 </a:outerShdw>
               </a:effectLst>
+              <a:ea typeface="Calibri" panose="020F0502020204030204" pitchFamily="34" charset="0"/>
+              <a:cs typeface="Times New Roman" panose="02020603050405020304" pitchFamily="18" charset="0"/>
             </a:endParaRPr>
           </a:p>
-        </p:txBody>
-      </p:sp>
-      <p:pic>
-        <p:nvPicPr>
-          <p:cNvPr id="3" name="Рисунок 2">
-            <a:extLst>
-              <a:ext uri="{FF2B5EF4-FFF2-40B4-BE49-F238E27FC236}">
-                <a16:creationId xmlns:a16="http://schemas.microsoft.com/office/drawing/2014/main" id="{EE966245-7C79-4CE6-9DAF-82E190A46728}"/>
-              </a:ext>
-            </a:extLst>
-          </p:cNvPr>
-          <p:cNvPicPr>
-            <a:picLocks noChangeAspect="1"/>
-          </p:cNvPicPr>
-          <p:nvPr/>
-        </p:nvPicPr>
-        <p:blipFill>
-          <a:blip r:embed="rId3"/>
-          <a:stretch>
-            <a:fillRect/>
-          </a:stretch>
-        </p:blipFill>
-        <p:spPr>
-          <a:xfrm>
-            <a:off x="378373" y="4909150"/>
-            <a:ext cx="4966138" cy="1636212"/>
-          </a:xfrm>
-          <a:prstGeom prst="rect">
-            <a:avLst/>
-          </a:prstGeom>
-        </p:spPr>
-      </p:pic>
-      <p:pic>
-        <p:nvPicPr>
-          <p:cNvPr id="6" name="Рисунок 5">
-            <a:extLst>
-              <a:ext uri="{FF2B5EF4-FFF2-40B4-BE49-F238E27FC236}">
-                <a16:creationId xmlns:a16="http://schemas.microsoft.com/office/drawing/2014/main" id="{3AB0AC93-95D1-43B0-98F1-8E038C091CA4}"/>
-              </a:ext>
-            </a:extLst>
-          </p:cNvPr>
-          <p:cNvPicPr>
-            <a:picLocks noChangeAspect="1"/>
-          </p:cNvPicPr>
-          <p:nvPr/>
-        </p:nvPicPr>
-        <p:blipFill>
-          <a:blip r:embed="rId4"/>
-          <a:stretch>
-            <a:fillRect/>
-          </a:stretch>
-        </p:blipFill>
-        <p:spPr>
-          <a:xfrm>
-            <a:off x="6724166" y="4764567"/>
-            <a:ext cx="3710152" cy="1780795"/>
-          </a:xfrm>
-          <a:prstGeom prst="rect">
-            <a:avLst/>
-          </a:prstGeom>
-        </p:spPr>
-      </p:pic>
+          <a:p>
+            <a:pPr marL="342900" lvl="0" indent="-342900">
+              <a:lnSpc>
+                <a:spcPct val="115000"/>
+              </a:lnSpc>
+              <a:buFont typeface="+mj-lt"/>
+              <a:buAutoNum type="arabicPeriod"/>
+            </a:pPr>
+            <a:r>
+              <a:rPr lang="ru-RU" sz="2200" b="1" dirty="0">
+                <a:solidFill>
+                  <a:srgbClr val="FF9933"/>
+                </a:solidFill>
+                <a:effectLst>
+                  <a:outerShdw blurRad="38100" dist="38100" dir="2700000" algn="tl">
+                    <a:srgbClr val="000000">
+                      <a:alpha val="43137"/>
+                    </a:srgbClr>
+                  </a:outerShdw>
+                </a:effectLst>
+                <a:ea typeface="Times New Roman" panose="02020603050405020304" pitchFamily="18" charset="0"/>
+                <a:cs typeface="Times New Roman" panose="02020603050405020304" pitchFamily="18" charset="0"/>
+              </a:rPr>
+              <a:t>Перейти в личный кабинет</a:t>
+            </a:r>
+            <a:endParaRPr lang="ru-RU" sz="2200" b="1" dirty="0">
+              <a:solidFill>
+                <a:srgbClr val="FF9933"/>
+              </a:solidFill>
+              <a:effectLst>
+                <a:outerShdw blurRad="38100" dist="38100" dir="2700000" algn="tl">
+                  <a:srgbClr val="000000">
+                    <a:alpha val="43137"/>
+                  </a:srgbClr>
+                </a:outerShdw>
+              </a:effectLst>
+              <a:ea typeface="Calibri" panose="020F0502020204030204" pitchFamily="34" charset="0"/>
+              <a:cs typeface="Times New Roman" panose="02020603050405020304" pitchFamily="18" charset="0"/>
+            </a:endParaRPr>
+          </a:p>
+          <a:p>
+            <a:pPr marL="342900" lvl="0" indent="-342900">
+              <a:lnSpc>
+                <a:spcPct val="115000"/>
+              </a:lnSpc>
+              <a:buFont typeface="+mj-lt"/>
+              <a:buAutoNum type="arabicPeriod"/>
+            </a:pPr>
+            <a:r>
+              <a:rPr lang="ru-RU" sz="2200" b="1" dirty="0">
+                <a:solidFill>
+                  <a:srgbClr val="FF9933"/>
+                </a:solidFill>
+                <a:effectLst>
+                  <a:outerShdw blurRad="38100" dist="38100" dir="2700000" algn="tl">
+                    <a:srgbClr val="000000">
+                      <a:alpha val="43137"/>
+                    </a:srgbClr>
+                  </a:outerShdw>
+                </a:effectLst>
+                <a:ea typeface="Times New Roman" panose="02020603050405020304" pitchFamily="18" charset="0"/>
+                <a:cs typeface="Times New Roman" panose="02020603050405020304" pitchFamily="18" charset="0"/>
+              </a:rPr>
+              <a:t>Нажать «Администрирование»</a:t>
+            </a:r>
+            <a:endParaRPr lang="ru-RU" sz="2200" b="1" dirty="0">
+              <a:solidFill>
+                <a:srgbClr val="FF9933"/>
+              </a:solidFill>
+              <a:effectLst>
+                <a:outerShdw blurRad="38100" dist="38100" dir="2700000" algn="tl">
+                  <a:srgbClr val="000000">
+                    <a:alpha val="43137"/>
+                  </a:srgbClr>
+                </a:outerShdw>
+              </a:effectLst>
+              <a:ea typeface="Calibri" panose="020F0502020204030204" pitchFamily="34" charset="0"/>
+              <a:cs typeface="Times New Roman" panose="02020603050405020304" pitchFamily="18" charset="0"/>
+            </a:endParaRPr>
+          </a:p>
+          <a:p>
+            <a:pPr marL="342900" lvl="0" indent="-342900">
+              <a:lnSpc>
+                <a:spcPct val="115000"/>
+              </a:lnSpc>
+              <a:buFont typeface="+mj-lt"/>
+              <a:buAutoNum type="arabicPeriod"/>
+            </a:pPr>
+            <a:r>
+              <a:rPr lang="ru-RU" sz="2200" b="1" dirty="0">
+                <a:solidFill>
+                  <a:srgbClr val="FF9933"/>
+                </a:solidFill>
+                <a:effectLst>
+                  <a:outerShdw blurRad="38100" dist="38100" dir="2700000" algn="tl">
+                    <a:srgbClr val="000000">
+                      <a:alpha val="43137"/>
+                    </a:srgbClr>
+                  </a:outerShdw>
+                </a:effectLst>
+                <a:ea typeface="Times New Roman" panose="02020603050405020304" pitchFamily="18" charset="0"/>
+                <a:cs typeface="Times New Roman" panose="02020603050405020304" pitchFamily="18" charset="0"/>
+              </a:rPr>
+              <a:t>В окне нажать «Просмотр результатов обучения».</a:t>
+            </a:r>
+            <a:endParaRPr lang="ru-RU" sz="2200" b="1" dirty="0">
+              <a:solidFill>
+                <a:srgbClr val="FF9933"/>
+              </a:solidFill>
+              <a:effectLst>
+                <a:outerShdw blurRad="38100" dist="38100" dir="2700000" algn="tl">
+                  <a:srgbClr val="000000">
+                    <a:alpha val="43137"/>
+                  </a:srgbClr>
+                </a:outerShdw>
+              </a:effectLst>
+              <a:ea typeface="Calibri" panose="020F0502020204030204" pitchFamily="34" charset="0"/>
+              <a:cs typeface="Times New Roman" panose="02020603050405020304" pitchFamily="18" charset="0"/>
+            </a:endParaRPr>
+          </a:p>
+          <a:p>
+            <a:pPr marL="342900" lvl="0" indent="-342900">
+              <a:lnSpc>
+                <a:spcPct val="115000"/>
+              </a:lnSpc>
+              <a:spcAft>
+                <a:spcPts val="800"/>
+              </a:spcAft>
+              <a:buFont typeface="+mj-lt"/>
+              <a:buAutoNum type="arabicPeriod"/>
+            </a:pPr>
+            <a:r>
+              <a:rPr lang="ru-RU" sz="2200" b="1" dirty="0">
+                <a:solidFill>
+                  <a:srgbClr val="FF9933"/>
+                </a:solidFill>
+                <a:effectLst>
+                  <a:outerShdw blurRad="38100" dist="38100" dir="2700000" algn="tl">
+                    <a:srgbClr val="000000">
+                      <a:alpha val="43137"/>
+                    </a:srgbClr>
+                  </a:outerShdw>
+                </a:effectLst>
+                <a:ea typeface="Times New Roman" panose="02020603050405020304" pitchFamily="18" charset="0"/>
+                <a:cs typeface="Times New Roman" panose="02020603050405020304" pitchFamily="18" charset="0"/>
+              </a:rPr>
+              <a:t>Вписать логин ученика, нажать поиск.</a:t>
+            </a:r>
+            <a:endParaRPr lang="ru-RU" sz="2200" b="1" dirty="0">
+              <a:solidFill>
+                <a:srgbClr val="FF9933"/>
+              </a:solidFill>
+              <a:effectLst>
+                <a:outerShdw blurRad="38100" dist="38100" dir="2700000" algn="tl">
+                  <a:srgbClr val="000000">
+                    <a:alpha val="43137"/>
+                  </a:srgbClr>
+                </a:outerShdw>
+              </a:effectLst>
+              <a:ea typeface="Calibri" panose="020F0502020204030204" pitchFamily="34" charset="0"/>
+              <a:cs typeface="Times New Roman" panose="02020603050405020304" pitchFamily="18" charset="0"/>
+            </a:endParaRPr>
+          </a:p>
+          <a:p>
+            <a:pPr indent="450215">
+              <a:lnSpc>
+                <a:spcPct val="115000"/>
+              </a:lnSpc>
+              <a:spcAft>
+                <a:spcPts val="800"/>
+              </a:spcAft>
+            </a:pPr>
+            <a:r>
+              <a:rPr lang="ru-RU" sz="2200" b="1" dirty="0">
+                <a:solidFill>
+                  <a:srgbClr val="FF9933"/>
+                </a:solidFill>
+                <a:effectLst>
+                  <a:outerShdw blurRad="38100" dist="38100" dir="2700000" algn="tl">
+                    <a:srgbClr val="000000">
+                      <a:alpha val="43137"/>
+                    </a:srgbClr>
+                  </a:outerShdw>
+                </a:effectLst>
+                <a:ea typeface="Times New Roman" panose="02020603050405020304" pitchFamily="18" charset="0"/>
+                <a:cs typeface="Times New Roman" panose="02020603050405020304" pitchFamily="18" charset="0"/>
+              </a:rPr>
+              <a:t>Ожидаемый результат:</a:t>
+            </a:r>
+            <a:endParaRPr lang="ru-RU" sz="2200" b="1" dirty="0">
+              <a:solidFill>
+                <a:srgbClr val="FF9933"/>
+              </a:solidFill>
+              <a:effectLst>
+                <a:outerShdw blurRad="38100" dist="38100" dir="2700000" algn="tl">
+                  <a:srgbClr val="000000">
+                    <a:alpha val="43137"/>
+                  </a:srgbClr>
+                </a:outerShdw>
+              </a:effectLst>
+              <a:ea typeface="Calibri" panose="020F0502020204030204" pitchFamily="34" charset="0"/>
+              <a:cs typeface="Times New Roman" panose="02020603050405020304" pitchFamily="18" charset="0"/>
+            </a:endParaRPr>
+          </a:p>
+          <a:p>
+            <a:pPr marL="342900" lvl="0" indent="-342900">
+              <a:lnSpc>
+                <a:spcPct val="115000"/>
+              </a:lnSpc>
+              <a:buFont typeface="+mj-lt"/>
+              <a:buAutoNum type="arabicPeriod"/>
+            </a:pPr>
+            <a:r>
+              <a:rPr lang="ru-RU" sz="2200" b="1" dirty="0">
+                <a:solidFill>
+                  <a:srgbClr val="FF9933"/>
+                </a:solidFill>
+                <a:effectLst>
+                  <a:outerShdw blurRad="38100" dist="38100" dir="2700000" algn="tl">
+                    <a:srgbClr val="000000">
+                      <a:alpha val="43137"/>
+                    </a:srgbClr>
+                  </a:outerShdw>
+                </a:effectLst>
+                <a:ea typeface="Times New Roman" panose="02020603050405020304" pitchFamily="18" charset="0"/>
+                <a:cs typeface="Times New Roman" panose="02020603050405020304" pitchFamily="18" charset="0"/>
+              </a:rPr>
+              <a:t>Появится информация об ученике</a:t>
+            </a:r>
+            <a:endParaRPr lang="ru-RU" sz="2200" b="1" dirty="0">
+              <a:solidFill>
+                <a:srgbClr val="FF9933"/>
+              </a:solidFill>
+              <a:effectLst>
+                <a:outerShdw blurRad="38100" dist="38100" dir="2700000" algn="tl">
+                  <a:srgbClr val="000000">
+                    <a:alpha val="43137"/>
+                  </a:srgbClr>
+                </a:outerShdw>
+              </a:effectLst>
+              <a:ea typeface="Calibri" panose="020F0502020204030204" pitchFamily="34" charset="0"/>
+              <a:cs typeface="Times New Roman" panose="02020603050405020304" pitchFamily="18" charset="0"/>
+            </a:endParaRPr>
+          </a:p>
+          <a:p>
+            <a:pPr marL="342900" lvl="0" indent="-342900">
+              <a:lnSpc>
+                <a:spcPct val="115000"/>
+              </a:lnSpc>
+              <a:buFont typeface="+mj-lt"/>
+              <a:buAutoNum type="arabicPeriod"/>
+            </a:pPr>
+            <a:r>
+              <a:rPr lang="ru-RU" sz="2200" b="1" dirty="0">
+                <a:solidFill>
+                  <a:srgbClr val="FF9933"/>
+                </a:solidFill>
+                <a:effectLst>
+                  <a:outerShdw blurRad="38100" dist="38100" dir="2700000" algn="tl">
+                    <a:srgbClr val="000000">
+                      <a:alpha val="43137"/>
+                    </a:srgbClr>
+                  </a:outerShdw>
+                </a:effectLst>
+                <a:ea typeface="Times New Roman" panose="02020603050405020304" pitchFamily="18" charset="0"/>
+                <a:cs typeface="Times New Roman" panose="02020603050405020304" pitchFamily="18" charset="0"/>
+              </a:rPr>
+              <a:t>Отобразятся графики скорости печати по месяцам</a:t>
+            </a:r>
+            <a:endParaRPr lang="ru-RU" sz="2200" b="1" dirty="0">
+              <a:solidFill>
+                <a:srgbClr val="FF9933"/>
+              </a:solidFill>
+              <a:effectLst>
+                <a:outerShdw blurRad="38100" dist="38100" dir="2700000" algn="tl">
+                  <a:srgbClr val="000000">
+                    <a:alpha val="43137"/>
+                  </a:srgbClr>
+                </a:outerShdw>
+              </a:effectLst>
+              <a:ea typeface="Calibri" panose="020F0502020204030204" pitchFamily="34" charset="0"/>
+              <a:cs typeface="Times New Roman" panose="02020603050405020304" pitchFamily="18" charset="0"/>
+            </a:endParaRPr>
+          </a:p>
+          <a:p>
+            <a:pPr marL="342900" lvl="0" indent="-342900">
+              <a:lnSpc>
+                <a:spcPct val="115000"/>
+              </a:lnSpc>
+              <a:spcAft>
+                <a:spcPts val="800"/>
+              </a:spcAft>
+              <a:buFont typeface="+mj-lt"/>
+              <a:buAutoNum type="arabicPeriod"/>
+            </a:pPr>
+            <a:r>
+              <a:rPr lang="ru-RU" sz="2200" b="1" dirty="0">
+                <a:solidFill>
+                  <a:srgbClr val="FF9933"/>
+                </a:solidFill>
+                <a:effectLst>
+                  <a:outerShdw blurRad="38100" dist="38100" dir="2700000" algn="tl">
+                    <a:srgbClr val="000000">
+                      <a:alpha val="43137"/>
+                    </a:srgbClr>
+                  </a:outerShdw>
+                </a:effectLst>
+                <a:ea typeface="Times New Roman" panose="02020603050405020304" pitchFamily="18" charset="0"/>
+                <a:cs typeface="Times New Roman" panose="02020603050405020304" pitchFamily="18" charset="0"/>
+              </a:rPr>
+              <a:t>Отобразится информация о пройденных тестах. </a:t>
+            </a:r>
+            <a:endParaRPr lang="ru-RU" sz="2200" b="1" dirty="0">
+              <a:solidFill>
+                <a:srgbClr val="FF9933"/>
+              </a:solidFill>
+              <a:effectLst>
+                <a:outerShdw blurRad="38100" dist="38100" dir="2700000" algn="tl">
+                  <a:srgbClr val="000000">
+                    <a:alpha val="43137"/>
+                  </a:srgbClr>
+                </a:outerShdw>
+              </a:effectLst>
+              <a:ea typeface="Calibri" panose="020F0502020204030204" pitchFamily="34" charset="0"/>
+              <a:cs typeface="Times New Roman" panose="02020603050405020304" pitchFamily="18" charset="0"/>
+            </a:endParaRPr>
+          </a:p>
+        </p:txBody>
+      </p:sp>
     </p:spTree>
     <p:extLst>
       <p:ext uri="{BB962C8B-B14F-4D97-AF65-F5344CB8AC3E}">
-        <p14:creationId xmlns:p14="http://schemas.microsoft.com/office/powerpoint/2010/main" val="1365075318"/>
+        <p14:creationId xmlns:p14="http://schemas.microsoft.com/office/powerpoint/2010/main" val="2714350515"/>
       </p:ext>
     </p:extLst>
   </p:cSld>
